--- a/courses/sysprog/slides/lec16-queue.pptx
+++ b/courses/sysprog/slides/lec16-queue.pptx
@@ -1,11 +1,11 @@
 
 <file path=ppt/presentation.xml><?xml version="1.0" encoding="utf-8"?>
-<p:presentation xmlns:a="http://schemas.openxmlformats.org/drawingml/2006/main" xmlns:r="http://schemas.openxmlformats.org/officeDocument/2006/relationships" xmlns:p="http://schemas.openxmlformats.org/presentationml/2006/main" compatMode="1" saveSubsetFonts="1" autoCompressPictures="0">
+<p:presentation xmlns:a="http://schemas.openxmlformats.org/drawingml/2006/main" xmlns:r="http://schemas.openxmlformats.org/officeDocument/2006/relationships" xmlns:p="http://schemas.openxmlformats.org/presentationml/2006/main" saveSubsetFonts="1" autoCompressPictures="0">
   <p:sldMasterIdLst>
     <p:sldMasterId id="2147483649" r:id="rId1"/>
   </p:sldMasterIdLst>
   <p:handoutMasterIdLst>
-    <p:handoutMasterId r:id="rId32"/>
+    <p:handoutMasterId r:id="rId28"/>
   </p:handoutMasterIdLst>
   <p:sldIdLst>
     <p:sldId id="256" r:id="rId2"/>
@@ -33,16 +33,12 @@
     <p:sldId id="399" r:id="rId24"/>
     <p:sldId id="378" r:id="rId25"/>
     <p:sldId id="379" r:id="rId26"/>
-    <p:sldId id="380" r:id="rId27"/>
-    <p:sldId id="385" r:id="rId28"/>
-    <p:sldId id="381" r:id="rId29"/>
-    <p:sldId id="382" r:id="rId30"/>
-    <p:sldId id="386" r:id="rId31"/>
+    <p:sldId id="386" r:id="rId27"/>
   </p:sldIdLst>
   <p:sldSz cx="9144000" cy="6858000" type="screen4x3"/>
   <p:notesSz cx="7099300" cy="10234613"/>
   <p:custDataLst>
-    <p:tags r:id="rId33"/>
+    <p:tags r:id="rId29"/>
   </p:custDataLst>
   <p:defaultTextStyle>
     <a:defPPr>
@@ -5225,13 +5221,58 @@
               <a:buNone/>
             </a:pPr>
             <a:r>
-              <a:rPr lang="en-US" altLang="zh-CN" sz="2000" b="1">
-                <a:solidFill>
-                  <a:schemeClr val="folHlink"/>
+              <a:rPr lang="en-US" altLang="zh-CN" sz="2000" b="1" dirty="0" err="1">
+                <a:solidFill>
+                  <a:srgbClr val="0432FF"/>
                 </a:solidFill>
                 <a:latin typeface="Courier New" panose="02070309020205020404" pitchFamily="49" charset="0"/>
               </a:rPr>
-              <a:t>poly Queue_deQueue (Queue_t q)</a:t>
+              <a:t>Poly_t</a:t>
+            </a:r>
+            <a:r>
+              <a:rPr lang="en-US" altLang="zh-CN" sz="2000" b="1" dirty="0">
+                <a:solidFill>
+                  <a:srgbClr val="0432FF"/>
+                </a:solidFill>
+                <a:latin typeface="Courier New" panose="02070309020205020404" pitchFamily="49" charset="0"/>
+              </a:rPr>
+              <a:t> </a:t>
+            </a:r>
+            <a:r>
+              <a:rPr lang="en-US" altLang="zh-CN" sz="2000" b="1" dirty="0" err="1">
+                <a:solidFill>
+                  <a:srgbClr val="0432FF"/>
+                </a:solidFill>
+                <a:latin typeface="Courier New" panose="02070309020205020404" pitchFamily="49" charset="0"/>
+              </a:rPr>
+              <a:t>Queue_deQueue</a:t>
+            </a:r>
+            <a:r>
+              <a:rPr lang="en-US" altLang="zh-CN" sz="2000" b="1" dirty="0">
+                <a:solidFill>
+                  <a:srgbClr val="0432FF"/>
+                </a:solidFill>
+                <a:latin typeface="Courier New" panose="02070309020205020404" pitchFamily="49" charset="0"/>
+              </a:rPr>
+              <a:t>(</a:t>
+            </a:r>
+            <a:r>
+              <a:rPr lang="en-US" altLang="zh-CN" sz="2000" b="1" dirty="0" err="1">
+                <a:solidFill>
+                  <a:srgbClr val="0432FF"/>
+                </a:solidFill>
+                <a:latin typeface="Courier New" panose="02070309020205020404" pitchFamily="49" charset="0"/>
+              </a:rPr>
+              <a:t>Queue_t</a:t>
+            </a:r>
+            <a:r>
+              <a:rPr lang="en-US" altLang="zh-CN" sz="2000" b="1" dirty="0">
+                <a:solidFill>
+                  <a:srgbClr val="0432FF"/>
+                </a:solidFill>
+                <a:latin typeface="Courier New" panose="02070309020205020404" pitchFamily="49" charset="0"/>
+              </a:rPr>
+              <a:t> q){</a:t>
             </a:r>
           </a:p>
           <a:p>
@@ -5243,13 +5284,31 @@
               <a:buNone/>
             </a:pPr>
             <a:r>
-              <a:rPr lang="en-US" altLang="zh-CN" sz="2000" b="1">
-                <a:solidFill>
-                  <a:schemeClr val="folHlink"/>
+              <a:rPr lang="en-US" altLang="zh-CN" sz="2000" b="1" dirty="0">
+                <a:solidFill>
+                  <a:srgbClr val="0432FF"/>
                 </a:solidFill>
                 <a:latin typeface="Courier New" panose="02070309020205020404" pitchFamily="49" charset="0"/>
               </a:rPr>
-              <a:t>{</a:t>
+              <a:t>  assert(!</a:t>
+            </a:r>
+            <a:r>
+              <a:rPr lang="en-US" altLang="zh-CN" sz="2000" b="1" dirty="0" err="1">
+                <a:solidFill>
+                  <a:srgbClr val="0432FF"/>
+                </a:solidFill>
+                <a:latin typeface="Courier New" panose="02070309020205020404" pitchFamily="49" charset="0"/>
+              </a:rPr>
+              <a:t>Array_isEmpty</a:t>
+            </a:r>
+            <a:r>
+              <a:rPr lang="en-US" altLang="zh-CN" sz="2000" b="1" dirty="0">
+                <a:solidFill>
+                  <a:srgbClr val="0432FF"/>
+                </a:solidFill>
+                <a:latin typeface="Courier New" panose="02070309020205020404" pitchFamily="49" charset="0"/>
+              </a:rPr>
+              <a:t>(q-&gt;v));</a:t>
             </a:r>
           </a:p>
           <a:p>
@@ -5261,13 +5320,31 @@
               <a:buNone/>
             </a:pPr>
             <a:r>
-              <a:rPr lang="en-US" altLang="zh-CN" sz="2000" b="1">
-                <a:solidFill>
-                  <a:schemeClr val="folHlink"/>
+              <a:rPr lang="en-US" altLang="zh-CN" sz="2000" b="1" dirty="0">
+                <a:solidFill>
+                  <a:srgbClr val="0432FF"/>
                 </a:solidFill>
                 <a:latin typeface="Courier New" panose="02070309020205020404" pitchFamily="49" charset="0"/>
               </a:rPr>
-              <a:t>  if (Array_isEmpty (q-&gt;l))</a:t>
+              <a:t>	return </a:t>
+            </a:r>
+            <a:r>
+              <a:rPr lang="en-US" altLang="zh-CN" sz="2000" b="1" dirty="0" err="1">
+                <a:solidFill>
+                  <a:srgbClr val="0432FF"/>
+                </a:solidFill>
+                <a:latin typeface="Courier New" panose="02070309020205020404" pitchFamily="49" charset="0"/>
+              </a:rPr>
+              <a:t>Array_deleteFirst</a:t>
+            </a:r>
+            <a:r>
+              <a:rPr lang="en-US" altLang="zh-CN" sz="2000" b="1" dirty="0">
+                <a:solidFill>
+                  <a:srgbClr val="0432FF"/>
+                </a:solidFill>
+                <a:latin typeface="Courier New" panose="02070309020205020404" pitchFamily="49" charset="0"/>
+              </a:rPr>
+              <a:t>(q-&gt;v);</a:t>
             </a:r>
           </a:p>
           <a:p>
@@ -5279,13 +5356,13 @@
               <a:buNone/>
             </a:pPr>
             <a:r>
-              <a:rPr lang="en-US" altLang="zh-CN" sz="2000" b="1">
-                <a:solidFill>
-                  <a:schemeClr val="folHlink"/>
+              <a:rPr lang="en-US" altLang="zh-CN" sz="2000" b="1" dirty="0">
+                <a:solidFill>
+                  <a:srgbClr val="0432FF"/>
                 </a:solidFill>
                 <a:latin typeface="Courier New" panose="02070309020205020404" pitchFamily="49" charset="0"/>
               </a:rPr>
-              <a:t>    error (“empty queue”); </a:t>
+              <a:t>}</a:t>
             </a:r>
           </a:p>
           <a:p>
@@ -5296,45 +5373,9 @@
               <a:buFont typeface="Wingdings" pitchFamily="2" charset="2"/>
               <a:buNone/>
             </a:pPr>
-            <a:r>
-              <a:rPr lang="en-US" altLang="zh-CN" sz="2000" b="1">
-                <a:solidFill>
-                  <a:schemeClr val="folHlink"/>
-                </a:solidFill>
-                <a:latin typeface="Courier New" panose="02070309020205020404" pitchFamily="49" charset="0"/>
-              </a:rPr>
-              <a:t>  return Array_deleteFirst (q-&gt;l);</a:t>
-            </a:r>
-          </a:p>
-          <a:p>
-            <a:pPr>
-              <a:lnSpc>
-                <a:spcPct val="90000"/>
-              </a:lnSpc>
-              <a:buFont typeface="Wingdings" pitchFamily="2" charset="2"/>
-              <a:buNone/>
-            </a:pPr>
-            <a:r>
-              <a:rPr lang="en-US" altLang="zh-CN" sz="2000" b="1">
-                <a:solidFill>
-                  <a:schemeClr val="folHlink"/>
-                </a:solidFill>
-                <a:latin typeface="Courier New" panose="02070309020205020404" pitchFamily="49" charset="0"/>
-              </a:rPr>
-              <a:t>}</a:t>
-            </a:r>
-          </a:p>
-          <a:p>
-            <a:pPr>
-              <a:lnSpc>
-                <a:spcPct val="90000"/>
-              </a:lnSpc>
-              <a:buFont typeface="Wingdings" pitchFamily="2" charset="2"/>
-              <a:buNone/>
-            </a:pPr>
-            <a:endParaRPr lang="en-US" altLang="zh-CN" sz="2000">
+            <a:endParaRPr lang="en-US" altLang="zh-CN" sz="2000" dirty="0">
               <a:solidFill>
-                <a:schemeClr val="folHlink"/>
+                <a:srgbClr val="0432FF"/>
               </a:solidFill>
             </a:endParaRPr>
           </a:p>
@@ -6083,8 +6124,8 @@
           <a:p>
             <a:pPr algn="ctr"/>
             <a:r>
-              <a:rPr lang="en-US" altLang="zh-CN" sz="2000"/>
-              <a:t>max</a:t>
+              <a:rPr lang="en-US" altLang="zh-CN" sz="2000" dirty="0"/>
+              <a:t>cap</a:t>
             </a:r>
           </a:p>
         </p:txBody>
@@ -6141,8 +6182,8 @@
           <a:p>
             <a:pPr algn="ctr"/>
             <a:r>
-              <a:rPr lang="en-US" altLang="zh-CN" sz="2000"/>
-              <a:t>tail</a:t>
+              <a:rPr lang="en-US" altLang="zh-CN" sz="2000" dirty="0"/>
+              <a:t>next</a:t>
             </a:r>
           </a:p>
         </p:txBody>
@@ -6381,8 +6422,8 @@
             <a:p>
               <a:pPr algn="ctr"/>
               <a:r>
-                <a:rPr lang="en-US" altLang="zh-CN" sz="2000"/>
-                <a:t>l</a:t>
+                <a:rPr lang="en-US" altLang="zh-CN" sz="2000" dirty="0"/>
+                <a:t>v</a:t>
               </a:r>
             </a:p>
           </p:txBody>
@@ -7383,8 +7424,8 @@
           <a:p>
             <a:pPr algn="ctr"/>
             <a:r>
-              <a:rPr lang="en-US" altLang="zh-CN" sz="2000"/>
-              <a:t>max</a:t>
+              <a:rPr lang="en-US" altLang="zh-CN" sz="2000" dirty="0"/>
+              <a:t>cap</a:t>
             </a:r>
           </a:p>
         </p:txBody>
@@ -7441,8 +7482,8 @@
           <a:p>
             <a:pPr algn="ctr"/>
             <a:r>
-              <a:rPr lang="en-US" altLang="zh-CN" sz="2000"/>
-              <a:t>tail</a:t>
+              <a:rPr lang="en-US" altLang="zh-CN" sz="2000" dirty="0"/>
+              <a:t>next</a:t>
             </a:r>
           </a:p>
         </p:txBody>
@@ -7681,8 +7722,8 @@
             <a:p>
               <a:pPr algn="ctr"/>
               <a:r>
-                <a:rPr lang="en-US" altLang="zh-CN" sz="2000"/>
-                <a:t>l</a:t>
+                <a:rPr lang="en-US" altLang="zh-CN" sz="2000" dirty="0"/>
+                <a:t>v</a:t>
               </a:r>
             </a:p>
           </p:txBody>
@@ -8015,65 +8056,81 @@
           <a:lstStyle/>
           <a:p>
             <a:r>
-              <a:rPr lang="en-US" altLang="zh-CN"/>
+              <a:rPr lang="en-US" altLang="zh-CN" dirty="0"/>
               <a:t>What</a:t>
             </a:r>
             <a:r>
-              <a:rPr lang="en-US" altLang="zh-CN">
+              <a:rPr lang="en-US" altLang="zh-CN" dirty="0">
                 <a:latin typeface="Arial" panose="020B0604020202020204" pitchFamily="34" charset="0"/>
               </a:rPr>
               <a:t>’</a:t>
             </a:r>
             <a:r>
-              <a:rPr lang="en-US" altLang="zh-CN"/>
-              <a:t>s the complexity?</a:t>
+              <a:rPr lang="en-US" altLang="zh-CN" dirty="0"/>
+              <a:t>s the</a:t>
+            </a:r>
+            <a:r>
+              <a:rPr lang="zh-CN" altLang="en-US" dirty="0"/>
+              <a:t> </a:t>
+            </a:r>
+            <a:r>
+              <a:rPr lang="en-US" altLang="zh-CN" dirty="0"/>
+              <a:t>time complexity?</a:t>
             </a:r>
           </a:p>
           <a:p>
             <a:pPr lvl="1"/>
             <a:r>
-              <a:rPr lang="en-US" altLang="zh-CN"/>
-              <a:t>enQueue: O(1)</a:t>
+              <a:rPr lang="en-US" altLang="zh-CN" dirty="0" err="1"/>
+              <a:t>enQueue</a:t>
+            </a:r>
+            <a:r>
+              <a:rPr lang="en-US" altLang="zh-CN" dirty="0"/>
+              <a:t>: O(1)</a:t>
             </a:r>
           </a:p>
           <a:p>
             <a:pPr lvl="1"/>
             <a:r>
-              <a:rPr lang="en-US" altLang="zh-CN"/>
-              <a:t>deQueue: O(n)</a:t>
+              <a:rPr lang="en-US" altLang="zh-CN" dirty="0" err="1"/>
+              <a:t>deQueue</a:t>
+            </a:r>
+            <a:r>
+              <a:rPr lang="en-US" altLang="zh-CN" dirty="0"/>
+              <a:t>: O(n)</a:t>
             </a:r>
           </a:p>
           <a:p>
             <a:pPr lvl="2"/>
             <a:r>
-              <a:rPr lang="en-US" altLang="zh-CN"/>
+              <a:rPr lang="en-US" altLang="zh-CN" dirty="0"/>
               <a:t>data movement</a:t>
             </a:r>
           </a:p>
           <a:p>
             <a:r>
-              <a:rPr lang="en-US" altLang="zh-CN"/>
+              <a:rPr lang="en-US" altLang="zh-CN" dirty="0"/>
               <a:t>Can we do better?</a:t>
             </a:r>
           </a:p>
           <a:p>
             <a:pPr lvl="1"/>
             <a:r>
-              <a:rPr lang="en-US" altLang="zh-CN"/>
+              <a:rPr lang="en-US" altLang="zh-CN" dirty="0"/>
               <a:t>Lazy approach</a:t>
             </a:r>
           </a:p>
           <a:p>
             <a:pPr lvl="2"/>
             <a:r>
-              <a:rPr lang="en-US" altLang="zh-CN"/>
+              <a:rPr lang="en-US" altLang="zh-CN" dirty="0"/>
               <a:t>better amortized performance</a:t>
             </a:r>
           </a:p>
           <a:p>
             <a:pPr lvl="1"/>
             <a:r>
-              <a:rPr lang="en-US" altLang="zh-CN"/>
+              <a:rPr lang="en-US" altLang="zh-CN" dirty="0"/>
               <a:t>Circular queue</a:t>
             </a:r>
           </a:p>
@@ -8154,61 +8211,61 @@
           <a:lstStyle/>
           <a:p>
             <a:r>
-              <a:rPr lang="en-US" altLang="zh-CN"/>
+              <a:rPr lang="en-US" altLang="zh-CN" dirty="0"/>
               <a:t>Instead of moving data when </a:t>
             </a:r>
             <a:r>
-              <a:rPr lang="en-US" altLang="zh-CN">
+              <a:rPr lang="en-US" altLang="zh-CN" dirty="0">
                 <a:latin typeface="Arial" panose="020B0604020202020204" pitchFamily="34" charset="0"/>
               </a:rPr>
               <a:t>“</a:t>
             </a:r>
             <a:r>
-              <a:rPr lang="en-US" altLang="zh-CN"/>
+              <a:rPr lang="en-US" altLang="zh-CN" dirty="0" err="1"/>
               <a:t>deQueue</a:t>
             </a:r>
             <a:r>
-              <a:rPr lang="en-US" altLang="zh-CN">
+              <a:rPr lang="en-US" altLang="zh-CN" dirty="0">
                 <a:latin typeface="Arial" panose="020B0604020202020204" pitchFamily="34" charset="0"/>
               </a:rPr>
               <a:t>”</a:t>
             </a:r>
             <a:r>
-              <a:rPr lang="en-US" altLang="zh-CN"/>
+              <a:rPr lang="en-US" altLang="zh-CN" dirty="0"/>
               <a:t>, we move data only when </a:t>
             </a:r>
             <a:r>
-              <a:rPr lang="en-US" altLang="zh-CN">
+              <a:rPr lang="en-US" altLang="zh-CN" dirty="0">
                 <a:latin typeface="Arial" panose="020B0604020202020204" pitchFamily="34" charset="0"/>
               </a:rPr>
               <a:t>“</a:t>
             </a:r>
             <a:r>
-              <a:rPr lang="en-US" altLang="zh-CN"/>
+              <a:rPr lang="en-US" altLang="zh-CN" dirty="0" err="1"/>
               <a:t>enQueue</a:t>
             </a:r>
             <a:r>
-              <a:rPr lang="en-US" altLang="zh-CN">
+              <a:rPr lang="en-US" altLang="zh-CN" dirty="0">
                 <a:latin typeface="Arial" panose="020B0604020202020204" pitchFamily="34" charset="0"/>
               </a:rPr>
               <a:t>”</a:t>
             </a:r>
             <a:r>
-              <a:rPr lang="en-US" altLang="zh-CN"/>
+              <a:rPr lang="en-US" altLang="zh-CN" dirty="0"/>
               <a:t> reaching the tail of the queue</a:t>
             </a:r>
           </a:p>
           <a:p>
             <a:pPr lvl="1"/>
             <a:r>
-              <a:rPr lang="en-US" altLang="zh-CN"/>
-              <a:t>O(n) on n operations</a:t>
+              <a:rPr lang="en-US" altLang="zh-CN" dirty="0"/>
+              <a:t>O(n) for n operations</a:t>
             </a:r>
           </a:p>
           <a:p>
             <a:pPr lvl="1"/>
             <a:r>
-              <a:rPr lang="en-US" altLang="zh-CN"/>
+              <a:rPr lang="en-US" altLang="zh-CN" dirty="0"/>
               <a:t>which has O(1) amortized cost</a:t>
             </a:r>
           </a:p>
@@ -8289,24 +8346,24 @@
           <a:lstStyle/>
           <a:p>
             <a:r>
-              <a:rPr lang="en-US" altLang="zh-CN"/>
+              <a:rPr lang="en-US" altLang="zh-CN" dirty="0"/>
               <a:t>What</a:t>
             </a:r>
             <a:r>
-              <a:rPr lang="en-US" altLang="zh-CN">
+              <a:rPr lang="en-US" altLang="zh-CN" dirty="0">
                 <a:latin typeface="Arial" panose="020B0604020202020204" pitchFamily="34" charset="0"/>
               </a:rPr>
               <a:t>’</a:t>
             </a:r>
             <a:r>
-              <a:rPr lang="en-US" altLang="zh-CN"/>
+              <a:rPr lang="en-US" altLang="zh-CN" dirty="0"/>
               <a:t>s necessary modification?</a:t>
             </a:r>
           </a:p>
           <a:p>
             <a:pPr lvl="1"/>
             <a:r>
-              <a:rPr lang="en-US" altLang="zh-CN"/>
+              <a:rPr lang="en-US" altLang="zh-CN" dirty="0"/>
               <a:t>Leave this as a programming assignment</a:t>
             </a:r>
           </a:p>
@@ -8948,8 +9005,8 @@
           <a:p>
             <a:pPr algn="ctr"/>
             <a:r>
-              <a:rPr lang="en-US" altLang="zh-CN" sz="2000"/>
-              <a:t>max</a:t>
+              <a:rPr lang="en-US" altLang="zh-CN" sz="2000" dirty="0"/>
+              <a:t>cap</a:t>
             </a:r>
           </a:p>
         </p:txBody>
@@ -9006,8 +9063,8 @@
           <a:p>
             <a:pPr algn="ctr"/>
             <a:r>
-              <a:rPr lang="en-US" altLang="zh-CN" sz="2000"/>
-              <a:t>tail</a:t>
+              <a:rPr lang="en-US" altLang="zh-CN" sz="2000" dirty="0"/>
+              <a:t>next</a:t>
             </a:r>
           </a:p>
         </p:txBody>
@@ -9246,8 +9303,8 @@
             <a:p>
               <a:pPr algn="ctr"/>
               <a:r>
-                <a:rPr lang="en-US" altLang="zh-CN" sz="2000"/>
-                <a:t>l</a:t>
+                <a:rPr lang="en-US" altLang="zh-CN" sz="2000" dirty="0"/>
+                <a:t>v</a:t>
               </a:r>
             </a:p>
           </p:txBody>
@@ -9654,7 +9711,10 @@
               </a:spcBef>
             </a:pPr>
             <a:r>
-              <a:rPr lang="en-US" altLang="zh-CN" sz="2000" b="1">
+              <a:rPr lang="en-US" altLang="zh-CN" sz="2000" b="1" dirty="0">
+                <a:solidFill>
+                  <a:srgbClr val="0432FF"/>
+                </a:solidFill>
                 <a:latin typeface="Courier New" panose="02070309020205020404" pitchFamily="49" charset="0"/>
               </a:rPr>
               <a:t>head = tail = 0;</a:t>
@@ -10963,10 +11023,22 @@
               </a:spcBef>
             </a:pPr>
             <a:r>
-              <a:rPr lang="en-US" altLang="zh-CN" sz="2000" b="1">
+              <a:rPr lang="en-US" altLang="zh-CN" sz="2000" b="1" dirty="0" err="1">
+                <a:solidFill>
+                  <a:srgbClr val="0432FF"/>
+                </a:solidFill>
                 <a:latin typeface="Courier New" panose="02070309020205020404" pitchFamily="49" charset="0"/>
               </a:rPr>
-              <a:t>enQueue (q, ‘a’);</a:t>
+              <a:t>enQueue</a:t>
+            </a:r>
+            <a:r>
+              <a:rPr lang="en-US" altLang="zh-CN" sz="2000" b="1" dirty="0">
+                <a:solidFill>
+                  <a:srgbClr val="0432FF"/>
+                </a:solidFill>
+                <a:latin typeface="Courier New" panose="02070309020205020404" pitchFamily="49" charset="0"/>
+              </a:rPr>
+              <a:t>(q, ‘a’);</a:t>
             </a:r>
           </a:p>
         </p:txBody>
@@ -11473,7 +11545,10 @@
               </a:spcBef>
             </a:pPr>
             <a:r>
-              <a:rPr lang="en-US" altLang="zh-CN" sz="2000" b="1">
+              <a:rPr lang="en-US" altLang="zh-CN" sz="2000" b="1" dirty="0">
+                <a:solidFill>
+                  <a:srgbClr val="0432FF"/>
+                </a:solidFill>
                 <a:latin typeface="Courier New" panose="02070309020205020404" pitchFamily="49" charset="0"/>
               </a:rPr>
               <a:t>head = tail = 0;</a:t>
@@ -12782,10 +12857,22 @@
               </a:spcBef>
             </a:pPr>
             <a:r>
-              <a:rPr lang="en-US" altLang="zh-CN" sz="2000" b="1">
+              <a:rPr lang="en-US" altLang="zh-CN" sz="2000" b="1" dirty="0" err="1">
+                <a:solidFill>
+                  <a:srgbClr val="0432FF"/>
+                </a:solidFill>
                 <a:latin typeface="Courier New" panose="02070309020205020404" pitchFamily="49" charset="0"/>
               </a:rPr>
-              <a:t>enQueue (q, ‘a’);</a:t>
+              <a:t>enQueue</a:t>
+            </a:r>
+            <a:r>
+              <a:rPr lang="en-US" altLang="zh-CN" sz="2000" b="1" dirty="0">
+                <a:solidFill>
+                  <a:srgbClr val="0432FF"/>
+                </a:solidFill>
+                <a:latin typeface="Courier New" panose="02070309020205020404" pitchFamily="49" charset="0"/>
+              </a:rPr>
+              <a:t>(q, ‘a’);</a:t>
             </a:r>
           </a:p>
         </p:txBody>
@@ -12858,10 +12945,22 @@
               </a:spcBef>
             </a:pPr>
             <a:r>
-              <a:rPr lang="en-US" altLang="zh-CN" sz="2000" b="1">
+              <a:rPr lang="en-US" altLang="zh-CN" sz="2000" b="1" dirty="0" err="1">
+                <a:solidFill>
+                  <a:srgbClr val="0432FF"/>
+                </a:solidFill>
                 <a:latin typeface="Courier New" panose="02070309020205020404" pitchFamily="49" charset="0"/>
               </a:rPr>
-              <a:t>enQueue (q, ‘b’);</a:t>
+              <a:t>enQueue</a:t>
+            </a:r>
+            <a:r>
+              <a:rPr lang="en-US" altLang="zh-CN" sz="2000" b="1" dirty="0">
+                <a:solidFill>
+                  <a:srgbClr val="0432FF"/>
+                </a:solidFill>
+                <a:latin typeface="Courier New" panose="02070309020205020404" pitchFamily="49" charset="0"/>
+              </a:rPr>
+              <a:t>(q, ‘b’);</a:t>
             </a:r>
           </a:p>
         </p:txBody>
@@ -14497,10 +14596,22 @@
               </a:spcBef>
             </a:pPr>
             <a:r>
-              <a:rPr lang="en-US" altLang="zh-CN" sz="2000" b="1">
+              <a:rPr lang="en-US" altLang="zh-CN" sz="2000" b="1" dirty="0" err="1">
+                <a:solidFill>
+                  <a:srgbClr val="0432FF"/>
+                </a:solidFill>
                 <a:latin typeface="Courier New" panose="02070309020205020404" pitchFamily="49" charset="0"/>
               </a:rPr>
-              <a:t>enQueue (q, ‘a’);</a:t>
+              <a:t>enQueue</a:t>
+            </a:r>
+            <a:r>
+              <a:rPr lang="en-US" altLang="zh-CN" sz="2000" b="1" dirty="0">
+                <a:solidFill>
+                  <a:srgbClr val="0432FF"/>
+                </a:solidFill>
+                <a:latin typeface="Courier New" panose="02070309020205020404" pitchFamily="49" charset="0"/>
+              </a:rPr>
+              <a:t>(q, ‘a’);</a:t>
             </a:r>
           </a:p>
         </p:txBody>
@@ -14573,10 +14684,22 @@
               </a:spcBef>
             </a:pPr>
             <a:r>
-              <a:rPr lang="en-US" altLang="zh-CN" sz="2000" b="1">
+              <a:rPr lang="en-US" altLang="zh-CN" sz="2000" b="1" dirty="0" err="1">
+                <a:solidFill>
+                  <a:srgbClr val="0432FF"/>
+                </a:solidFill>
                 <a:latin typeface="Courier New" panose="02070309020205020404" pitchFamily="49" charset="0"/>
               </a:rPr>
-              <a:t>enQueue (q, ‘b’);</a:t>
+              <a:t>enQueue</a:t>
+            </a:r>
+            <a:r>
+              <a:rPr lang="en-US" altLang="zh-CN" sz="2000" b="1" dirty="0">
+                <a:solidFill>
+                  <a:srgbClr val="0432FF"/>
+                </a:solidFill>
+                <a:latin typeface="Courier New" panose="02070309020205020404" pitchFamily="49" charset="0"/>
+              </a:rPr>
+              <a:t>(q, ‘b’);</a:t>
             </a:r>
           </a:p>
         </p:txBody>
@@ -14649,10 +14772,22 @@
               </a:spcBef>
             </a:pPr>
             <a:r>
-              <a:rPr lang="en-US" altLang="zh-CN" sz="2000" b="1">
+              <a:rPr lang="en-US" altLang="zh-CN" sz="2000" b="1" dirty="0" err="1">
+                <a:solidFill>
+                  <a:srgbClr val="0432FF"/>
+                </a:solidFill>
                 <a:latin typeface="Courier New" panose="02070309020205020404" pitchFamily="49" charset="0"/>
               </a:rPr>
-              <a:t>enQueue (q, ‘c’);</a:t>
+              <a:t>enQueue</a:t>
+            </a:r>
+            <a:r>
+              <a:rPr lang="en-US" altLang="zh-CN" sz="2000" b="1" dirty="0">
+                <a:solidFill>
+                  <a:srgbClr val="0432FF"/>
+                </a:solidFill>
+                <a:latin typeface="Courier New" panose="02070309020205020404" pitchFamily="49" charset="0"/>
+              </a:rPr>
+              <a:t>(q, ‘c’);</a:t>
             </a:r>
           </a:p>
         </p:txBody>
@@ -16375,10 +16510,22 @@
               </a:spcBef>
             </a:pPr>
             <a:r>
-              <a:rPr lang="en-US" altLang="zh-CN" sz="2000" b="1">
+              <a:rPr lang="en-US" altLang="zh-CN" sz="2000" b="1" dirty="0" err="1">
+                <a:solidFill>
+                  <a:srgbClr val="0432FF"/>
+                </a:solidFill>
                 <a:latin typeface="Courier New" panose="02070309020205020404" pitchFamily="49" charset="0"/>
               </a:rPr>
-              <a:t>enQueue (q, ‘a’);</a:t>
+              <a:t>enQueue</a:t>
+            </a:r>
+            <a:r>
+              <a:rPr lang="en-US" altLang="zh-CN" sz="2000" b="1" dirty="0">
+                <a:solidFill>
+                  <a:srgbClr val="0432FF"/>
+                </a:solidFill>
+                <a:latin typeface="Courier New" panose="02070309020205020404" pitchFamily="49" charset="0"/>
+              </a:rPr>
+              <a:t>(q, ‘a’);</a:t>
             </a:r>
           </a:p>
         </p:txBody>
@@ -16451,10 +16598,22 @@
               </a:spcBef>
             </a:pPr>
             <a:r>
-              <a:rPr lang="en-US" altLang="zh-CN" sz="2000" b="1">
+              <a:rPr lang="en-US" altLang="zh-CN" sz="2000" b="1" dirty="0" err="1">
+                <a:solidFill>
+                  <a:srgbClr val="0432FF"/>
+                </a:solidFill>
                 <a:latin typeface="Courier New" panose="02070309020205020404" pitchFamily="49" charset="0"/>
               </a:rPr>
-              <a:t>enQueue (q, ‘b’);</a:t>
+              <a:t>enQueue</a:t>
+            </a:r>
+            <a:r>
+              <a:rPr lang="en-US" altLang="zh-CN" sz="2000" b="1" dirty="0">
+                <a:solidFill>
+                  <a:srgbClr val="0432FF"/>
+                </a:solidFill>
+                <a:latin typeface="Courier New" panose="02070309020205020404" pitchFamily="49" charset="0"/>
+              </a:rPr>
+              <a:t>(q, ‘b’);</a:t>
             </a:r>
           </a:p>
         </p:txBody>
@@ -16527,10 +16686,22 @@
               </a:spcBef>
             </a:pPr>
             <a:r>
-              <a:rPr lang="en-US" altLang="zh-CN" sz="2000" b="1">
+              <a:rPr lang="en-US" altLang="zh-CN" sz="2000" b="1" dirty="0" err="1">
+                <a:solidFill>
+                  <a:srgbClr val="0432FF"/>
+                </a:solidFill>
                 <a:latin typeface="Courier New" panose="02070309020205020404" pitchFamily="49" charset="0"/>
               </a:rPr>
-              <a:t>enQueue (q, ‘c’);</a:t>
+              <a:t>enQueue</a:t>
+            </a:r>
+            <a:r>
+              <a:rPr lang="en-US" altLang="zh-CN" sz="2000" b="1" dirty="0">
+                <a:solidFill>
+                  <a:srgbClr val="0432FF"/>
+                </a:solidFill>
+                <a:latin typeface="Courier New" panose="02070309020205020404" pitchFamily="49" charset="0"/>
+              </a:rPr>
+              <a:t>(q, ‘c’);</a:t>
             </a:r>
           </a:p>
         </p:txBody>
@@ -16603,10 +16774,22 @@
               </a:spcBef>
             </a:pPr>
             <a:r>
-              <a:rPr lang="en-US" altLang="zh-CN" sz="2000" b="1">
+              <a:rPr lang="en-US" altLang="zh-CN" sz="2000" b="1" dirty="0" err="1">
+                <a:solidFill>
+                  <a:srgbClr val="0432FF"/>
+                </a:solidFill>
                 <a:latin typeface="Courier New" panose="02070309020205020404" pitchFamily="49" charset="0"/>
               </a:rPr>
-              <a:t>enQueue (q, ‘d’);</a:t>
+              <a:t>enQueue</a:t>
+            </a:r>
+            <a:r>
+              <a:rPr lang="en-US" altLang="zh-CN" sz="2000" b="1" dirty="0">
+                <a:solidFill>
+                  <a:srgbClr val="0432FF"/>
+                </a:solidFill>
+                <a:latin typeface="Courier New" panose="02070309020205020404" pitchFamily="49" charset="0"/>
+              </a:rPr>
+              <a:t>(q, ‘d’);</a:t>
             </a:r>
           </a:p>
         </p:txBody>
@@ -17005,8 +17188,16 @@
           <a:lstStyle/>
           <a:p>
             <a:r>
-              <a:rPr lang="en-US" altLang="zh-CN"/>
-              <a:t>Linear List</a:t>
+              <a:rPr lang="en-US" altLang="zh-CN" dirty="0"/>
+              <a:t>Queue</a:t>
+            </a:r>
+            <a:r>
+              <a:rPr lang="zh-CN" altLang="en-US" dirty="0"/>
+              <a:t> </a:t>
+            </a:r>
+            <a:r>
+              <a:rPr lang="en-US" altLang="zh-CN" dirty="0"/>
+              <a:t>ADT</a:t>
             </a:r>
           </a:p>
         </p:txBody>
@@ -18634,10 +18825,22 @@
               </a:spcBef>
             </a:pPr>
             <a:r>
-              <a:rPr lang="en-US" altLang="zh-CN" sz="2000" b="1">
+              <a:rPr lang="en-US" altLang="zh-CN" sz="2000" b="1" dirty="0" err="1">
+                <a:solidFill>
+                  <a:srgbClr val="0432FF"/>
+                </a:solidFill>
                 <a:latin typeface="Courier New" panose="02070309020205020404" pitchFamily="49" charset="0"/>
               </a:rPr>
-              <a:t>enQueue (q, ‘a’);</a:t>
+              <a:t>enQueue</a:t>
+            </a:r>
+            <a:r>
+              <a:rPr lang="en-US" altLang="zh-CN" sz="2000" b="1" dirty="0">
+                <a:solidFill>
+                  <a:srgbClr val="0432FF"/>
+                </a:solidFill>
+                <a:latin typeface="Courier New" panose="02070309020205020404" pitchFamily="49" charset="0"/>
+              </a:rPr>
+              <a:t>(q, ‘a’);</a:t>
             </a:r>
           </a:p>
         </p:txBody>
@@ -18710,10 +18913,22 @@
               </a:spcBef>
             </a:pPr>
             <a:r>
-              <a:rPr lang="en-US" altLang="zh-CN" sz="2000" b="1">
+              <a:rPr lang="en-US" altLang="zh-CN" sz="2000" b="1" dirty="0" err="1">
+                <a:solidFill>
+                  <a:srgbClr val="0432FF"/>
+                </a:solidFill>
                 <a:latin typeface="Courier New" panose="02070309020205020404" pitchFamily="49" charset="0"/>
               </a:rPr>
-              <a:t>enQueue (q, ‘b’);</a:t>
+              <a:t>enQueue</a:t>
+            </a:r>
+            <a:r>
+              <a:rPr lang="en-US" altLang="zh-CN" sz="2000" b="1" dirty="0">
+                <a:solidFill>
+                  <a:srgbClr val="0432FF"/>
+                </a:solidFill>
+                <a:latin typeface="Courier New" panose="02070309020205020404" pitchFamily="49" charset="0"/>
+              </a:rPr>
+              <a:t>(q, ‘b’);</a:t>
             </a:r>
           </a:p>
         </p:txBody>
@@ -18786,10 +19001,22 @@
               </a:spcBef>
             </a:pPr>
             <a:r>
-              <a:rPr lang="en-US" altLang="zh-CN" sz="2000" b="1">
+              <a:rPr lang="en-US" altLang="zh-CN" sz="2000" b="1" dirty="0" err="1">
+                <a:solidFill>
+                  <a:srgbClr val="0432FF"/>
+                </a:solidFill>
                 <a:latin typeface="Courier New" panose="02070309020205020404" pitchFamily="49" charset="0"/>
               </a:rPr>
-              <a:t>enQueue (q, ‘c’);</a:t>
+              <a:t>enQueue</a:t>
+            </a:r>
+            <a:r>
+              <a:rPr lang="en-US" altLang="zh-CN" sz="2000" b="1" dirty="0">
+                <a:solidFill>
+                  <a:srgbClr val="0432FF"/>
+                </a:solidFill>
+                <a:latin typeface="Courier New" panose="02070309020205020404" pitchFamily="49" charset="0"/>
+              </a:rPr>
+              <a:t>(q, ‘c’);</a:t>
             </a:r>
           </a:p>
         </p:txBody>
@@ -18862,10 +19089,22 @@
               </a:spcBef>
             </a:pPr>
             <a:r>
-              <a:rPr lang="en-US" altLang="zh-CN" sz="2000" b="1">
+              <a:rPr lang="en-US" altLang="zh-CN" sz="2000" b="1" dirty="0" err="1">
+                <a:solidFill>
+                  <a:srgbClr val="0432FF"/>
+                </a:solidFill>
                 <a:latin typeface="Courier New" panose="02070309020205020404" pitchFamily="49" charset="0"/>
               </a:rPr>
-              <a:t>enQueue (q, ‘d’);</a:t>
+              <a:t>enQueue</a:t>
+            </a:r>
+            <a:r>
+              <a:rPr lang="en-US" altLang="zh-CN" sz="2000" b="1" dirty="0">
+                <a:solidFill>
+                  <a:srgbClr val="0432FF"/>
+                </a:solidFill>
+                <a:latin typeface="Courier New" panose="02070309020205020404" pitchFamily="49" charset="0"/>
+              </a:rPr>
+              <a:t>(q, ‘d’);</a:t>
             </a:r>
           </a:p>
         </p:txBody>
@@ -18938,10 +19177,22 @@
               </a:spcBef>
             </a:pPr>
             <a:r>
-              <a:rPr lang="en-US" altLang="zh-CN" sz="2000" b="1">
+              <a:rPr lang="en-US" altLang="zh-CN" sz="2000" b="1" dirty="0" err="1">
+                <a:solidFill>
+                  <a:srgbClr val="0432FF"/>
+                </a:solidFill>
                 <a:latin typeface="Courier New" panose="02070309020205020404" pitchFamily="49" charset="0"/>
               </a:rPr>
-              <a:t>enQueue (q, ‘e’);</a:t>
+              <a:t>enQueue</a:t>
+            </a:r>
+            <a:r>
+              <a:rPr lang="en-US" altLang="zh-CN" sz="2000" b="1" dirty="0">
+                <a:solidFill>
+                  <a:srgbClr val="0432FF"/>
+                </a:solidFill>
+                <a:latin typeface="Courier New" panose="02070309020205020404" pitchFamily="49" charset="0"/>
+              </a:rPr>
+              <a:t>(q, ‘e’);</a:t>
             </a:r>
           </a:p>
         </p:txBody>
@@ -20838,10 +21089,22 @@
               </a:spcBef>
             </a:pPr>
             <a:r>
-              <a:rPr lang="en-US" altLang="zh-CN" sz="2000" b="1">
+              <a:rPr lang="en-US" altLang="zh-CN" sz="2000" b="1" dirty="0" err="1">
+                <a:solidFill>
+                  <a:srgbClr val="0432FF"/>
+                </a:solidFill>
                 <a:latin typeface="Courier New" panose="02070309020205020404" pitchFamily="49" charset="0"/>
               </a:rPr>
-              <a:t>enQueue (q, ‘a’);</a:t>
+              <a:t>enQueue</a:t>
+            </a:r>
+            <a:r>
+              <a:rPr lang="en-US" altLang="zh-CN" sz="2000" b="1" dirty="0">
+                <a:solidFill>
+                  <a:srgbClr val="0432FF"/>
+                </a:solidFill>
+                <a:latin typeface="Courier New" panose="02070309020205020404" pitchFamily="49" charset="0"/>
+              </a:rPr>
+              <a:t>(q, ‘a’);</a:t>
             </a:r>
           </a:p>
         </p:txBody>
@@ -20914,10 +21177,22 @@
               </a:spcBef>
             </a:pPr>
             <a:r>
-              <a:rPr lang="en-US" altLang="zh-CN" sz="2000" b="1">
+              <a:rPr lang="en-US" altLang="zh-CN" sz="2000" b="1" dirty="0" err="1">
+                <a:solidFill>
+                  <a:srgbClr val="0432FF"/>
+                </a:solidFill>
                 <a:latin typeface="Courier New" panose="02070309020205020404" pitchFamily="49" charset="0"/>
               </a:rPr>
-              <a:t>enQueue (q, ‘b’);</a:t>
+              <a:t>enQueue</a:t>
+            </a:r>
+            <a:r>
+              <a:rPr lang="en-US" altLang="zh-CN" sz="2000" b="1" dirty="0">
+                <a:solidFill>
+                  <a:srgbClr val="0432FF"/>
+                </a:solidFill>
+                <a:latin typeface="Courier New" panose="02070309020205020404" pitchFamily="49" charset="0"/>
+              </a:rPr>
+              <a:t>(q, ‘b’);</a:t>
             </a:r>
           </a:p>
         </p:txBody>
@@ -20990,10 +21265,22 @@
               </a:spcBef>
             </a:pPr>
             <a:r>
-              <a:rPr lang="en-US" altLang="zh-CN" sz="2000" b="1">
+              <a:rPr lang="en-US" altLang="zh-CN" sz="2000" b="1" dirty="0" err="1">
+                <a:solidFill>
+                  <a:srgbClr val="0432FF"/>
+                </a:solidFill>
                 <a:latin typeface="Courier New" panose="02070309020205020404" pitchFamily="49" charset="0"/>
               </a:rPr>
-              <a:t>enQueue (q, ‘c’);</a:t>
+              <a:t>enQueue</a:t>
+            </a:r>
+            <a:r>
+              <a:rPr lang="en-US" altLang="zh-CN" sz="2000" b="1" dirty="0">
+                <a:solidFill>
+                  <a:srgbClr val="0432FF"/>
+                </a:solidFill>
+                <a:latin typeface="Courier New" panose="02070309020205020404" pitchFamily="49" charset="0"/>
+              </a:rPr>
+              <a:t>(q, ‘c’);</a:t>
             </a:r>
           </a:p>
         </p:txBody>
@@ -21066,10 +21353,22 @@
               </a:spcBef>
             </a:pPr>
             <a:r>
-              <a:rPr lang="en-US" altLang="zh-CN" sz="2000" b="1">
+              <a:rPr lang="en-US" altLang="zh-CN" sz="2000" b="1" dirty="0" err="1">
+                <a:solidFill>
+                  <a:srgbClr val="0432FF"/>
+                </a:solidFill>
                 <a:latin typeface="Courier New" panose="02070309020205020404" pitchFamily="49" charset="0"/>
               </a:rPr>
-              <a:t>enQueue (q, ‘d’);</a:t>
+              <a:t>enQueue</a:t>
+            </a:r>
+            <a:r>
+              <a:rPr lang="en-US" altLang="zh-CN" sz="2000" b="1" dirty="0">
+                <a:solidFill>
+                  <a:srgbClr val="0432FF"/>
+                </a:solidFill>
+                <a:latin typeface="Courier New" panose="02070309020205020404" pitchFamily="49" charset="0"/>
+              </a:rPr>
+              <a:t>(q, ‘d’);</a:t>
             </a:r>
           </a:p>
         </p:txBody>
@@ -21142,10 +21441,22 @@
               </a:spcBef>
             </a:pPr>
             <a:r>
-              <a:rPr lang="en-US" altLang="zh-CN" sz="2000" b="1">
+              <a:rPr lang="en-US" altLang="zh-CN" sz="2000" b="1" dirty="0" err="1">
+                <a:solidFill>
+                  <a:srgbClr val="0432FF"/>
+                </a:solidFill>
                 <a:latin typeface="Courier New" panose="02070309020205020404" pitchFamily="49" charset="0"/>
               </a:rPr>
-              <a:t>enQueue (q, ‘e’);</a:t>
+              <a:t>enQueue</a:t>
+            </a:r>
+            <a:r>
+              <a:rPr lang="en-US" altLang="zh-CN" sz="2000" b="1" dirty="0">
+                <a:solidFill>
+                  <a:srgbClr val="0432FF"/>
+                </a:solidFill>
+                <a:latin typeface="Courier New" panose="02070309020205020404" pitchFamily="49" charset="0"/>
+              </a:rPr>
+              <a:t>(q, ‘e’);</a:t>
             </a:r>
           </a:p>
         </p:txBody>
@@ -21653,10 +21964,22 @@
               </a:spcBef>
             </a:pPr>
             <a:r>
-              <a:rPr lang="en-US" altLang="zh-CN" sz="2000" b="1">
+              <a:rPr lang="en-US" altLang="zh-CN" sz="2000" b="1" dirty="0" err="1">
+                <a:solidFill>
+                  <a:srgbClr val="0432FF"/>
+                </a:solidFill>
                 <a:latin typeface="Courier New" panose="02070309020205020404" pitchFamily="49" charset="0"/>
               </a:rPr>
-              <a:t>enQueue (q, ‘f’); ???</a:t>
+              <a:t>enQueue</a:t>
+            </a:r>
+            <a:r>
+              <a:rPr lang="en-US" altLang="zh-CN" sz="2000" b="1" dirty="0">
+                <a:solidFill>
+                  <a:srgbClr val="0432FF"/>
+                </a:solidFill>
+                <a:latin typeface="Courier New" panose="02070309020205020404" pitchFamily="49" charset="0"/>
+              </a:rPr>
+              <a:t>(q, ‘f’); ???</a:t>
             </a:r>
           </a:p>
         </p:txBody>
@@ -21896,7 +22219,7 @@
               </a:spcBef>
             </a:pPr>
             <a:r>
-              <a:rPr lang="en-US" altLang="zh-CN" sz="2000" b="1">
+              <a:rPr lang="en-US" altLang="zh-CN" sz="2000" b="1" dirty="0">
                 <a:latin typeface="Courier New" panose="02070309020205020404" pitchFamily="49" charset="0"/>
               </a:rPr>
               <a:t>Empty:</a:t>
@@ -21909,7 +22232,10 @@
               </a:spcBef>
             </a:pPr>
             <a:r>
-              <a:rPr lang="en-US" altLang="zh-CN" sz="2000" b="1">
+              <a:rPr lang="en-US" altLang="zh-CN" sz="2000" b="1" dirty="0">
+                <a:solidFill>
+                  <a:srgbClr val="0432FF"/>
+                </a:solidFill>
                 <a:latin typeface="Courier New" panose="02070309020205020404" pitchFamily="49" charset="0"/>
               </a:rPr>
               <a:t>  head == tail;</a:t>
@@ -21922,7 +22248,7 @@
               </a:spcBef>
             </a:pPr>
             <a:r>
-              <a:rPr lang="en-US" altLang="zh-CN" sz="2000" b="1">
+              <a:rPr lang="en-US" altLang="zh-CN" sz="2000" b="1" dirty="0">
                 <a:latin typeface="Courier New" panose="02070309020205020404" pitchFamily="49" charset="0"/>
               </a:rPr>
               <a:t>Full:</a:t>
@@ -21935,7 +22261,10 @@
               </a:spcBef>
             </a:pPr>
             <a:r>
-              <a:rPr lang="en-US" altLang="zh-CN" sz="2000" b="1">
+              <a:rPr lang="en-US" altLang="zh-CN" sz="2000" b="1" dirty="0">
+                <a:solidFill>
+                  <a:srgbClr val="0432FF"/>
+                </a:solidFill>
                 <a:latin typeface="Courier New" panose="02070309020205020404" pitchFamily="49" charset="0"/>
               </a:rPr>
               <a:t>  tail+1 == head ???</a:t>
@@ -21947,7 +22276,7 @@
                 <a:spcPct val="50000"/>
               </a:spcBef>
             </a:pPr>
-            <a:endParaRPr lang="en-US" altLang="zh-CN" sz="2000" b="1">
+            <a:endParaRPr lang="en-US" altLang="zh-CN" sz="2000" b="1" dirty="0">
               <a:latin typeface="Courier New" panose="02070309020205020404" pitchFamily="49" charset="0"/>
             </a:endParaRPr>
           </a:p>
@@ -21958,7 +22287,7 @@
               </a:spcBef>
             </a:pPr>
             <a:r>
-              <a:rPr lang="en-US" altLang="zh-CN" sz="2000" b="1">
+              <a:rPr lang="en-US" altLang="zh-CN" sz="2000" b="1" dirty="0">
                 <a:latin typeface="Courier New" panose="02070309020205020404" pitchFamily="49" charset="0"/>
               </a:rPr>
               <a:t>General Equations:</a:t>
@@ -21971,7 +22300,10 @@
               </a:spcBef>
             </a:pPr>
             <a:r>
-              <a:rPr lang="en-US" altLang="zh-CN" sz="2000" b="1">
+              <a:rPr lang="en-US" altLang="zh-CN" sz="2000" b="1" dirty="0">
+                <a:solidFill>
+                  <a:srgbClr val="0432FF"/>
+                </a:solidFill>
                 <a:latin typeface="Courier New" panose="02070309020205020404" pitchFamily="49" charset="0"/>
               </a:rPr>
               <a:t>head = (head+1)%N;</a:t>
@@ -21984,7 +22316,10 @@
               </a:spcBef>
             </a:pPr>
             <a:r>
-              <a:rPr lang="en-US" altLang="zh-CN" sz="2000" b="1">
+              <a:rPr lang="en-US" altLang="zh-CN" sz="2000" b="1" dirty="0">
+                <a:solidFill>
+                  <a:srgbClr val="0432FF"/>
+                </a:solidFill>
                 <a:latin typeface="Courier New" panose="02070309020205020404" pitchFamily="49" charset="0"/>
               </a:rPr>
               <a:t>tail = (tail+1)%N;</a:t>
@@ -23916,10 +24251,10 @@
               <a:buNone/>
             </a:pPr>
             <a:r>
-              <a:rPr lang="en-US" altLang="zh-CN" sz="2000" b="1">
+              <a:rPr lang="en-US" altLang="zh-CN" sz="2000" b="1" dirty="0">
                 <a:latin typeface="Courier New" panose="02070309020205020404" pitchFamily="49" charset="0"/>
               </a:rPr>
-              <a:t>// Cook these together, we can implement the </a:t>
+              <a:t>// Put these together, we can implement the </a:t>
             </a:r>
           </a:p>
           <a:p>
@@ -23928,7 +24263,7 @@
               <a:buNone/>
             </a:pPr>
             <a:r>
-              <a:rPr lang="en-US" altLang="zh-CN" sz="2000" b="1">
+              <a:rPr lang="en-US" altLang="zh-CN" sz="2000" b="1" dirty="0">
                 <a:latin typeface="Courier New" panose="02070309020205020404" pitchFamily="49" charset="0"/>
               </a:rPr>
               <a:t>// input buffer using queue:</a:t>
@@ -23940,13 +24275,31 @@
               <a:buNone/>
             </a:pPr>
             <a:r>
-              <a:rPr lang="en-US" altLang="zh-CN" sz="2000" b="1">
+              <a:rPr lang="en-US" altLang="zh-CN" sz="2000" b="1" dirty="0">
                 <a:solidFill>
                   <a:schemeClr val="folHlink"/>
                 </a:solidFill>
                 <a:latin typeface="Courier New" panose="02070309020205020404" pitchFamily="49" charset="0"/>
               </a:rPr>
-              <a:t>struct Buffer_t</a:t>
+              <a:t>struct </a:t>
+            </a:r>
+            <a:r>
+              <a:rPr lang="en-US" altLang="zh-CN" sz="2000" b="1" dirty="0" err="1">
+                <a:solidFill>
+                  <a:schemeClr val="folHlink"/>
+                </a:solidFill>
+                <a:latin typeface="Courier New" panose="02070309020205020404" pitchFamily="49" charset="0"/>
+              </a:rPr>
+              <a:t>Buffer_t</a:t>
+            </a:r>
+            <a:r>
+              <a:rPr lang="en-US" altLang="zh-CN" sz="2000" b="1" dirty="0">
+                <a:solidFill>
+                  <a:schemeClr val="folHlink"/>
+                </a:solidFill>
+                <a:latin typeface="Courier New" panose="02070309020205020404" pitchFamily="49" charset="0"/>
+              </a:rPr>
+              <a:t>{</a:t>
             </a:r>
           </a:p>
           <a:p>
@@ -23955,13 +24308,31 @@
               <a:buNone/>
             </a:pPr>
             <a:r>
-              <a:rPr lang="en-US" altLang="zh-CN" sz="2000" b="1">
+              <a:rPr lang="en-US" altLang="zh-CN" sz="2000" b="1" dirty="0">
                 <a:solidFill>
                   <a:schemeClr val="folHlink"/>
                 </a:solidFill>
                 <a:latin typeface="Courier New" panose="02070309020205020404" pitchFamily="49" charset="0"/>
               </a:rPr>
-              <a:t>{</a:t>
+              <a:t>	char </a:t>
+            </a:r>
+            <a:r>
+              <a:rPr lang="en-US" altLang="zh-CN" sz="2000" b="1" dirty="0" err="1">
+                <a:solidFill>
+                  <a:schemeClr val="folHlink"/>
+                </a:solidFill>
+                <a:latin typeface="Courier New" panose="02070309020205020404" pitchFamily="49" charset="0"/>
+              </a:rPr>
+              <a:t>buf</a:t>
+            </a:r>
+            <a:r>
+              <a:rPr lang="en-US" altLang="zh-CN" sz="2000" b="1" dirty="0">
+                <a:solidFill>
+                  <a:schemeClr val="folHlink"/>
+                </a:solidFill>
+                <a:latin typeface="Courier New" panose="02070309020205020404" pitchFamily="49" charset="0"/>
+              </a:rPr>
+              <a:t>[128];</a:t>
             </a:r>
           </a:p>
           <a:p>
@@ -23970,13 +24341,13 @@
               <a:buNone/>
             </a:pPr>
             <a:r>
-              <a:rPr lang="en-US" altLang="zh-CN" sz="2000" b="1">
+              <a:rPr lang="en-US" altLang="zh-CN" sz="2000" b="1" dirty="0">
                 <a:solidFill>
                   <a:schemeClr val="folHlink"/>
                 </a:solidFill>
                 <a:latin typeface="Courier New" panose="02070309020205020404" pitchFamily="49" charset="0"/>
               </a:rPr>
-              <a:t>	char buf[128];</a:t>
+              <a:t>	int head;</a:t>
             </a:r>
           </a:p>
           <a:p>
@@ -23985,13 +24356,13 @@
               <a:buNone/>
             </a:pPr>
             <a:r>
-              <a:rPr lang="en-US" altLang="zh-CN" sz="2000" b="1">
+              <a:rPr lang="en-US" altLang="zh-CN" sz="2000" b="1" dirty="0">
                 <a:solidFill>
                   <a:schemeClr val="folHlink"/>
                 </a:solidFill>
                 <a:latin typeface="Courier New" panose="02070309020205020404" pitchFamily="49" charset="0"/>
               </a:rPr>
-              <a:t>	int head;</a:t>
+              <a:t>	int tail;</a:t>
             </a:r>
           </a:p>
           <a:p>
@@ -24000,13 +24371,13 @@
               <a:buNone/>
             </a:pPr>
             <a:r>
-              <a:rPr lang="en-US" altLang="zh-CN" sz="2000" b="1">
+              <a:rPr lang="en-US" altLang="zh-CN" sz="2000" b="1" dirty="0">
                 <a:solidFill>
                   <a:schemeClr val="folHlink"/>
                 </a:solidFill>
                 <a:latin typeface="Courier New" panose="02070309020205020404" pitchFamily="49" charset="0"/>
               </a:rPr>
-              <a:t>	int tail;</a:t>
+              <a:t>};</a:t>
             </a:r>
           </a:p>
           <a:p>
@@ -24015,13 +24386,49 @@
               <a:buNone/>
             </a:pPr>
             <a:r>
-              <a:rPr lang="en-US" altLang="zh-CN" sz="2000" b="1">
+              <a:rPr lang="en-US" altLang="zh-CN" sz="2000" b="1" dirty="0">
                 <a:solidFill>
                   <a:schemeClr val="folHlink"/>
                 </a:solidFill>
                 <a:latin typeface="Courier New" panose="02070309020205020404" pitchFamily="49" charset="0"/>
               </a:rPr>
-              <a:t>};</a:t>
+              <a:t>struct </a:t>
+            </a:r>
+            <a:r>
+              <a:rPr lang="en-US" altLang="zh-CN" sz="2000" b="1" dirty="0" err="1">
+                <a:solidFill>
+                  <a:schemeClr val="folHlink"/>
+                </a:solidFill>
+                <a:latin typeface="Courier New" panose="02070309020205020404" pitchFamily="49" charset="0"/>
+              </a:rPr>
+              <a:t>Buffer_t</a:t>
+            </a:r>
+            <a:r>
+              <a:rPr lang="en-US" altLang="zh-CN" sz="2000" b="1" dirty="0">
+                <a:solidFill>
+                  <a:schemeClr val="folHlink"/>
+                </a:solidFill>
+                <a:latin typeface="Courier New" panose="02070309020205020404" pitchFamily="49" charset="0"/>
+              </a:rPr>
+              <a:t> </a:t>
+            </a:r>
+            <a:r>
+              <a:rPr lang="en-US" altLang="zh-CN" sz="2000" b="1" dirty="0" err="1">
+                <a:solidFill>
+                  <a:schemeClr val="folHlink"/>
+                </a:solidFill>
+                <a:latin typeface="Courier New" panose="02070309020205020404" pitchFamily="49" charset="0"/>
+              </a:rPr>
+              <a:t>Buffer_t</a:t>
+            </a:r>
+            <a:r>
+              <a:rPr lang="en-US" altLang="zh-CN" sz="2000" b="1" dirty="0">
+                <a:solidFill>
+                  <a:schemeClr val="folHlink"/>
+                </a:solidFill>
+                <a:latin typeface="Courier New" panose="02070309020205020404" pitchFamily="49" charset="0"/>
+              </a:rPr>
+              <a:t>;</a:t>
             </a:r>
           </a:p>
           <a:p>
@@ -24030,25 +24437,22 @@
               <a:buNone/>
             </a:pPr>
             <a:r>
-              <a:rPr lang="en-US" altLang="zh-CN" sz="2000" b="1">
-                <a:solidFill>
-                  <a:schemeClr val="folHlink"/>
-                </a:solidFill>
+              <a:rPr lang="en-US" altLang="zh-CN" sz="2000" b="1" dirty="0">
                 <a:latin typeface="Courier New" panose="02070309020205020404" pitchFamily="49" charset="0"/>
               </a:rPr>
-              <a:t>struct Buffer_t Buffer_t;</a:t>
-            </a:r>
-          </a:p>
-          <a:p>
-            <a:pPr>
-              <a:buFont typeface="Wingdings" pitchFamily="2" charset="2"/>
-              <a:buNone/>
-            </a:pPr>
-            <a:r>
-              <a:rPr lang="en-US" altLang="zh-CN" sz="2000" b="1">
+              <a:t>// Rethink the key pressing, and “</a:t>
+            </a:r>
+            <a:r>
+              <a:rPr lang="en-US" altLang="zh-CN" sz="2000" b="1" dirty="0" err="1">
                 <a:latin typeface="Courier New" panose="02070309020205020404" pitchFamily="49" charset="0"/>
               </a:rPr>
-              <a:t>// Rethink the key pressing, and “getchar ()”?</a:t>
+              <a:t>getchar</a:t>
+            </a:r>
+            <a:r>
+              <a:rPr lang="en-US" altLang="zh-CN" sz="2000" b="1" dirty="0">
+                <a:latin typeface="Courier New" panose="02070309020205020404" pitchFamily="49" charset="0"/>
+              </a:rPr>
+              <a:t> ()”?</a:t>
             </a:r>
           </a:p>
         </p:txBody>
@@ -24132,10 +24536,22 @@
               <a:buNone/>
             </a:pPr>
             <a:r>
-              <a:rPr lang="en-US" altLang="zh-CN" sz="2000" b="1">
+              <a:rPr lang="en-US" altLang="zh-CN" sz="2000" b="1" dirty="0">
                 <a:latin typeface="Courier New" panose="02070309020205020404" pitchFamily="49" charset="0"/>
               </a:rPr>
-              <a:t>// in file “linkedQueue.c”</a:t>
+              <a:t>// in file “</a:t>
+            </a:r>
+            <a:r>
+              <a:rPr lang="en-US" altLang="zh-CN" sz="2000" b="1" dirty="0" err="1">
+                <a:latin typeface="Courier New" panose="02070309020205020404" pitchFamily="49" charset="0"/>
+              </a:rPr>
+              <a:t>linkedQueue.c</a:t>
+            </a:r>
+            <a:r>
+              <a:rPr lang="en-US" altLang="zh-CN" sz="2000" b="1" dirty="0">
+                <a:latin typeface="Courier New" panose="02070309020205020404" pitchFamily="49" charset="0"/>
+              </a:rPr>
+              <a:t>”</a:t>
             </a:r>
           </a:p>
           <a:p>
@@ -24144,13 +24560,31 @@
               <a:buNone/>
             </a:pPr>
             <a:r>
-              <a:rPr lang="en-US" altLang="zh-CN" sz="2000" b="1">
-                <a:solidFill>
-                  <a:schemeClr val="folHlink"/>
+              <a:rPr lang="en-US" altLang="zh-CN" sz="2000" b="1" dirty="0">
+                <a:solidFill>
+                  <a:srgbClr val="0432FF"/>
                 </a:solidFill>
                 <a:latin typeface="Courier New" panose="02070309020205020404" pitchFamily="49" charset="0"/>
               </a:rPr>
-              <a:t>#include “queue.h”</a:t>
+              <a:t>#include “</a:t>
+            </a:r>
+            <a:r>
+              <a:rPr lang="en-US" altLang="zh-CN" sz="2000" b="1" dirty="0" err="1">
+                <a:solidFill>
+                  <a:srgbClr val="0432FF"/>
+                </a:solidFill>
+                <a:latin typeface="Courier New" panose="02070309020205020404" pitchFamily="49" charset="0"/>
+              </a:rPr>
+              <a:t>queue.h</a:t>
+            </a:r>
+            <a:r>
+              <a:rPr lang="en-US" altLang="zh-CN" sz="2000" b="1" dirty="0">
+                <a:solidFill>
+                  <a:srgbClr val="0432FF"/>
+                </a:solidFill>
+                <a:latin typeface="Courier New" panose="02070309020205020404" pitchFamily="49" charset="0"/>
+              </a:rPr>
+              <a:t>”</a:t>
             </a:r>
           </a:p>
           <a:p>
@@ -24158,9 +24592,9 @@
               <a:buFont typeface="Wingdings" pitchFamily="2" charset="2"/>
               <a:buNone/>
             </a:pPr>
-            <a:endParaRPr lang="en-US" altLang="zh-CN" sz="2000" b="1">
+            <a:endParaRPr lang="en-US" altLang="zh-CN" sz="2000" b="1" dirty="0">
               <a:solidFill>
-                <a:schemeClr val="folHlink"/>
+                <a:srgbClr val="0432FF"/>
               </a:solidFill>
               <a:latin typeface="Courier New" panose="02070309020205020404" pitchFamily="49" charset="0"/>
             </a:endParaRPr>
@@ -24171,13 +24605,31 @@
               <a:buNone/>
             </a:pPr>
             <a:r>
-              <a:rPr lang="en-US" altLang="zh-CN" sz="2000" b="1">
-                <a:solidFill>
-                  <a:schemeClr val="folHlink"/>
+              <a:rPr lang="en-US" altLang="zh-CN" sz="2000" b="1" dirty="0">
+                <a:solidFill>
+                  <a:srgbClr val="0432FF"/>
                 </a:solidFill>
                 <a:latin typeface="Courier New" panose="02070309020205020404" pitchFamily="49" charset="0"/>
               </a:rPr>
-              <a:t>struct Queue_t</a:t>
+              <a:t>struct </a:t>
+            </a:r>
+            <a:r>
+              <a:rPr lang="en-US" altLang="zh-CN" sz="2000" b="1" dirty="0" err="1">
+                <a:solidFill>
+                  <a:srgbClr val="0432FF"/>
+                </a:solidFill>
+                <a:latin typeface="Courier New" panose="02070309020205020404" pitchFamily="49" charset="0"/>
+              </a:rPr>
+              <a:t>Queue_t</a:t>
+            </a:r>
+            <a:r>
+              <a:rPr lang="en-US" altLang="zh-CN" sz="2000" b="1" dirty="0">
+                <a:solidFill>
+                  <a:srgbClr val="0432FF"/>
+                </a:solidFill>
+                <a:latin typeface="Courier New" panose="02070309020205020404" pitchFamily="49" charset="0"/>
+              </a:rPr>
+              <a:t>{</a:t>
             </a:r>
           </a:p>
           <a:p>
@@ -24186,13 +24638,31 @@
               <a:buNone/>
             </a:pPr>
             <a:r>
-              <a:rPr lang="en-US" altLang="zh-CN" sz="2000" b="1">
-                <a:solidFill>
-                  <a:schemeClr val="folHlink"/>
+              <a:rPr lang="en-US" altLang="zh-CN" sz="2000" b="1" dirty="0">
+                <a:solidFill>
+                  <a:srgbClr val="0432FF"/>
                 </a:solidFill>
                 <a:latin typeface="Courier New" panose="02070309020205020404" pitchFamily="49" charset="0"/>
               </a:rPr>
-              <a:t>{</a:t>
+              <a:t>  </a:t>
+            </a:r>
+            <a:r>
+              <a:rPr lang="en-US" altLang="zh-CN" sz="2000" b="1" dirty="0" err="1">
+                <a:solidFill>
+                  <a:srgbClr val="0432FF"/>
+                </a:solidFill>
+                <a:latin typeface="Courier New" panose="02070309020205020404" pitchFamily="49" charset="0"/>
+              </a:rPr>
+              <a:t>List_t</a:t>
+            </a:r>
+            <a:r>
+              <a:rPr lang="en-US" altLang="zh-CN" sz="2000" b="1" dirty="0">
+                <a:solidFill>
+                  <a:srgbClr val="0432FF"/>
+                </a:solidFill>
+                <a:latin typeface="Courier New" panose="02070309020205020404" pitchFamily="49" charset="0"/>
+              </a:rPr>
+              <a:t> l;</a:t>
             </a:r>
           </a:p>
           <a:p>
@@ -24201,13 +24671,13 @@
               <a:buNone/>
             </a:pPr>
             <a:r>
-              <a:rPr lang="en-US" altLang="zh-CN" sz="2000" b="1">
-                <a:solidFill>
-                  <a:schemeClr val="folHlink"/>
+              <a:rPr lang="en-US" altLang="zh-CN" sz="2000" b="1" dirty="0">
+                <a:solidFill>
+                  <a:srgbClr val="0432FF"/>
                 </a:solidFill>
                 <a:latin typeface="Courier New" panose="02070309020205020404" pitchFamily="49" charset="0"/>
               </a:rPr>
-              <a:t>  List_t l;</a:t>
+              <a:t>};</a:t>
             </a:r>
           </a:p>
           <a:p>
@@ -24215,22 +24685,7 @@
               <a:buFont typeface="Wingdings" pitchFamily="2" charset="2"/>
               <a:buNone/>
             </a:pPr>
-            <a:r>
-              <a:rPr lang="en-US" altLang="zh-CN" sz="2000" b="1">
-                <a:solidFill>
-                  <a:schemeClr val="folHlink"/>
-                </a:solidFill>
-                <a:latin typeface="Courier New" panose="02070309020205020404" pitchFamily="49" charset="0"/>
-              </a:rPr>
-              <a:t>};</a:t>
-            </a:r>
-          </a:p>
-          <a:p>
-            <a:pPr>
-              <a:buFont typeface="Wingdings" pitchFamily="2" charset="2"/>
-              <a:buNone/>
-            </a:pPr>
-            <a:endParaRPr lang="en-US" altLang="zh-CN" sz="2000" b="1">
+            <a:endParaRPr lang="en-US" altLang="zh-CN" sz="2000" b="1" dirty="0">
               <a:latin typeface="Courier New" panose="02070309020205020404" pitchFamily="49" charset="0"/>
             </a:endParaRPr>
           </a:p>
@@ -25462,13 +25917,40 @@
               <a:buNone/>
             </a:pPr>
             <a:r>
-              <a:rPr lang="en-US" altLang="zh-CN" sz="2000" b="1">
-                <a:solidFill>
-                  <a:schemeClr val="folHlink"/>
+              <a:rPr lang="en-US" altLang="zh-CN" sz="2000" b="1" dirty="0" err="1">
+                <a:solidFill>
+                  <a:srgbClr val="0432FF"/>
                 </a:solidFill>
                 <a:latin typeface="Courier New" panose="02070309020205020404" pitchFamily="49" charset="0"/>
               </a:rPr>
-              <a:t>Queue_t Queue_new ()</a:t>
+              <a:t>Queue_t</a:t>
+            </a:r>
+            <a:r>
+              <a:rPr lang="en-US" altLang="zh-CN" sz="2000" b="1" dirty="0">
+                <a:solidFill>
+                  <a:srgbClr val="0432FF"/>
+                </a:solidFill>
+                <a:latin typeface="Courier New" panose="02070309020205020404" pitchFamily="49" charset="0"/>
+              </a:rPr>
+              <a:t> </a:t>
+            </a:r>
+            <a:r>
+              <a:rPr lang="en-US" altLang="zh-CN" sz="2000" b="1" dirty="0" err="1">
+                <a:solidFill>
+                  <a:srgbClr val="0432FF"/>
+                </a:solidFill>
+                <a:latin typeface="Courier New" panose="02070309020205020404" pitchFamily="49" charset="0"/>
+              </a:rPr>
+              <a:t>Queue_new</a:t>
+            </a:r>
+            <a:r>
+              <a:rPr lang="en-US" altLang="zh-CN" sz="2000" b="1" dirty="0">
+                <a:solidFill>
+                  <a:srgbClr val="0432FF"/>
+                </a:solidFill>
+                <a:latin typeface="Courier New" panose="02070309020205020404" pitchFamily="49" charset="0"/>
+              </a:rPr>
+              <a:t>(){</a:t>
             </a:r>
           </a:p>
           <a:p>
@@ -25480,13 +25962,58 @@
               <a:buNone/>
             </a:pPr>
             <a:r>
-              <a:rPr lang="en-US" altLang="zh-CN" sz="2000" b="1">
-                <a:solidFill>
-                  <a:schemeClr val="folHlink"/>
+              <a:rPr lang="en-US" altLang="zh-CN" sz="2000" b="1" dirty="0">
+                <a:solidFill>
+                  <a:srgbClr val="0432FF"/>
                 </a:solidFill>
                 <a:latin typeface="Courier New" panose="02070309020205020404" pitchFamily="49" charset="0"/>
               </a:rPr>
-              <a:t>{</a:t>
+              <a:t>  Queue q = </a:t>
+            </a:r>
+            <a:r>
+              <a:rPr lang="en-US" altLang="zh-CN" sz="2000" b="1" dirty="0" err="1">
+                <a:solidFill>
+                  <a:srgbClr val="0432FF"/>
+                </a:solidFill>
+                <a:latin typeface="Courier New" panose="02070309020205020404" pitchFamily="49" charset="0"/>
+              </a:rPr>
+              <a:t>calloc</a:t>
+            </a:r>
+            <a:r>
+              <a:rPr lang="en-US" altLang="zh-CN" sz="2000" b="1" dirty="0">
+                <a:solidFill>
+                  <a:srgbClr val="0432FF"/>
+                </a:solidFill>
+                <a:latin typeface="Courier New" panose="02070309020205020404" pitchFamily="49" charset="0"/>
+              </a:rPr>
+              <a:t>(1,</a:t>
+            </a:r>
+            <a:r>
+              <a:rPr lang="zh-CN" altLang="en-US" sz="2000" b="1" dirty="0">
+                <a:solidFill>
+                  <a:srgbClr val="0432FF"/>
+                </a:solidFill>
+                <a:latin typeface="Courier New" panose="02070309020205020404" pitchFamily="49" charset="0"/>
+              </a:rPr>
+              <a:t> </a:t>
+            </a:r>
+            <a:r>
+              <a:rPr lang="en-US" altLang="zh-CN" sz="2000" b="1" dirty="0" err="1">
+                <a:solidFill>
+                  <a:srgbClr val="0432FF"/>
+                </a:solidFill>
+                <a:latin typeface="Courier New" panose="02070309020205020404" pitchFamily="49" charset="0"/>
+              </a:rPr>
+              <a:t>sizeof</a:t>
+            </a:r>
+            <a:r>
+              <a:rPr lang="en-US" altLang="zh-CN" sz="2000" b="1" dirty="0">
+                <a:solidFill>
+                  <a:srgbClr val="0432FF"/>
+                </a:solidFill>
+                <a:latin typeface="Courier New" panose="02070309020205020404" pitchFamily="49" charset="0"/>
+              </a:rPr>
+              <a:t>(*q));</a:t>
             </a:r>
           </a:p>
           <a:p>
@@ -25498,13 +26025,31 @@
               <a:buNone/>
             </a:pPr>
             <a:r>
-              <a:rPr lang="en-US" altLang="zh-CN" sz="2000" b="1">
-                <a:solidFill>
-                  <a:schemeClr val="folHlink"/>
+              <a:rPr lang="en-US" altLang="zh-CN" sz="2000" b="1" dirty="0">
+                <a:solidFill>
+                  <a:srgbClr val="0432FF"/>
                 </a:solidFill>
                 <a:latin typeface="Courier New" panose="02070309020205020404" pitchFamily="49" charset="0"/>
               </a:rPr>
-              <a:t>  Queue q = malloc (sizeof (*q));</a:t>
+              <a:t>  q-&gt;l = </a:t>
+            </a:r>
+            <a:r>
+              <a:rPr lang="en-US" altLang="zh-CN" sz="2000" b="1" dirty="0" err="1">
+                <a:solidFill>
+                  <a:srgbClr val="0432FF"/>
+                </a:solidFill>
+                <a:latin typeface="Courier New" panose="02070309020205020404" pitchFamily="49" charset="0"/>
+              </a:rPr>
+              <a:t>LinkedList_new</a:t>
+            </a:r>
+            <a:r>
+              <a:rPr lang="en-US" altLang="zh-CN" sz="2000" b="1" dirty="0">
+                <a:solidFill>
+                  <a:srgbClr val="0432FF"/>
+                </a:solidFill>
+                <a:latin typeface="Courier New" panose="02070309020205020404" pitchFamily="49" charset="0"/>
+              </a:rPr>
+              <a:t>();</a:t>
             </a:r>
           </a:p>
           <a:p>
@@ -25515,15 +26060,12 @@
               <a:buFont typeface="Wingdings" pitchFamily="2" charset="2"/>
               <a:buNone/>
             </a:pPr>
-            <a:r>
-              <a:rPr lang="en-US" altLang="zh-CN" sz="2000" b="1">
-                <a:solidFill>
-                  <a:schemeClr val="folHlink"/>
-                </a:solidFill>
-                <a:latin typeface="Courier New" panose="02070309020205020404" pitchFamily="49" charset="0"/>
-              </a:rPr>
-              <a:t>  q-&gt;l = LinkedList_new ();</a:t>
-            </a:r>
+            <a:endParaRPr lang="en-US" altLang="zh-CN" sz="2000" b="1" dirty="0">
+              <a:solidFill>
+                <a:srgbClr val="0432FF"/>
+              </a:solidFill>
+              <a:latin typeface="Courier New" panose="02070309020205020404" pitchFamily="49" charset="0"/>
+            </a:endParaRPr>
           </a:p>
           <a:p>
             <a:pPr>
@@ -25533,12 +26075,15 @@
               <a:buFont typeface="Wingdings" pitchFamily="2" charset="2"/>
               <a:buNone/>
             </a:pPr>
-            <a:endParaRPr lang="en-US" altLang="zh-CN" sz="2000" b="1">
-              <a:solidFill>
-                <a:schemeClr val="folHlink"/>
-              </a:solidFill>
-              <a:latin typeface="Courier New" panose="02070309020205020404" pitchFamily="49" charset="0"/>
-            </a:endParaRPr>
+            <a:r>
+              <a:rPr lang="en-US" altLang="zh-CN" sz="2000" b="1" dirty="0">
+                <a:solidFill>
+                  <a:srgbClr val="0432FF"/>
+                </a:solidFill>
+                <a:latin typeface="Courier New" panose="02070309020205020404" pitchFamily="49" charset="0"/>
+              </a:rPr>
+              <a:t>  return q;</a:t>
+            </a:r>
           </a:p>
           <a:p>
             <a:pPr>
@@ -25549,13 +26094,13 @@
               <a:buNone/>
             </a:pPr>
             <a:r>
-              <a:rPr lang="en-US" altLang="zh-CN" sz="2000" b="1">
-                <a:solidFill>
-                  <a:schemeClr val="folHlink"/>
+              <a:rPr lang="en-US" altLang="zh-CN" sz="2000" b="1" dirty="0">
+                <a:solidFill>
+                  <a:srgbClr val="0432FF"/>
                 </a:solidFill>
                 <a:latin typeface="Courier New" panose="02070309020205020404" pitchFamily="49" charset="0"/>
               </a:rPr>
-              <a:t>  return q;</a:t>
+              <a:t>}</a:t>
             </a:r>
           </a:p>
           <a:p>
@@ -25567,13 +26112,58 @@
               <a:buNone/>
             </a:pPr>
             <a:r>
-              <a:rPr lang="en-US" altLang="zh-CN" sz="2000" b="1">
-                <a:solidFill>
-                  <a:schemeClr val="folHlink"/>
-                </a:solidFill>
+              <a:rPr lang="en-US" altLang="zh-CN" sz="2000" b="1" dirty="0">
                 <a:latin typeface="Courier New" panose="02070309020205020404" pitchFamily="49" charset="0"/>
               </a:rPr>
-              <a:t>}</a:t>
+              <a:t>//</a:t>
+            </a:r>
+            <a:r>
+              <a:rPr lang="zh-CN" altLang="en-US" sz="2000" b="1" dirty="0">
+                <a:latin typeface="Courier New" panose="02070309020205020404" pitchFamily="49" charset="0"/>
+              </a:rPr>
+              <a:t> </a:t>
+            </a:r>
+            <a:r>
+              <a:rPr lang="en-US" altLang="zh-CN" sz="2000" b="1" dirty="0">
+                <a:latin typeface="Courier New" panose="02070309020205020404" pitchFamily="49" charset="0"/>
+              </a:rPr>
+              <a:t>leave</a:t>
+            </a:r>
+            <a:r>
+              <a:rPr lang="zh-CN" altLang="en-US" sz="2000" b="1" dirty="0">
+                <a:latin typeface="Courier New" panose="02070309020205020404" pitchFamily="49" charset="0"/>
+              </a:rPr>
+              <a:t> </a:t>
+            </a:r>
+            <a:r>
+              <a:rPr lang="en-US" altLang="zh-CN" sz="2000" b="1" dirty="0">
+                <a:latin typeface="Courier New" panose="02070309020205020404" pitchFamily="49" charset="0"/>
+              </a:rPr>
+              <a:t>others</a:t>
+            </a:r>
+            <a:r>
+              <a:rPr lang="zh-CN" altLang="en-US" sz="2000" b="1" dirty="0">
+                <a:latin typeface="Courier New" panose="02070309020205020404" pitchFamily="49" charset="0"/>
+              </a:rPr>
+              <a:t> </a:t>
+            </a:r>
+            <a:r>
+              <a:rPr lang="en-US" altLang="zh-CN" sz="2000" b="1" dirty="0">
+                <a:latin typeface="Courier New" panose="02070309020205020404" pitchFamily="49" charset="0"/>
+              </a:rPr>
+              <a:t>as</a:t>
+            </a:r>
+            <a:r>
+              <a:rPr lang="zh-CN" altLang="en-US" sz="2000" b="1" dirty="0">
+                <a:latin typeface="Courier New" panose="02070309020205020404" pitchFamily="49" charset="0"/>
+              </a:rPr>
+              <a:t> </a:t>
+            </a:r>
+            <a:r>
+              <a:rPr lang="en-US" altLang="zh-CN" sz="2000" b="1" dirty="0">
+                <a:latin typeface="Courier New" panose="02070309020205020404" pitchFamily="49" charset="0"/>
+              </a:rPr>
+              <a:t>exercises.</a:t>
             </a:r>
           </a:p>
         </p:txBody>
@@ -26013,10 +26603,10 @@
       </p:grpSpPr>
       <p:sp>
         <p:nvSpPr>
-          <p:cNvPr id="257026" name="Rectangle 2">
+          <p:cNvPr id="263170" name="Rectangle 2">
             <a:extLst>
               <a:ext uri="{FF2B5EF4-FFF2-40B4-BE49-F238E27FC236}">
-                <a16:creationId xmlns:a16="http://schemas.microsoft.com/office/drawing/2014/main" id="{41503356-D1D5-8B39-EC6F-352AEC1AFDF1}"/>
+                <a16:creationId xmlns:a16="http://schemas.microsoft.com/office/drawing/2014/main" id="{40490D97-C289-F725-1C22-0D84596773BB}"/>
               </a:ext>
             </a:extLst>
           </p:cNvPr>
@@ -26034,34 +26624,17 @@
           <a:p>
             <a:r>
               <a:rPr lang="en-US" altLang="zh-CN"/>
-              <a:t>Operations: </a:t>
-            </a:r>
-            <a:r>
-              <a:rPr lang="en-US" altLang="zh-CN">
-                <a:latin typeface="Arial" panose="020B0604020202020204" pitchFamily="34" charset="0"/>
-              </a:rPr>
-              <a:t>“</a:t>
-            </a:r>
-            <a:r>
-              <a:rPr lang="en-US" altLang="zh-CN"/>
-              <a:t>size</a:t>
-            </a:r>
-            <a:r>
-              <a:rPr lang="en-US" altLang="zh-CN">
-                <a:latin typeface="Arial" panose="020B0604020202020204" pitchFamily="34" charset="0"/>
-              </a:rPr>
-              <a:t>”</a:t>
-            </a:r>
-            <a:endParaRPr lang="en-US" altLang="zh-CN"/>
+              <a:t>Analysis</a:t>
+            </a:r>
           </a:p>
         </p:txBody>
       </p:sp>
       <p:sp>
         <p:nvSpPr>
-          <p:cNvPr id="257027" name="Rectangle 3">
+          <p:cNvPr id="263171" name="Rectangle 3">
             <a:extLst>
               <a:ext uri="{FF2B5EF4-FFF2-40B4-BE49-F238E27FC236}">
-                <a16:creationId xmlns:a16="http://schemas.microsoft.com/office/drawing/2014/main" id="{C9AFA791-FF83-DD3D-4E8A-9D7217B88C3E}"/>
+                <a16:creationId xmlns:a16="http://schemas.microsoft.com/office/drawing/2014/main" id="{7EAF711C-34D6-9FE0-1C97-C63ADF2671C9}"/>
               </a:ext>
             </a:extLst>
           </p:cNvPr>
@@ -26077,5353 +26650,57 @@
           <a:bodyPr/>
           <a:lstStyle/>
           <a:p>
-            <a:pPr>
-              <a:lnSpc>
-                <a:spcPct val="80000"/>
-              </a:lnSpc>
-              <a:buFont typeface="Wingdings" pitchFamily="2" charset="2"/>
-              <a:buNone/>
-            </a:pPr>
-            <a:r>
-              <a:rPr lang="en-US" altLang="zh-CN" sz="2000" b="1">
-                <a:solidFill>
-                  <a:schemeClr val="folHlink"/>
-                </a:solidFill>
-                <a:latin typeface="Courier New" panose="02070309020205020404" pitchFamily="49" charset="0"/>
-              </a:rPr>
-              <a:t>int Queue_size (Queue_t q)</a:t>
-            </a:r>
-          </a:p>
-          <a:p>
-            <a:pPr>
-              <a:lnSpc>
-                <a:spcPct val="80000"/>
-              </a:lnSpc>
-              <a:buFont typeface="Wingdings" pitchFamily="2" charset="2"/>
-              <a:buNone/>
-            </a:pPr>
-            <a:r>
-              <a:rPr lang="en-US" altLang="zh-CN" sz="2000" b="1">
-                <a:solidFill>
-                  <a:schemeClr val="folHlink"/>
-                </a:solidFill>
-                <a:latin typeface="Courier New" panose="02070309020205020404" pitchFamily="49" charset="0"/>
-              </a:rPr>
-              <a:t>{</a:t>
-            </a:r>
-          </a:p>
-          <a:p>
-            <a:pPr>
-              <a:lnSpc>
-                <a:spcPct val="80000"/>
-              </a:lnSpc>
-              <a:buFont typeface="Wingdings" pitchFamily="2" charset="2"/>
-              <a:buNone/>
-            </a:pPr>
-            <a:r>
-              <a:rPr lang="en-US" altLang="zh-CN" sz="2000" b="1">
-                <a:solidFill>
-                  <a:schemeClr val="folHlink"/>
-                </a:solidFill>
-                <a:latin typeface="Courier New" panose="02070309020205020404" pitchFamily="49" charset="0"/>
-              </a:rPr>
-              <a:t>  return LinkedList_length (q-&gt;l);</a:t>
-            </a:r>
-          </a:p>
-          <a:p>
-            <a:pPr>
-              <a:lnSpc>
-                <a:spcPct val="80000"/>
-              </a:lnSpc>
-              <a:buFont typeface="Wingdings" pitchFamily="2" charset="2"/>
-              <a:buNone/>
-            </a:pPr>
-            <a:r>
-              <a:rPr lang="en-US" altLang="zh-CN" sz="2000" b="1">
-                <a:solidFill>
-                  <a:schemeClr val="folHlink"/>
-                </a:solidFill>
-                <a:latin typeface="Courier New" panose="02070309020205020404" pitchFamily="49" charset="0"/>
-              </a:rPr>
-              <a:t>}</a:t>
-            </a:r>
-          </a:p>
-          <a:p>
-            <a:pPr>
-              <a:lnSpc>
-                <a:spcPct val="80000"/>
-              </a:lnSpc>
-              <a:buFont typeface="Wingdings" pitchFamily="2" charset="2"/>
-              <a:buNone/>
-            </a:pPr>
-            <a:endParaRPr lang="en-US" altLang="zh-CN" sz="2000" b="1">
-              <a:solidFill>
-                <a:schemeClr val="folHlink"/>
-              </a:solidFill>
-              <a:latin typeface="Courier New" panose="02070309020205020404" pitchFamily="49" charset="0"/>
-            </a:endParaRPr>
-          </a:p>
-        </p:txBody>
-      </p:sp>
-      <p:grpSp>
-        <p:nvGrpSpPr>
-          <p:cNvPr id="257028" name="Group 4">
-            <a:extLst>
-              <a:ext uri="{FF2B5EF4-FFF2-40B4-BE49-F238E27FC236}">
-                <a16:creationId xmlns:a16="http://schemas.microsoft.com/office/drawing/2014/main" id="{FB4CDE40-658A-CED8-6C00-FCEA249A0238}"/>
-              </a:ext>
-            </a:extLst>
-          </p:cNvPr>
-          <p:cNvGrpSpPr>
-            <a:grpSpLocks/>
-          </p:cNvGrpSpPr>
-          <p:nvPr/>
-        </p:nvGrpSpPr>
-        <p:grpSpPr bwMode="auto">
-          <a:xfrm>
-            <a:off x="685800" y="4343400"/>
-            <a:ext cx="7848600" cy="1016000"/>
-            <a:chOff x="432" y="3360"/>
-            <a:chExt cx="4944" cy="640"/>
-          </a:xfrm>
-        </p:grpSpPr>
-        <p:grpSp>
-          <p:nvGrpSpPr>
-            <p:cNvPr id="257029" name="Group 5">
-              <a:extLst>
-                <a:ext uri="{FF2B5EF4-FFF2-40B4-BE49-F238E27FC236}">
-                  <a16:creationId xmlns:a16="http://schemas.microsoft.com/office/drawing/2014/main" id="{93019B3A-423A-72C1-29CE-76F46167CE98}"/>
-                </a:ext>
-              </a:extLst>
-            </p:cNvPr>
-            <p:cNvGrpSpPr>
-              <a:grpSpLocks/>
-            </p:cNvGrpSpPr>
-            <p:nvPr/>
-          </p:nvGrpSpPr>
-          <p:grpSpPr bwMode="auto">
-            <a:xfrm>
-              <a:off x="432" y="3360"/>
-              <a:ext cx="1248" cy="432"/>
-              <a:chOff x="2160" y="2928"/>
-              <a:chExt cx="1248" cy="432"/>
-            </a:xfrm>
-          </p:grpSpPr>
-          <p:sp>
-            <p:nvSpPr>
-              <p:cNvPr id="257030" name="Rectangle 6">
-                <a:extLst>
-                  <a:ext uri="{FF2B5EF4-FFF2-40B4-BE49-F238E27FC236}">
-                    <a16:creationId xmlns:a16="http://schemas.microsoft.com/office/drawing/2014/main" id="{A665A2CE-EED4-293F-AC72-86BC7282A04A}"/>
-                  </a:ext>
-                </a:extLst>
-              </p:cNvPr>
-              <p:cNvSpPr>
-                <a:spLocks noChangeArrowheads="1"/>
-              </p:cNvSpPr>
-              <p:nvPr/>
-            </p:nvSpPr>
-            <p:spPr bwMode="auto">
-              <a:xfrm>
-                <a:off x="2640" y="3072"/>
-                <a:ext cx="480" cy="288"/>
-              </a:xfrm>
-              <a:prstGeom prst="rect">
-                <a:avLst/>
-              </a:prstGeom>
-              <a:solidFill>
-                <a:schemeClr val="accent1"/>
-              </a:solidFill>
-              <a:ln w="9525">
-                <a:solidFill>
-                  <a:schemeClr val="tx1"/>
-                </a:solidFill>
-                <a:miter lim="800000"/>
-                <a:headEnd/>
-                <a:tailEnd/>
-              </a:ln>
-              <a:effectLst/>
-              <a:extLst>
-                <a:ext uri="{AF507438-7753-43E0-B8FC-AC1667EBCBE1}">
-                  <a14:hiddenEffects xmlns:a14="http://schemas.microsoft.com/office/drawing/2010/main">
-                    <a:effectLst>
-                      <a:outerShdw dist="35921" dir="2700000" algn="ctr" rotWithShape="0">
-                        <a:schemeClr val="bg2"/>
-                      </a:outerShdw>
-                    </a:effectLst>
-                  </a14:hiddenEffects>
-                </a:ext>
-              </a:extLst>
-            </p:spPr>
-            <p:txBody>
-              <a:bodyPr wrap="none" anchor="ctr"/>
-              <a:lstStyle/>
-              <a:p>
-                <a:pPr algn="ctr"/>
-                <a:r>
-                  <a:rPr lang="en-US" altLang="zh-CN" sz="2000"/>
-                  <a:t>l</a:t>
-                </a:r>
-              </a:p>
-            </p:txBody>
-          </p:sp>
-          <p:sp>
-            <p:nvSpPr>
-              <p:cNvPr id="257031" name="Text Box 7">
-                <a:extLst>
-                  <a:ext uri="{FF2B5EF4-FFF2-40B4-BE49-F238E27FC236}">
-                    <a16:creationId xmlns:a16="http://schemas.microsoft.com/office/drawing/2014/main" id="{F60BB818-BBED-804E-AE1D-B3B4A5C6BE04}"/>
-                  </a:ext>
-                </a:extLst>
-              </p:cNvPr>
-              <p:cNvSpPr txBox="1">
-                <a:spLocks noChangeArrowheads="1"/>
-              </p:cNvSpPr>
-              <p:nvPr/>
-            </p:nvSpPr>
-            <p:spPr bwMode="auto">
-              <a:xfrm>
-                <a:off x="2160" y="2928"/>
-                <a:ext cx="432" cy="250"/>
-              </a:xfrm>
-              <a:prstGeom prst="rect">
-                <a:avLst/>
-              </a:prstGeom>
-              <a:noFill/>
-              <a:ln>
-                <a:noFill/>
-              </a:ln>
-              <a:effectLst/>
-              <a:extLst>
-                <a:ext uri="{909E8E84-426E-40DD-AFC4-6F175D3DCCD1}">
-                  <a14:hiddenFill xmlns:a14="http://schemas.microsoft.com/office/drawing/2010/main">
-                    <a:solidFill>
-                      <a:schemeClr val="accent1"/>
-                    </a:solidFill>
-                  </a14:hiddenFill>
-                </a:ext>
-                <a:ext uri="{91240B29-F687-4F45-9708-019B960494DF}">
-                  <a14:hiddenLine xmlns:a14="http://schemas.microsoft.com/office/drawing/2010/main" w="9525">
-                    <a:solidFill>
-                      <a:schemeClr val="tx1"/>
-                    </a:solidFill>
-                    <a:miter lim="800000"/>
-                    <a:headEnd/>
-                    <a:tailEnd/>
-                  </a14:hiddenLine>
-                </a:ext>
-                <a:ext uri="{AF507438-7753-43E0-B8FC-AC1667EBCBE1}">
-                  <a14:hiddenEffects xmlns:a14="http://schemas.microsoft.com/office/drawing/2010/main">
-                    <a:effectLst>
-                      <a:outerShdw dist="35921" dir="2700000" algn="ctr" rotWithShape="0">
-                        <a:schemeClr val="bg2"/>
-                      </a:outerShdw>
-                    </a:effectLst>
-                  </a14:hiddenEffects>
-                </a:ext>
-              </a:extLst>
-            </p:spPr>
-            <p:txBody>
-              <a:bodyPr>
-                <a:spAutoFit/>
-              </a:bodyPr>
-              <a:lstStyle/>
-              <a:p>
-                <a:pPr>
-                  <a:spcBef>
-                    <a:spcPct val="50000"/>
-                  </a:spcBef>
-                </a:pPr>
-                <a:r>
-                  <a:rPr lang="en-US" altLang="zh-CN" sz="2000"/>
-                  <a:t>q</a:t>
-                </a:r>
-              </a:p>
-            </p:txBody>
-          </p:sp>
-          <p:sp>
-            <p:nvSpPr>
-              <p:cNvPr id="257032" name="Line 8">
-                <a:extLst>
-                  <a:ext uri="{FF2B5EF4-FFF2-40B4-BE49-F238E27FC236}">
-                    <a16:creationId xmlns:a16="http://schemas.microsoft.com/office/drawing/2014/main" id="{78C0ECD9-D146-4BBD-2B78-03099ABD6EEC}"/>
-                  </a:ext>
-                </a:extLst>
-              </p:cNvPr>
-              <p:cNvSpPr>
-                <a:spLocks noChangeShapeType="1"/>
-              </p:cNvSpPr>
-              <p:nvPr/>
-            </p:nvSpPr>
-            <p:spPr bwMode="auto">
-              <a:xfrm>
-                <a:off x="2160" y="3168"/>
-                <a:ext cx="480" cy="0"/>
-              </a:xfrm>
-              <a:prstGeom prst="line">
-                <a:avLst/>
-              </a:prstGeom>
-              <a:noFill/>
-              <a:ln w="9525">
-                <a:solidFill>
-                  <a:schemeClr val="tx1"/>
-                </a:solidFill>
-                <a:round/>
-                <a:headEnd/>
-                <a:tailEnd type="triangle" w="med" len="med"/>
-              </a:ln>
-              <a:effectLst/>
-              <a:extLst>
-                <a:ext uri="{909E8E84-426E-40DD-AFC4-6F175D3DCCD1}">
-                  <a14:hiddenFill xmlns:a14="http://schemas.microsoft.com/office/drawing/2010/main">
-                    <a:noFill/>
-                  </a14:hiddenFill>
-                </a:ext>
-                <a:ext uri="{AF507438-7753-43E0-B8FC-AC1667EBCBE1}">
-                  <a14:hiddenEffects xmlns:a14="http://schemas.microsoft.com/office/drawing/2010/main">
-                    <a:effectLst>
-                      <a:outerShdw dist="35921" dir="2700000" algn="ctr" rotWithShape="0">
-                        <a:schemeClr val="bg2"/>
-                      </a:outerShdw>
-                    </a:effectLst>
-                  </a14:hiddenEffects>
-                </a:ext>
-              </a:extLst>
-            </p:spPr>
-            <p:txBody>
-              <a:bodyPr/>
-              <a:lstStyle/>
-              <a:p>
-                <a:endParaRPr lang="zh-CN" altLang="en-US"/>
-              </a:p>
-            </p:txBody>
-          </p:sp>
-          <p:sp>
-            <p:nvSpPr>
-              <p:cNvPr id="257033" name="Line 9">
-                <a:extLst>
-                  <a:ext uri="{FF2B5EF4-FFF2-40B4-BE49-F238E27FC236}">
-                    <a16:creationId xmlns:a16="http://schemas.microsoft.com/office/drawing/2014/main" id="{7D0073D1-F485-0483-3445-A0B6DAE3768A}"/>
-                  </a:ext>
-                </a:extLst>
-              </p:cNvPr>
-              <p:cNvSpPr>
-                <a:spLocks noChangeShapeType="1"/>
-              </p:cNvSpPr>
-              <p:nvPr/>
-            </p:nvSpPr>
-            <p:spPr bwMode="auto">
-              <a:xfrm>
-                <a:off x="3120" y="3216"/>
-                <a:ext cx="288" cy="0"/>
-              </a:xfrm>
-              <a:prstGeom prst="line">
-                <a:avLst/>
-              </a:prstGeom>
-              <a:noFill/>
-              <a:ln w="9525">
-                <a:solidFill>
-                  <a:schemeClr val="tx1"/>
-                </a:solidFill>
-                <a:round/>
-                <a:headEnd/>
-                <a:tailEnd type="triangle" w="med" len="med"/>
-              </a:ln>
-              <a:effectLst/>
-              <a:extLst>
-                <a:ext uri="{909E8E84-426E-40DD-AFC4-6F175D3DCCD1}">
-                  <a14:hiddenFill xmlns:a14="http://schemas.microsoft.com/office/drawing/2010/main">
-                    <a:noFill/>
-                  </a14:hiddenFill>
-                </a:ext>
-                <a:ext uri="{AF507438-7753-43E0-B8FC-AC1667EBCBE1}">
-                  <a14:hiddenEffects xmlns:a14="http://schemas.microsoft.com/office/drawing/2010/main">
-                    <a:effectLst>
-                      <a:outerShdw dist="35921" dir="2700000" algn="ctr" rotWithShape="0">
-                        <a:schemeClr val="bg2"/>
-                      </a:outerShdw>
-                    </a:effectLst>
-                  </a14:hiddenEffects>
-                </a:ext>
-              </a:extLst>
-            </p:spPr>
-            <p:txBody>
-              <a:bodyPr/>
-              <a:lstStyle/>
-              <a:p>
-                <a:endParaRPr lang="zh-CN" altLang="en-US"/>
-              </a:p>
-            </p:txBody>
-          </p:sp>
-        </p:grpSp>
-        <p:grpSp>
-          <p:nvGrpSpPr>
-            <p:cNvPr id="257034" name="Group 10">
-              <a:extLst>
-                <a:ext uri="{FF2B5EF4-FFF2-40B4-BE49-F238E27FC236}">
-                  <a16:creationId xmlns:a16="http://schemas.microsoft.com/office/drawing/2014/main" id="{0512C3B9-E62A-3D54-9E1F-EB9F3C0B7997}"/>
-                </a:ext>
-              </a:extLst>
-            </p:cNvPr>
-            <p:cNvGrpSpPr>
-              <a:grpSpLocks/>
-            </p:cNvGrpSpPr>
-            <p:nvPr/>
-          </p:nvGrpSpPr>
-          <p:grpSpPr bwMode="auto">
-            <a:xfrm>
-              <a:off x="1680" y="3520"/>
-              <a:ext cx="432" cy="480"/>
-              <a:chOff x="1488" y="1968"/>
-              <a:chExt cx="432" cy="480"/>
-            </a:xfrm>
-          </p:grpSpPr>
-          <p:sp>
-            <p:nvSpPr>
-              <p:cNvPr id="257035" name="Rectangle 11">
-                <a:extLst>
-                  <a:ext uri="{FF2B5EF4-FFF2-40B4-BE49-F238E27FC236}">
-                    <a16:creationId xmlns:a16="http://schemas.microsoft.com/office/drawing/2014/main" id="{3E93B8A9-D335-C533-C5EE-5233BB01D4FA}"/>
-                  </a:ext>
-                </a:extLst>
-              </p:cNvPr>
-              <p:cNvSpPr>
-                <a:spLocks noChangeArrowheads="1"/>
-              </p:cNvSpPr>
-              <p:nvPr/>
-            </p:nvSpPr>
-            <p:spPr bwMode="auto">
-              <a:xfrm>
-                <a:off x="1488" y="1968"/>
-                <a:ext cx="432" cy="240"/>
-              </a:xfrm>
-              <a:prstGeom prst="rect">
-                <a:avLst/>
-              </a:prstGeom>
-              <a:solidFill>
-                <a:srgbClr val="FF9966"/>
-              </a:solidFill>
-              <a:ln w="9525">
-                <a:solidFill>
-                  <a:schemeClr val="tx1"/>
-                </a:solidFill>
-                <a:miter lim="800000"/>
-                <a:headEnd/>
-                <a:tailEnd/>
-              </a:ln>
-              <a:effectLst/>
-              <a:extLst>
-                <a:ext uri="{AF507438-7753-43E0-B8FC-AC1667EBCBE1}">
-                  <a14:hiddenEffects xmlns:a14="http://schemas.microsoft.com/office/drawing/2010/main">
-                    <a:effectLst>
-                      <a:outerShdw dist="35921" dir="2700000" algn="ctr" rotWithShape="0">
-                        <a:schemeClr val="bg2"/>
-                      </a:outerShdw>
-                    </a:effectLst>
-                  </a14:hiddenEffects>
-                </a:ext>
-              </a:extLst>
-            </p:spPr>
-            <p:txBody>
-              <a:bodyPr wrap="none" anchor="ctr"/>
-              <a:lstStyle/>
-              <a:p>
-                <a:endParaRPr lang="zh-CN" altLang="en-US"/>
-              </a:p>
-            </p:txBody>
-          </p:sp>
-          <p:sp>
-            <p:nvSpPr>
-              <p:cNvPr id="257036" name="Rectangle 12">
-                <a:extLst>
-                  <a:ext uri="{FF2B5EF4-FFF2-40B4-BE49-F238E27FC236}">
-                    <a16:creationId xmlns:a16="http://schemas.microsoft.com/office/drawing/2014/main" id="{7EC18777-98F2-1383-F52C-7EBD2216DFC6}"/>
-                  </a:ext>
-                </a:extLst>
-              </p:cNvPr>
-              <p:cNvSpPr>
-                <a:spLocks noChangeArrowheads="1"/>
-              </p:cNvSpPr>
-              <p:nvPr/>
-            </p:nvSpPr>
-            <p:spPr bwMode="auto">
-              <a:xfrm>
-                <a:off x="1488" y="2208"/>
-                <a:ext cx="432" cy="240"/>
-              </a:xfrm>
-              <a:prstGeom prst="rect">
-                <a:avLst/>
-              </a:prstGeom>
-              <a:solidFill>
-                <a:srgbClr val="FF9966"/>
-              </a:solidFill>
-              <a:ln w="9525">
-                <a:solidFill>
-                  <a:schemeClr val="tx1"/>
-                </a:solidFill>
-                <a:miter lim="800000"/>
-                <a:headEnd/>
-                <a:tailEnd/>
-              </a:ln>
-              <a:effectLst/>
-              <a:extLst>
-                <a:ext uri="{AF507438-7753-43E0-B8FC-AC1667EBCBE1}">
-                  <a14:hiddenEffects xmlns:a14="http://schemas.microsoft.com/office/drawing/2010/main">
-                    <a:effectLst>
-                      <a:outerShdw dist="35921" dir="2700000" algn="ctr" rotWithShape="0">
-                        <a:schemeClr val="bg2"/>
-                      </a:outerShdw>
-                    </a:effectLst>
-                  </a14:hiddenEffects>
-                </a:ext>
-              </a:extLst>
-            </p:spPr>
-            <p:txBody>
-              <a:bodyPr wrap="none" anchor="ctr"/>
-              <a:lstStyle/>
-              <a:p>
-                <a:endParaRPr lang="zh-CN" altLang="en-US"/>
-              </a:p>
-            </p:txBody>
-          </p:sp>
-        </p:grpSp>
-        <p:grpSp>
-          <p:nvGrpSpPr>
-            <p:cNvPr id="257037" name="Group 13">
-              <a:extLst>
-                <a:ext uri="{FF2B5EF4-FFF2-40B4-BE49-F238E27FC236}">
-                  <a16:creationId xmlns:a16="http://schemas.microsoft.com/office/drawing/2014/main" id="{797D0D53-203D-12B6-C242-6905902D9DE1}"/>
-                </a:ext>
-              </a:extLst>
-            </p:cNvPr>
-            <p:cNvGrpSpPr>
-              <a:grpSpLocks/>
-            </p:cNvGrpSpPr>
-            <p:nvPr/>
-          </p:nvGrpSpPr>
-          <p:grpSpPr bwMode="auto">
-            <a:xfrm>
-              <a:off x="2496" y="3520"/>
-              <a:ext cx="432" cy="480"/>
-              <a:chOff x="1488" y="1968"/>
-              <a:chExt cx="432" cy="480"/>
-            </a:xfrm>
-          </p:grpSpPr>
-          <p:sp>
-            <p:nvSpPr>
-              <p:cNvPr id="257038" name="Rectangle 14">
-                <a:extLst>
-                  <a:ext uri="{FF2B5EF4-FFF2-40B4-BE49-F238E27FC236}">
-                    <a16:creationId xmlns:a16="http://schemas.microsoft.com/office/drawing/2014/main" id="{BD93C36A-D9C4-7F3F-8F4D-C8FAB96AD755}"/>
-                  </a:ext>
-                </a:extLst>
-              </p:cNvPr>
-              <p:cNvSpPr>
-                <a:spLocks noChangeArrowheads="1"/>
-              </p:cNvSpPr>
-              <p:nvPr/>
-            </p:nvSpPr>
-            <p:spPr bwMode="auto">
-              <a:xfrm>
-                <a:off x="1488" y="1968"/>
-                <a:ext cx="432" cy="240"/>
-              </a:xfrm>
-              <a:prstGeom prst="rect">
-                <a:avLst/>
-              </a:prstGeom>
-              <a:solidFill>
-                <a:schemeClr val="accent2"/>
-              </a:solidFill>
-              <a:ln w="9525">
-                <a:solidFill>
-                  <a:schemeClr val="tx1"/>
-                </a:solidFill>
-                <a:miter lim="800000"/>
-                <a:headEnd/>
-                <a:tailEnd/>
-              </a:ln>
-              <a:effectLst/>
-              <a:extLst>
-                <a:ext uri="{AF507438-7753-43E0-B8FC-AC1667EBCBE1}">
-                  <a14:hiddenEffects xmlns:a14="http://schemas.microsoft.com/office/drawing/2010/main">
-                    <a:effectLst>
-                      <a:outerShdw dist="35921" dir="2700000" algn="ctr" rotWithShape="0">
-                        <a:schemeClr val="bg2"/>
-                      </a:outerShdw>
-                    </a:effectLst>
-                  </a14:hiddenEffects>
-                </a:ext>
-              </a:extLst>
-            </p:spPr>
-            <p:txBody>
-              <a:bodyPr wrap="none" anchor="ctr"/>
-              <a:lstStyle/>
-              <a:p>
-                <a:pPr algn="ctr"/>
-                <a:r>
-                  <a:rPr lang="en-US" altLang="zh-CN" sz="2000"/>
-                  <a:t>data</a:t>
-                </a:r>
-              </a:p>
-            </p:txBody>
-          </p:sp>
-          <p:sp>
-            <p:nvSpPr>
-              <p:cNvPr id="257039" name="Rectangle 15">
-                <a:extLst>
-                  <a:ext uri="{FF2B5EF4-FFF2-40B4-BE49-F238E27FC236}">
-                    <a16:creationId xmlns:a16="http://schemas.microsoft.com/office/drawing/2014/main" id="{F7E09DD8-975F-7719-BBB1-EE09942264AD}"/>
-                  </a:ext>
-                </a:extLst>
-              </p:cNvPr>
-              <p:cNvSpPr>
-                <a:spLocks noChangeArrowheads="1"/>
-              </p:cNvSpPr>
-              <p:nvPr/>
-            </p:nvSpPr>
-            <p:spPr bwMode="auto">
-              <a:xfrm>
-                <a:off x="1488" y="2208"/>
-                <a:ext cx="432" cy="240"/>
-              </a:xfrm>
-              <a:prstGeom prst="rect">
-                <a:avLst/>
-              </a:prstGeom>
-              <a:solidFill>
-                <a:schemeClr val="accent1"/>
-              </a:solidFill>
-              <a:ln w="9525">
-                <a:solidFill>
-                  <a:schemeClr val="tx1"/>
-                </a:solidFill>
-                <a:miter lim="800000"/>
-                <a:headEnd/>
-                <a:tailEnd/>
-              </a:ln>
-              <a:effectLst/>
-              <a:extLst>
-                <a:ext uri="{AF507438-7753-43E0-B8FC-AC1667EBCBE1}">
-                  <a14:hiddenEffects xmlns:a14="http://schemas.microsoft.com/office/drawing/2010/main">
-                    <a:effectLst>
-                      <a:outerShdw dist="35921" dir="2700000" algn="ctr" rotWithShape="0">
-                        <a:schemeClr val="bg2"/>
-                      </a:outerShdw>
-                    </a:effectLst>
-                  </a14:hiddenEffects>
-                </a:ext>
-              </a:extLst>
-            </p:spPr>
-            <p:txBody>
-              <a:bodyPr wrap="none" anchor="ctr"/>
-              <a:lstStyle/>
-              <a:p>
-                <a:pPr algn="ctr"/>
-                <a:r>
-                  <a:rPr lang="en-US" altLang="zh-CN" sz="2000"/>
-                  <a:t>next</a:t>
-                </a:r>
-              </a:p>
-            </p:txBody>
-          </p:sp>
-        </p:grpSp>
-        <p:grpSp>
-          <p:nvGrpSpPr>
-            <p:cNvPr id="257040" name="Group 16">
-              <a:extLst>
-                <a:ext uri="{FF2B5EF4-FFF2-40B4-BE49-F238E27FC236}">
-                  <a16:creationId xmlns:a16="http://schemas.microsoft.com/office/drawing/2014/main" id="{88202F2D-22A0-15B6-CA68-DECF012C8E27}"/>
-                </a:ext>
-              </a:extLst>
-            </p:cNvPr>
-            <p:cNvGrpSpPr>
-              <a:grpSpLocks/>
-            </p:cNvGrpSpPr>
-            <p:nvPr/>
-          </p:nvGrpSpPr>
-          <p:grpSpPr bwMode="auto">
-            <a:xfrm>
-              <a:off x="3312" y="3520"/>
-              <a:ext cx="432" cy="480"/>
-              <a:chOff x="1488" y="1968"/>
-              <a:chExt cx="432" cy="480"/>
-            </a:xfrm>
-          </p:grpSpPr>
-          <p:sp>
-            <p:nvSpPr>
-              <p:cNvPr id="257041" name="Rectangle 17">
-                <a:extLst>
-                  <a:ext uri="{FF2B5EF4-FFF2-40B4-BE49-F238E27FC236}">
-                    <a16:creationId xmlns:a16="http://schemas.microsoft.com/office/drawing/2014/main" id="{9D60BCAA-62FF-E65C-1A3C-430960218AC5}"/>
-                  </a:ext>
-                </a:extLst>
-              </p:cNvPr>
-              <p:cNvSpPr>
-                <a:spLocks noChangeArrowheads="1"/>
-              </p:cNvSpPr>
-              <p:nvPr/>
-            </p:nvSpPr>
-            <p:spPr bwMode="auto">
-              <a:xfrm>
-                <a:off x="1488" y="1968"/>
-                <a:ext cx="432" cy="240"/>
-              </a:xfrm>
-              <a:prstGeom prst="rect">
-                <a:avLst/>
-              </a:prstGeom>
-              <a:solidFill>
-                <a:schemeClr val="accent2"/>
-              </a:solidFill>
-              <a:ln w="9525">
-                <a:solidFill>
-                  <a:schemeClr val="tx1"/>
-                </a:solidFill>
-                <a:miter lim="800000"/>
-                <a:headEnd/>
-                <a:tailEnd/>
-              </a:ln>
-              <a:effectLst/>
-              <a:extLst>
-                <a:ext uri="{AF507438-7753-43E0-B8FC-AC1667EBCBE1}">
-                  <a14:hiddenEffects xmlns:a14="http://schemas.microsoft.com/office/drawing/2010/main">
-                    <a:effectLst>
-                      <a:outerShdw dist="35921" dir="2700000" algn="ctr" rotWithShape="0">
-                        <a:schemeClr val="bg2"/>
-                      </a:outerShdw>
-                    </a:effectLst>
-                  </a14:hiddenEffects>
-                </a:ext>
-              </a:extLst>
-            </p:spPr>
-            <p:txBody>
-              <a:bodyPr wrap="none" anchor="ctr"/>
-              <a:lstStyle/>
-              <a:p>
-                <a:pPr algn="ctr"/>
-                <a:r>
-                  <a:rPr lang="en-US" altLang="zh-CN" sz="2000"/>
-                  <a:t>data</a:t>
-                </a:r>
-              </a:p>
-            </p:txBody>
-          </p:sp>
-          <p:sp>
-            <p:nvSpPr>
-              <p:cNvPr id="257042" name="Rectangle 18">
-                <a:extLst>
-                  <a:ext uri="{FF2B5EF4-FFF2-40B4-BE49-F238E27FC236}">
-                    <a16:creationId xmlns:a16="http://schemas.microsoft.com/office/drawing/2014/main" id="{F49A136A-4D34-E6B6-BB3A-6603CB569399}"/>
-                  </a:ext>
-                </a:extLst>
-              </p:cNvPr>
-              <p:cNvSpPr>
-                <a:spLocks noChangeArrowheads="1"/>
-              </p:cNvSpPr>
-              <p:nvPr/>
-            </p:nvSpPr>
-            <p:spPr bwMode="auto">
-              <a:xfrm>
-                <a:off x="1488" y="2208"/>
-                <a:ext cx="432" cy="240"/>
-              </a:xfrm>
-              <a:prstGeom prst="rect">
-                <a:avLst/>
-              </a:prstGeom>
-              <a:solidFill>
-                <a:schemeClr val="accent1"/>
-              </a:solidFill>
-              <a:ln w="9525">
-                <a:solidFill>
-                  <a:schemeClr val="tx1"/>
-                </a:solidFill>
-                <a:miter lim="800000"/>
-                <a:headEnd/>
-                <a:tailEnd/>
-              </a:ln>
-              <a:effectLst/>
-              <a:extLst>
-                <a:ext uri="{AF507438-7753-43E0-B8FC-AC1667EBCBE1}">
-                  <a14:hiddenEffects xmlns:a14="http://schemas.microsoft.com/office/drawing/2010/main">
-                    <a:effectLst>
-                      <a:outerShdw dist="35921" dir="2700000" algn="ctr" rotWithShape="0">
-                        <a:schemeClr val="bg2"/>
-                      </a:outerShdw>
-                    </a:effectLst>
-                  </a14:hiddenEffects>
-                </a:ext>
-              </a:extLst>
-            </p:spPr>
-            <p:txBody>
-              <a:bodyPr wrap="none" anchor="ctr"/>
-              <a:lstStyle/>
-              <a:p>
-                <a:pPr algn="ctr"/>
-                <a:r>
-                  <a:rPr lang="en-US" altLang="zh-CN" sz="2000"/>
-                  <a:t>next</a:t>
-                </a:r>
-              </a:p>
-            </p:txBody>
-          </p:sp>
-        </p:grpSp>
-        <p:grpSp>
-          <p:nvGrpSpPr>
-            <p:cNvPr id="257043" name="Group 19">
-              <a:extLst>
-                <a:ext uri="{FF2B5EF4-FFF2-40B4-BE49-F238E27FC236}">
-                  <a16:creationId xmlns:a16="http://schemas.microsoft.com/office/drawing/2014/main" id="{34D4D357-9E54-9637-FDCF-BA346CAEFB60}"/>
-                </a:ext>
-              </a:extLst>
-            </p:cNvPr>
-            <p:cNvGrpSpPr>
-              <a:grpSpLocks/>
-            </p:cNvGrpSpPr>
-            <p:nvPr/>
-          </p:nvGrpSpPr>
-          <p:grpSpPr bwMode="auto">
-            <a:xfrm>
-              <a:off x="4128" y="3520"/>
-              <a:ext cx="432" cy="480"/>
-              <a:chOff x="1488" y="1968"/>
-              <a:chExt cx="432" cy="480"/>
-            </a:xfrm>
-          </p:grpSpPr>
-          <p:sp>
-            <p:nvSpPr>
-              <p:cNvPr id="257044" name="Rectangle 20">
-                <a:extLst>
-                  <a:ext uri="{FF2B5EF4-FFF2-40B4-BE49-F238E27FC236}">
-                    <a16:creationId xmlns:a16="http://schemas.microsoft.com/office/drawing/2014/main" id="{64EEAD1E-EE05-897F-91D2-4C56AC55A92C}"/>
-                  </a:ext>
-                </a:extLst>
-              </p:cNvPr>
-              <p:cNvSpPr>
-                <a:spLocks noChangeArrowheads="1"/>
-              </p:cNvSpPr>
-              <p:nvPr/>
-            </p:nvSpPr>
-            <p:spPr bwMode="auto">
-              <a:xfrm>
-                <a:off x="1488" y="1968"/>
-                <a:ext cx="432" cy="240"/>
-              </a:xfrm>
-              <a:prstGeom prst="rect">
-                <a:avLst/>
-              </a:prstGeom>
-              <a:solidFill>
-                <a:schemeClr val="accent2"/>
-              </a:solidFill>
-              <a:ln w="9525">
-                <a:solidFill>
-                  <a:schemeClr val="tx1"/>
-                </a:solidFill>
-                <a:miter lim="800000"/>
-                <a:headEnd/>
-                <a:tailEnd/>
-              </a:ln>
-              <a:effectLst/>
-              <a:extLst>
-                <a:ext uri="{AF507438-7753-43E0-B8FC-AC1667EBCBE1}">
-                  <a14:hiddenEffects xmlns:a14="http://schemas.microsoft.com/office/drawing/2010/main">
-                    <a:effectLst>
-                      <a:outerShdw dist="35921" dir="2700000" algn="ctr" rotWithShape="0">
-                        <a:schemeClr val="bg2"/>
-                      </a:outerShdw>
-                    </a:effectLst>
-                  </a14:hiddenEffects>
-                </a:ext>
-              </a:extLst>
-            </p:spPr>
-            <p:txBody>
-              <a:bodyPr wrap="none" anchor="ctr"/>
-              <a:lstStyle/>
-              <a:p>
-                <a:pPr algn="ctr"/>
-                <a:r>
-                  <a:rPr lang="en-US" altLang="zh-CN" sz="2000"/>
-                  <a:t>data</a:t>
-                </a:r>
-              </a:p>
-            </p:txBody>
-          </p:sp>
-          <p:sp>
-            <p:nvSpPr>
-              <p:cNvPr id="257045" name="Rectangle 21">
-                <a:extLst>
-                  <a:ext uri="{FF2B5EF4-FFF2-40B4-BE49-F238E27FC236}">
-                    <a16:creationId xmlns:a16="http://schemas.microsoft.com/office/drawing/2014/main" id="{6079AED4-46E6-A2E6-2AA3-47528D2C991D}"/>
-                  </a:ext>
-                </a:extLst>
-              </p:cNvPr>
-              <p:cNvSpPr>
-                <a:spLocks noChangeArrowheads="1"/>
-              </p:cNvSpPr>
-              <p:nvPr/>
-            </p:nvSpPr>
-            <p:spPr bwMode="auto">
-              <a:xfrm>
-                <a:off x="1488" y="2208"/>
-                <a:ext cx="432" cy="240"/>
-              </a:xfrm>
-              <a:prstGeom prst="rect">
-                <a:avLst/>
-              </a:prstGeom>
-              <a:solidFill>
-                <a:schemeClr val="accent1"/>
-              </a:solidFill>
-              <a:ln w="9525">
-                <a:solidFill>
-                  <a:schemeClr val="tx1"/>
-                </a:solidFill>
-                <a:miter lim="800000"/>
-                <a:headEnd/>
-                <a:tailEnd/>
-              </a:ln>
-              <a:effectLst/>
-              <a:extLst>
-                <a:ext uri="{AF507438-7753-43E0-B8FC-AC1667EBCBE1}">
-                  <a14:hiddenEffects xmlns:a14="http://schemas.microsoft.com/office/drawing/2010/main">
-                    <a:effectLst>
-                      <a:outerShdw dist="35921" dir="2700000" algn="ctr" rotWithShape="0">
-                        <a:schemeClr val="bg2"/>
-                      </a:outerShdw>
-                    </a:effectLst>
-                  </a14:hiddenEffects>
-                </a:ext>
-              </a:extLst>
-            </p:spPr>
-            <p:txBody>
-              <a:bodyPr wrap="none" anchor="ctr"/>
-              <a:lstStyle/>
-              <a:p>
-                <a:pPr algn="ctr"/>
-                <a:r>
-                  <a:rPr lang="en-US" altLang="zh-CN" sz="2000"/>
-                  <a:t>next</a:t>
-                </a:r>
-              </a:p>
-            </p:txBody>
-          </p:sp>
-        </p:grpSp>
-        <p:cxnSp>
-          <p:nvCxnSpPr>
-            <p:cNvPr id="257046" name="AutoShape 22">
-              <a:extLst>
-                <a:ext uri="{FF2B5EF4-FFF2-40B4-BE49-F238E27FC236}">
-                  <a16:creationId xmlns:a16="http://schemas.microsoft.com/office/drawing/2014/main" id="{084993EE-1CD5-D8A5-8D07-6F28ADF9A680}"/>
-                </a:ext>
-              </a:extLst>
-            </p:cNvPr>
-            <p:cNvCxnSpPr>
-              <a:cxnSpLocks noChangeShapeType="1"/>
-              <a:stCxn id="257036" idx="3"/>
-              <a:endCxn id="257038" idx="1"/>
-            </p:cNvCxnSpPr>
-            <p:nvPr/>
-          </p:nvCxnSpPr>
-          <p:spPr bwMode="auto">
-            <a:xfrm flipV="1">
-              <a:off x="2112" y="3640"/>
-              <a:ext cx="384" cy="240"/>
-            </a:xfrm>
-            <a:prstGeom prst="curvedConnector3">
-              <a:avLst>
-                <a:gd name="adj1" fmla="val 50000"/>
-              </a:avLst>
-            </a:prstGeom>
-            <a:noFill/>
-            <a:ln w="9525">
-              <a:solidFill>
-                <a:schemeClr val="tx1"/>
-              </a:solidFill>
-              <a:round/>
-              <a:headEnd/>
-              <a:tailEnd type="triangle" w="med" len="med"/>
-            </a:ln>
-            <a:effectLst/>
-            <a:extLst>
-              <a:ext uri="{909E8E84-426E-40DD-AFC4-6F175D3DCCD1}">
-                <a14:hiddenFill xmlns:a14="http://schemas.microsoft.com/office/drawing/2010/main">
-                  <a:noFill/>
-                </a14:hiddenFill>
-              </a:ext>
-              <a:ext uri="{AF507438-7753-43E0-B8FC-AC1667EBCBE1}">
-                <a14:hiddenEffects xmlns:a14="http://schemas.microsoft.com/office/drawing/2010/main">
-                  <a:effectLst>
-                    <a:outerShdw dist="35921" dir="2700000" algn="ctr" rotWithShape="0">
-                      <a:schemeClr val="bg2"/>
-                    </a:outerShdw>
-                  </a:effectLst>
-                </a14:hiddenEffects>
-              </a:ext>
-            </a:extLst>
-          </p:spPr>
-        </p:cxnSp>
-        <p:cxnSp>
-          <p:nvCxnSpPr>
-            <p:cNvPr id="257047" name="AutoShape 23">
-              <a:extLst>
-                <a:ext uri="{FF2B5EF4-FFF2-40B4-BE49-F238E27FC236}">
-                  <a16:creationId xmlns:a16="http://schemas.microsoft.com/office/drawing/2014/main" id="{FD086E25-D56F-AD88-ECE0-0386F4930411}"/>
-                </a:ext>
-              </a:extLst>
-            </p:cNvPr>
-            <p:cNvCxnSpPr>
-              <a:cxnSpLocks noChangeShapeType="1"/>
-            </p:cNvCxnSpPr>
-            <p:nvPr/>
-          </p:nvCxnSpPr>
-          <p:spPr bwMode="auto">
-            <a:xfrm flipV="1">
-              <a:off x="2928" y="3616"/>
-              <a:ext cx="384" cy="240"/>
-            </a:xfrm>
-            <a:prstGeom prst="curvedConnector3">
-              <a:avLst>
-                <a:gd name="adj1" fmla="val 50000"/>
-              </a:avLst>
-            </a:prstGeom>
-            <a:noFill/>
-            <a:ln w="9525">
-              <a:solidFill>
-                <a:schemeClr val="tx1"/>
-              </a:solidFill>
-              <a:round/>
-              <a:headEnd/>
-              <a:tailEnd type="triangle" w="med" len="med"/>
-            </a:ln>
-            <a:effectLst/>
-            <a:extLst>
-              <a:ext uri="{909E8E84-426E-40DD-AFC4-6F175D3DCCD1}">
-                <a14:hiddenFill xmlns:a14="http://schemas.microsoft.com/office/drawing/2010/main">
-                  <a:noFill/>
-                </a14:hiddenFill>
-              </a:ext>
-              <a:ext uri="{AF507438-7753-43E0-B8FC-AC1667EBCBE1}">
-                <a14:hiddenEffects xmlns:a14="http://schemas.microsoft.com/office/drawing/2010/main">
-                  <a:effectLst>
-                    <a:outerShdw dist="35921" dir="2700000" algn="ctr" rotWithShape="0">
-                      <a:schemeClr val="bg2"/>
-                    </a:outerShdw>
-                  </a:effectLst>
-                </a14:hiddenEffects>
-              </a:ext>
-            </a:extLst>
-          </p:spPr>
-        </p:cxnSp>
-        <p:cxnSp>
-          <p:nvCxnSpPr>
-            <p:cNvPr id="257048" name="AutoShape 24">
-              <a:extLst>
-                <a:ext uri="{FF2B5EF4-FFF2-40B4-BE49-F238E27FC236}">
-                  <a16:creationId xmlns:a16="http://schemas.microsoft.com/office/drawing/2014/main" id="{6FD448DE-A72A-A7D6-EDB0-032F7C6FAE99}"/>
-                </a:ext>
-              </a:extLst>
-            </p:cNvPr>
-            <p:cNvCxnSpPr>
-              <a:cxnSpLocks noChangeShapeType="1"/>
-            </p:cNvCxnSpPr>
-            <p:nvPr/>
-          </p:nvCxnSpPr>
-          <p:spPr bwMode="auto">
-            <a:xfrm flipV="1">
-              <a:off x="3744" y="3664"/>
-              <a:ext cx="384" cy="240"/>
-            </a:xfrm>
-            <a:prstGeom prst="curvedConnector3">
-              <a:avLst>
-                <a:gd name="adj1" fmla="val 50000"/>
-              </a:avLst>
-            </a:prstGeom>
-            <a:noFill/>
-            <a:ln w="9525">
-              <a:solidFill>
-                <a:schemeClr val="tx1"/>
-              </a:solidFill>
-              <a:round/>
-              <a:headEnd/>
-              <a:tailEnd type="triangle" w="med" len="med"/>
-            </a:ln>
-            <a:effectLst/>
-            <a:extLst>
-              <a:ext uri="{909E8E84-426E-40DD-AFC4-6F175D3DCCD1}">
-                <a14:hiddenFill xmlns:a14="http://schemas.microsoft.com/office/drawing/2010/main">
-                  <a:noFill/>
-                </a14:hiddenFill>
-              </a:ext>
-              <a:ext uri="{AF507438-7753-43E0-B8FC-AC1667EBCBE1}">
-                <a14:hiddenEffects xmlns:a14="http://schemas.microsoft.com/office/drawing/2010/main">
-                  <a:effectLst>
-                    <a:outerShdw dist="35921" dir="2700000" algn="ctr" rotWithShape="0">
-                      <a:schemeClr val="bg2"/>
-                    </a:outerShdw>
-                  </a:effectLst>
-                </a14:hiddenEffects>
-              </a:ext>
-            </a:extLst>
-          </p:spPr>
-        </p:cxnSp>
-        <p:cxnSp>
-          <p:nvCxnSpPr>
-            <p:cNvPr id="257049" name="AutoShape 25">
-              <a:extLst>
-                <a:ext uri="{FF2B5EF4-FFF2-40B4-BE49-F238E27FC236}">
-                  <a16:creationId xmlns:a16="http://schemas.microsoft.com/office/drawing/2014/main" id="{71335055-FF9F-6F0E-768F-BD6DA47ADB52}"/>
-                </a:ext>
-              </a:extLst>
-            </p:cNvPr>
-            <p:cNvCxnSpPr>
-              <a:cxnSpLocks noChangeShapeType="1"/>
-            </p:cNvCxnSpPr>
-            <p:nvPr/>
-          </p:nvCxnSpPr>
-          <p:spPr bwMode="auto">
-            <a:xfrm flipV="1">
-              <a:off x="4560" y="3616"/>
-              <a:ext cx="384" cy="240"/>
-            </a:xfrm>
-            <a:prstGeom prst="curvedConnector3">
-              <a:avLst>
-                <a:gd name="adj1" fmla="val 50000"/>
-              </a:avLst>
-            </a:prstGeom>
-            <a:noFill/>
-            <a:ln w="9525">
-              <a:solidFill>
-                <a:schemeClr val="tx1"/>
-              </a:solidFill>
-              <a:round/>
-              <a:headEnd/>
-              <a:tailEnd type="triangle" w="med" len="med"/>
-            </a:ln>
-            <a:effectLst/>
-            <a:extLst>
-              <a:ext uri="{909E8E84-426E-40DD-AFC4-6F175D3DCCD1}">
-                <a14:hiddenFill xmlns:a14="http://schemas.microsoft.com/office/drawing/2010/main">
-                  <a:noFill/>
-                </a14:hiddenFill>
-              </a:ext>
-              <a:ext uri="{AF507438-7753-43E0-B8FC-AC1667EBCBE1}">
-                <a14:hiddenEffects xmlns:a14="http://schemas.microsoft.com/office/drawing/2010/main">
-                  <a:effectLst>
-                    <a:outerShdw dist="35921" dir="2700000" algn="ctr" rotWithShape="0">
-                      <a:schemeClr val="bg2"/>
-                    </a:outerShdw>
-                  </a:effectLst>
-                </a14:hiddenEffects>
-              </a:ext>
-            </a:extLst>
-          </p:spPr>
-        </p:cxnSp>
-        <p:sp>
-          <p:nvSpPr>
-            <p:cNvPr id="257050" name="Text Box 26">
-              <a:extLst>
-                <a:ext uri="{FF2B5EF4-FFF2-40B4-BE49-F238E27FC236}">
-                  <a16:creationId xmlns:a16="http://schemas.microsoft.com/office/drawing/2014/main" id="{06EEF253-008A-5403-F0C4-52CF5E16BABE}"/>
-                </a:ext>
-              </a:extLst>
-            </p:cNvPr>
-            <p:cNvSpPr txBox="1">
-              <a:spLocks noChangeArrowheads="1"/>
-            </p:cNvSpPr>
-            <p:nvPr/>
-          </p:nvSpPr>
-          <p:spPr bwMode="auto">
-            <a:xfrm>
-              <a:off x="4944" y="3452"/>
-              <a:ext cx="432" cy="404"/>
-            </a:xfrm>
-            <a:prstGeom prst="rect">
-              <a:avLst/>
-            </a:prstGeom>
-            <a:noFill/>
-            <a:ln>
-              <a:noFill/>
-            </a:ln>
-            <a:effectLst/>
-            <a:extLst>
-              <a:ext uri="{909E8E84-426E-40DD-AFC4-6F175D3DCCD1}">
-                <a14:hiddenFill xmlns:a14="http://schemas.microsoft.com/office/drawing/2010/main">
-                  <a:solidFill>
-                    <a:schemeClr val="accent1"/>
-                  </a:solidFill>
-                </a14:hiddenFill>
-              </a:ext>
-              <a:ext uri="{91240B29-F687-4F45-9708-019B960494DF}">
-                <a14:hiddenLine xmlns:a14="http://schemas.microsoft.com/office/drawing/2010/main" w="9525">
-                  <a:solidFill>
-                    <a:schemeClr val="tx1"/>
-                  </a:solidFill>
-                  <a:miter lim="800000"/>
-                  <a:headEnd/>
-                  <a:tailEnd/>
-                </a14:hiddenLine>
-              </a:ext>
-              <a:ext uri="{AF507438-7753-43E0-B8FC-AC1667EBCBE1}">
-                <a14:hiddenEffects xmlns:a14="http://schemas.microsoft.com/office/drawing/2010/main">
-                  <a:effectLst>
-                    <a:outerShdw dist="35921" dir="2700000" algn="ctr" rotWithShape="0">
-                      <a:schemeClr val="bg2"/>
-                    </a:outerShdw>
-                  </a:effectLst>
-                </a14:hiddenEffects>
-              </a:ext>
-            </a:extLst>
-          </p:spPr>
-          <p:txBody>
-            <a:bodyPr>
-              <a:spAutoFit/>
-            </a:bodyPr>
-            <a:lstStyle/>
-            <a:p>
-              <a:pPr>
-                <a:spcBef>
-                  <a:spcPct val="50000"/>
-                </a:spcBef>
-              </a:pPr>
-              <a:r>
-                <a:rPr lang="en-US" altLang="zh-CN" sz="3600">
-                  <a:latin typeface="Arial" panose="020B0604020202020204" pitchFamily="34" charset="0"/>
-                </a:rPr>
-                <a:t>…</a:t>
-              </a:r>
-              <a:endParaRPr lang="en-US" altLang="zh-CN" sz="3600"/>
-            </a:p>
-          </p:txBody>
-        </p:sp>
-      </p:grpSp>
-    </p:spTree>
-  </p:cSld>
-  <p:clrMapOvr>
-    <a:masterClrMapping/>
-  </p:clrMapOvr>
-</p:sld>
-</file>
-
-<file path=ppt/slides/slide27.xml><?xml version="1.0" encoding="utf-8"?>
-<p:sld xmlns:a="http://schemas.openxmlformats.org/drawingml/2006/main" xmlns:r="http://schemas.openxmlformats.org/officeDocument/2006/relationships" xmlns:p="http://schemas.openxmlformats.org/presentationml/2006/main">
-  <p:cSld>
-    <p:spTree>
-      <p:nvGrpSpPr>
-        <p:cNvPr id="1" name=""/>
-        <p:cNvGrpSpPr/>
-        <p:nvPr/>
-      </p:nvGrpSpPr>
-      <p:grpSpPr>
-        <a:xfrm>
-          <a:off x="0" y="0"/>
-          <a:ext cx="0" cy="0"/>
-          <a:chOff x="0" y="0"/>
-          <a:chExt cx="0" cy="0"/>
-        </a:xfrm>
-      </p:grpSpPr>
-      <p:sp>
-        <p:nvSpPr>
-          <p:cNvPr id="262146" name="Rectangle 2">
-            <a:extLst>
-              <a:ext uri="{FF2B5EF4-FFF2-40B4-BE49-F238E27FC236}">
-                <a16:creationId xmlns:a16="http://schemas.microsoft.com/office/drawing/2014/main" id="{92750061-F86C-1534-2163-971E3027C89A}"/>
-              </a:ext>
-            </a:extLst>
-          </p:cNvPr>
-          <p:cNvSpPr>
-            <a:spLocks noGrp="1" noChangeArrowheads="1"/>
-          </p:cNvSpPr>
-          <p:nvPr>
-            <p:ph type="title"/>
-          </p:nvPr>
-        </p:nvSpPr>
-        <p:spPr/>
-        <p:txBody>
-          <a:bodyPr/>
-          <a:lstStyle/>
-          <a:p>
             <a:r>
               <a:rPr lang="en-US" altLang="zh-CN"/>
-              <a:t>Operations: </a:t>
+              <a:t>What</a:t>
             </a:r>
             <a:r>
               <a:rPr lang="en-US" altLang="zh-CN">
                 <a:latin typeface="Arial" panose="020B0604020202020204" pitchFamily="34" charset="0"/>
               </a:rPr>
-              <a:t>“</a:t>
+              <a:t>’</a:t>
             </a:r>
             <a:r>
               <a:rPr lang="en-US" altLang="zh-CN"/>
-              <a:t>isEmpty</a:t>
-            </a:r>
-            <a:r>
-              <a:rPr lang="en-US" altLang="zh-CN">
-                <a:latin typeface="Arial" panose="020B0604020202020204" pitchFamily="34" charset="0"/>
-              </a:rPr>
-              <a:t>”</a:t>
-            </a:r>
-            <a:endParaRPr lang="en-US" altLang="zh-CN"/>
+              <a:t>s the complexity of these operations?</a:t>
+            </a:r>
+          </a:p>
+          <a:p>
+            <a:pPr lvl="1"/>
+            <a:r>
+              <a:rPr lang="en-US" altLang="zh-CN"/>
+              <a:t>enQueue: O(n)</a:t>
+            </a:r>
+          </a:p>
+          <a:p>
+            <a:pPr lvl="2"/>
+            <a:r>
+              <a:rPr lang="en-US" altLang="zh-CN"/>
+              <a:t>search the last element</a:t>
+            </a:r>
+          </a:p>
+          <a:p>
+            <a:pPr lvl="1"/>
+            <a:r>
+              <a:rPr lang="en-US" altLang="zh-CN"/>
+              <a:t>deQueue: O(1)</a:t>
+            </a:r>
+          </a:p>
+          <a:p>
+            <a:r>
+              <a:rPr lang="en-US" altLang="zh-CN"/>
+              <a:t>Improvement: Circular linked list</a:t>
+            </a:r>
+          </a:p>
+          <a:p>
+            <a:pPr lvl="1"/>
+            <a:r>
+              <a:rPr lang="en-US" altLang="zh-CN"/>
+              <a:t>leave as programming assignment</a:t>
+            </a:r>
           </a:p>
         </p:txBody>
       </p:sp>
-      <p:sp>
-        <p:nvSpPr>
-          <p:cNvPr id="262147" name="Rectangle 3">
-            <a:extLst>
-              <a:ext uri="{FF2B5EF4-FFF2-40B4-BE49-F238E27FC236}">
-                <a16:creationId xmlns:a16="http://schemas.microsoft.com/office/drawing/2014/main" id="{D121CD7E-67D9-1A78-A9A0-6E4F37E9BA65}"/>
-              </a:ext>
-            </a:extLst>
-          </p:cNvPr>
-          <p:cNvSpPr>
-            <a:spLocks noGrp="1" noChangeArrowheads="1"/>
-          </p:cNvSpPr>
-          <p:nvPr>
-            <p:ph type="body" idx="1"/>
-          </p:nvPr>
-        </p:nvSpPr>
-        <p:spPr/>
-        <p:txBody>
-          <a:bodyPr/>
-          <a:lstStyle/>
-          <a:p>
-            <a:pPr>
-              <a:lnSpc>
-                <a:spcPct val="80000"/>
-              </a:lnSpc>
-              <a:buFont typeface="Wingdings" pitchFamily="2" charset="2"/>
-              <a:buNone/>
-            </a:pPr>
-            <a:r>
-              <a:rPr lang="en-US" altLang="zh-CN" sz="2000" b="1">
-                <a:solidFill>
-                  <a:schemeClr val="folHlink"/>
-                </a:solidFill>
-                <a:latin typeface="Courier New" panose="02070309020205020404" pitchFamily="49" charset="0"/>
-              </a:rPr>
-              <a:t>int Queue_isEmpty (Queue_t q)</a:t>
-            </a:r>
-          </a:p>
-          <a:p>
-            <a:pPr>
-              <a:lnSpc>
-                <a:spcPct val="80000"/>
-              </a:lnSpc>
-              <a:buFont typeface="Wingdings" pitchFamily="2" charset="2"/>
-              <a:buNone/>
-            </a:pPr>
-            <a:r>
-              <a:rPr lang="en-US" altLang="zh-CN" sz="2000" b="1">
-                <a:solidFill>
-                  <a:schemeClr val="folHlink"/>
-                </a:solidFill>
-                <a:latin typeface="Courier New" panose="02070309020205020404" pitchFamily="49" charset="0"/>
-              </a:rPr>
-              <a:t>{</a:t>
-            </a:r>
-          </a:p>
-          <a:p>
-            <a:pPr>
-              <a:lnSpc>
-                <a:spcPct val="80000"/>
-              </a:lnSpc>
-              <a:buFont typeface="Wingdings" pitchFamily="2" charset="2"/>
-              <a:buNone/>
-            </a:pPr>
-            <a:r>
-              <a:rPr lang="en-US" altLang="zh-CN" sz="2000" b="1">
-                <a:solidFill>
-                  <a:schemeClr val="folHlink"/>
-                </a:solidFill>
-                <a:latin typeface="Courier New" panose="02070309020205020404" pitchFamily="49" charset="0"/>
-              </a:rPr>
-              <a:t>  return LinkedList_isEmpty (q-&gt;l);</a:t>
-            </a:r>
-          </a:p>
-          <a:p>
-            <a:pPr>
-              <a:lnSpc>
-                <a:spcPct val="80000"/>
-              </a:lnSpc>
-              <a:buFont typeface="Wingdings" pitchFamily="2" charset="2"/>
-              <a:buNone/>
-            </a:pPr>
-            <a:r>
-              <a:rPr lang="en-US" altLang="zh-CN" sz="2000" b="1">
-                <a:solidFill>
-                  <a:schemeClr val="folHlink"/>
-                </a:solidFill>
-                <a:latin typeface="Courier New" panose="02070309020205020404" pitchFamily="49" charset="0"/>
-              </a:rPr>
-              <a:t>}</a:t>
-            </a:r>
-          </a:p>
-        </p:txBody>
-      </p:sp>
-      <p:grpSp>
-        <p:nvGrpSpPr>
-          <p:cNvPr id="262148" name="Group 4">
-            <a:extLst>
-              <a:ext uri="{FF2B5EF4-FFF2-40B4-BE49-F238E27FC236}">
-                <a16:creationId xmlns:a16="http://schemas.microsoft.com/office/drawing/2014/main" id="{C31CAEB3-2EA6-49FC-F3A9-94701354F4C5}"/>
-              </a:ext>
-            </a:extLst>
-          </p:cNvPr>
-          <p:cNvGrpSpPr>
-            <a:grpSpLocks/>
-          </p:cNvGrpSpPr>
-          <p:nvPr/>
-        </p:nvGrpSpPr>
-        <p:grpSpPr bwMode="auto">
-          <a:xfrm>
-            <a:off x="685800" y="4343400"/>
-            <a:ext cx="7848600" cy="1016000"/>
-            <a:chOff x="432" y="3360"/>
-            <a:chExt cx="4944" cy="640"/>
-          </a:xfrm>
-        </p:grpSpPr>
-        <p:grpSp>
-          <p:nvGrpSpPr>
-            <p:cNvPr id="262149" name="Group 5">
-              <a:extLst>
-                <a:ext uri="{FF2B5EF4-FFF2-40B4-BE49-F238E27FC236}">
-                  <a16:creationId xmlns:a16="http://schemas.microsoft.com/office/drawing/2014/main" id="{451325CD-23F7-F94C-E480-54C80F8E9107}"/>
-                </a:ext>
-              </a:extLst>
-            </p:cNvPr>
-            <p:cNvGrpSpPr>
-              <a:grpSpLocks/>
-            </p:cNvGrpSpPr>
-            <p:nvPr/>
-          </p:nvGrpSpPr>
-          <p:grpSpPr bwMode="auto">
-            <a:xfrm>
-              <a:off x="432" y="3360"/>
-              <a:ext cx="1248" cy="432"/>
-              <a:chOff x="2160" y="2928"/>
-              <a:chExt cx="1248" cy="432"/>
-            </a:xfrm>
-          </p:grpSpPr>
-          <p:sp>
-            <p:nvSpPr>
-              <p:cNvPr id="262150" name="Rectangle 6">
-                <a:extLst>
-                  <a:ext uri="{FF2B5EF4-FFF2-40B4-BE49-F238E27FC236}">
-                    <a16:creationId xmlns:a16="http://schemas.microsoft.com/office/drawing/2014/main" id="{ED5F222A-96DC-A710-F53E-5556110E07E1}"/>
-                  </a:ext>
-                </a:extLst>
-              </p:cNvPr>
-              <p:cNvSpPr>
-                <a:spLocks noChangeArrowheads="1"/>
-              </p:cNvSpPr>
-              <p:nvPr/>
-            </p:nvSpPr>
-            <p:spPr bwMode="auto">
-              <a:xfrm>
-                <a:off x="2640" y="3072"/>
-                <a:ext cx="480" cy="288"/>
-              </a:xfrm>
-              <a:prstGeom prst="rect">
-                <a:avLst/>
-              </a:prstGeom>
-              <a:solidFill>
-                <a:schemeClr val="accent1"/>
-              </a:solidFill>
-              <a:ln w="9525">
-                <a:solidFill>
-                  <a:schemeClr val="tx1"/>
-                </a:solidFill>
-                <a:miter lim="800000"/>
-                <a:headEnd/>
-                <a:tailEnd/>
-              </a:ln>
-              <a:effectLst/>
-              <a:extLst>
-                <a:ext uri="{AF507438-7753-43E0-B8FC-AC1667EBCBE1}">
-                  <a14:hiddenEffects xmlns:a14="http://schemas.microsoft.com/office/drawing/2010/main">
-                    <a:effectLst>
-                      <a:outerShdw dist="35921" dir="2700000" algn="ctr" rotWithShape="0">
-                        <a:schemeClr val="bg2"/>
-                      </a:outerShdw>
-                    </a:effectLst>
-                  </a14:hiddenEffects>
-                </a:ext>
-              </a:extLst>
-            </p:spPr>
-            <p:txBody>
-              <a:bodyPr wrap="none" anchor="ctr"/>
-              <a:lstStyle/>
-              <a:p>
-                <a:pPr algn="ctr"/>
-                <a:r>
-                  <a:rPr lang="en-US" altLang="zh-CN" sz="2000"/>
-                  <a:t>l</a:t>
-                </a:r>
-              </a:p>
-            </p:txBody>
-          </p:sp>
-          <p:sp>
-            <p:nvSpPr>
-              <p:cNvPr id="262151" name="Text Box 7">
-                <a:extLst>
-                  <a:ext uri="{FF2B5EF4-FFF2-40B4-BE49-F238E27FC236}">
-                    <a16:creationId xmlns:a16="http://schemas.microsoft.com/office/drawing/2014/main" id="{29AA5CC7-A1EA-9181-1A0A-9E83774E7154}"/>
-                  </a:ext>
-                </a:extLst>
-              </p:cNvPr>
-              <p:cNvSpPr txBox="1">
-                <a:spLocks noChangeArrowheads="1"/>
-              </p:cNvSpPr>
-              <p:nvPr/>
-            </p:nvSpPr>
-            <p:spPr bwMode="auto">
-              <a:xfrm>
-                <a:off x="2160" y="2928"/>
-                <a:ext cx="432" cy="250"/>
-              </a:xfrm>
-              <a:prstGeom prst="rect">
-                <a:avLst/>
-              </a:prstGeom>
-              <a:noFill/>
-              <a:ln>
-                <a:noFill/>
-              </a:ln>
-              <a:effectLst/>
-              <a:extLst>
-                <a:ext uri="{909E8E84-426E-40DD-AFC4-6F175D3DCCD1}">
-                  <a14:hiddenFill xmlns:a14="http://schemas.microsoft.com/office/drawing/2010/main">
-                    <a:solidFill>
-                      <a:schemeClr val="accent1"/>
-                    </a:solidFill>
-                  </a14:hiddenFill>
-                </a:ext>
-                <a:ext uri="{91240B29-F687-4F45-9708-019B960494DF}">
-                  <a14:hiddenLine xmlns:a14="http://schemas.microsoft.com/office/drawing/2010/main" w="9525">
-                    <a:solidFill>
-                      <a:schemeClr val="tx1"/>
-                    </a:solidFill>
-                    <a:miter lim="800000"/>
-                    <a:headEnd/>
-                    <a:tailEnd/>
-                  </a14:hiddenLine>
-                </a:ext>
-                <a:ext uri="{AF507438-7753-43E0-B8FC-AC1667EBCBE1}">
-                  <a14:hiddenEffects xmlns:a14="http://schemas.microsoft.com/office/drawing/2010/main">
-                    <a:effectLst>
-                      <a:outerShdw dist="35921" dir="2700000" algn="ctr" rotWithShape="0">
-                        <a:schemeClr val="bg2"/>
-                      </a:outerShdw>
-                    </a:effectLst>
-                  </a14:hiddenEffects>
-                </a:ext>
-              </a:extLst>
-            </p:spPr>
-            <p:txBody>
-              <a:bodyPr>
-                <a:spAutoFit/>
-              </a:bodyPr>
-              <a:lstStyle/>
-              <a:p>
-                <a:pPr>
-                  <a:spcBef>
-                    <a:spcPct val="50000"/>
-                  </a:spcBef>
-                </a:pPr>
-                <a:r>
-                  <a:rPr lang="en-US" altLang="zh-CN" sz="2000"/>
-                  <a:t>q</a:t>
-                </a:r>
-              </a:p>
-            </p:txBody>
-          </p:sp>
-          <p:sp>
-            <p:nvSpPr>
-              <p:cNvPr id="262152" name="Line 8">
-                <a:extLst>
-                  <a:ext uri="{FF2B5EF4-FFF2-40B4-BE49-F238E27FC236}">
-                    <a16:creationId xmlns:a16="http://schemas.microsoft.com/office/drawing/2014/main" id="{FE5EF6AE-68E6-9EA0-CB21-2067ECB2FA20}"/>
-                  </a:ext>
-                </a:extLst>
-              </p:cNvPr>
-              <p:cNvSpPr>
-                <a:spLocks noChangeShapeType="1"/>
-              </p:cNvSpPr>
-              <p:nvPr/>
-            </p:nvSpPr>
-            <p:spPr bwMode="auto">
-              <a:xfrm>
-                <a:off x="2160" y="3168"/>
-                <a:ext cx="480" cy="0"/>
-              </a:xfrm>
-              <a:prstGeom prst="line">
-                <a:avLst/>
-              </a:prstGeom>
-              <a:noFill/>
-              <a:ln w="9525">
-                <a:solidFill>
-                  <a:schemeClr val="tx1"/>
-                </a:solidFill>
-                <a:round/>
-                <a:headEnd/>
-                <a:tailEnd type="triangle" w="med" len="med"/>
-              </a:ln>
-              <a:effectLst/>
-              <a:extLst>
-                <a:ext uri="{909E8E84-426E-40DD-AFC4-6F175D3DCCD1}">
-                  <a14:hiddenFill xmlns:a14="http://schemas.microsoft.com/office/drawing/2010/main">
-                    <a:noFill/>
-                  </a14:hiddenFill>
-                </a:ext>
-                <a:ext uri="{AF507438-7753-43E0-B8FC-AC1667EBCBE1}">
-                  <a14:hiddenEffects xmlns:a14="http://schemas.microsoft.com/office/drawing/2010/main">
-                    <a:effectLst>
-                      <a:outerShdw dist="35921" dir="2700000" algn="ctr" rotWithShape="0">
-                        <a:schemeClr val="bg2"/>
-                      </a:outerShdw>
-                    </a:effectLst>
-                  </a14:hiddenEffects>
-                </a:ext>
-              </a:extLst>
-            </p:spPr>
-            <p:txBody>
-              <a:bodyPr/>
-              <a:lstStyle/>
-              <a:p>
-                <a:endParaRPr lang="zh-CN" altLang="en-US"/>
-              </a:p>
-            </p:txBody>
-          </p:sp>
-          <p:sp>
-            <p:nvSpPr>
-              <p:cNvPr id="262153" name="Line 9">
-                <a:extLst>
-                  <a:ext uri="{FF2B5EF4-FFF2-40B4-BE49-F238E27FC236}">
-                    <a16:creationId xmlns:a16="http://schemas.microsoft.com/office/drawing/2014/main" id="{A5E302C0-C5D8-4F3C-86FE-A43B2F072DB5}"/>
-                  </a:ext>
-                </a:extLst>
-              </p:cNvPr>
-              <p:cNvSpPr>
-                <a:spLocks noChangeShapeType="1"/>
-              </p:cNvSpPr>
-              <p:nvPr/>
-            </p:nvSpPr>
-            <p:spPr bwMode="auto">
-              <a:xfrm>
-                <a:off x="3120" y="3216"/>
-                <a:ext cx="288" cy="0"/>
-              </a:xfrm>
-              <a:prstGeom prst="line">
-                <a:avLst/>
-              </a:prstGeom>
-              <a:noFill/>
-              <a:ln w="9525">
-                <a:solidFill>
-                  <a:schemeClr val="tx1"/>
-                </a:solidFill>
-                <a:round/>
-                <a:headEnd/>
-                <a:tailEnd type="triangle" w="med" len="med"/>
-              </a:ln>
-              <a:effectLst/>
-              <a:extLst>
-                <a:ext uri="{909E8E84-426E-40DD-AFC4-6F175D3DCCD1}">
-                  <a14:hiddenFill xmlns:a14="http://schemas.microsoft.com/office/drawing/2010/main">
-                    <a:noFill/>
-                  </a14:hiddenFill>
-                </a:ext>
-                <a:ext uri="{AF507438-7753-43E0-B8FC-AC1667EBCBE1}">
-                  <a14:hiddenEffects xmlns:a14="http://schemas.microsoft.com/office/drawing/2010/main">
-                    <a:effectLst>
-                      <a:outerShdw dist="35921" dir="2700000" algn="ctr" rotWithShape="0">
-                        <a:schemeClr val="bg2"/>
-                      </a:outerShdw>
-                    </a:effectLst>
-                  </a14:hiddenEffects>
-                </a:ext>
-              </a:extLst>
-            </p:spPr>
-            <p:txBody>
-              <a:bodyPr/>
-              <a:lstStyle/>
-              <a:p>
-                <a:endParaRPr lang="zh-CN" altLang="en-US"/>
-              </a:p>
-            </p:txBody>
-          </p:sp>
-        </p:grpSp>
-        <p:grpSp>
-          <p:nvGrpSpPr>
-            <p:cNvPr id="262154" name="Group 10">
-              <a:extLst>
-                <a:ext uri="{FF2B5EF4-FFF2-40B4-BE49-F238E27FC236}">
-                  <a16:creationId xmlns:a16="http://schemas.microsoft.com/office/drawing/2014/main" id="{815B882C-F35B-60BE-680A-3122FE4C01C3}"/>
-                </a:ext>
-              </a:extLst>
-            </p:cNvPr>
-            <p:cNvGrpSpPr>
-              <a:grpSpLocks/>
-            </p:cNvGrpSpPr>
-            <p:nvPr/>
-          </p:nvGrpSpPr>
-          <p:grpSpPr bwMode="auto">
-            <a:xfrm>
-              <a:off x="1680" y="3520"/>
-              <a:ext cx="432" cy="480"/>
-              <a:chOff x="1488" y="1968"/>
-              <a:chExt cx="432" cy="480"/>
-            </a:xfrm>
-          </p:grpSpPr>
-          <p:sp>
-            <p:nvSpPr>
-              <p:cNvPr id="262155" name="Rectangle 11">
-                <a:extLst>
-                  <a:ext uri="{FF2B5EF4-FFF2-40B4-BE49-F238E27FC236}">
-                    <a16:creationId xmlns:a16="http://schemas.microsoft.com/office/drawing/2014/main" id="{D6A3E311-117F-51BE-AEDB-B121F9C1B2E3}"/>
-                  </a:ext>
-                </a:extLst>
-              </p:cNvPr>
-              <p:cNvSpPr>
-                <a:spLocks noChangeArrowheads="1"/>
-              </p:cNvSpPr>
-              <p:nvPr/>
-            </p:nvSpPr>
-            <p:spPr bwMode="auto">
-              <a:xfrm>
-                <a:off x="1488" y="1968"/>
-                <a:ext cx="432" cy="240"/>
-              </a:xfrm>
-              <a:prstGeom prst="rect">
-                <a:avLst/>
-              </a:prstGeom>
-              <a:solidFill>
-                <a:srgbClr val="FF9966"/>
-              </a:solidFill>
-              <a:ln w="9525">
-                <a:solidFill>
-                  <a:schemeClr val="tx1"/>
-                </a:solidFill>
-                <a:miter lim="800000"/>
-                <a:headEnd/>
-                <a:tailEnd/>
-              </a:ln>
-              <a:effectLst/>
-              <a:extLst>
-                <a:ext uri="{AF507438-7753-43E0-B8FC-AC1667EBCBE1}">
-                  <a14:hiddenEffects xmlns:a14="http://schemas.microsoft.com/office/drawing/2010/main">
-                    <a:effectLst>
-                      <a:outerShdw dist="35921" dir="2700000" algn="ctr" rotWithShape="0">
-                        <a:schemeClr val="bg2"/>
-                      </a:outerShdw>
-                    </a:effectLst>
-                  </a14:hiddenEffects>
-                </a:ext>
-              </a:extLst>
-            </p:spPr>
-            <p:txBody>
-              <a:bodyPr wrap="none" anchor="ctr"/>
-              <a:lstStyle/>
-              <a:p>
-                <a:endParaRPr lang="zh-CN" altLang="en-US"/>
-              </a:p>
-            </p:txBody>
-          </p:sp>
-          <p:sp>
-            <p:nvSpPr>
-              <p:cNvPr id="262156" name="Rectangle 12">
-                <a:extLst>
-                  <a:ext uri="{FF2B5EF4-FFF2-40B4-BE49-F238E27FC236}">
-                    <a16:creationId xmlns:a16="http://schemas.microsoft.com/office/drawing/2014/main" id="{CC6B6A85-01D1-FBB9-14C8-3B4B030C8259}"/>
-                  </a:ext>
-                </a:extLst>
-              </p:cNvPr>
-              <p:cNvSpPr>
-                <a:spLocks noChangeArrowheads="1"/>
-              </p:cNvSpPr>
-              <p:nvPr/>
-            </p:nvSpPr>
-            <p:spPr bwMode="auto">
-              <a:xfrm>
-                <a:off x="1488" y="2208"/>
-                <a:ext cx="432" cy="240"/>
-              </a:xfrm>
-              <a:prstGeom prst="rect">
-                <a:avLst/>
-              </a:prstGeom>
-              <a:solidFill>
-                <a:srgbClr val="FF9966"/>
-              </a:solidFill>
-              <a:ln w="9525">
-                <a:solidFill>
-                  <a:schemeClr val="tx1"/>
-                </a:solidFill>
-                <a:miter lim="800000"/>
-                <a:headEnd/>
-                <a:tailEnd/>
-              </a:ln>
-              <a:effectLst/>
-              <a:extLst>
-                <a:ext uri="{AF507438-7753-43E0-B8FC-AC1667EBCBE1}">
-                  <a14:hiddenEffects xmlns:a14="http://schemas.microsoft.com/office/drawing/2010/main">
-                    <a:effectLst>
-                      <a:outerShdw dist="35921" dir="2700000" algn="ctr" rotWithShape="0">
-                        <a:schemeClr val="bg2"/>
-                      </a:outerShdw>
-                    </a:effectLst>
-                  </a14:hiddenEffects>
-                </a:ext>
-              </a:extLst>
-            </p:spPr>
-            <p:txBody>
-              <a:bodyPr wrap="none" anchor="ctr"/>
-              <a:lstStyle/>
-              <a:p>
-                <a:endParaRPr lang="zh-CN" altLang="en-US"/>
-              </a:p>
-            </p:txBody>
-          </p:sp>
-        </p:grpSp>
-        <p:grpSp>
-          <p:nvGrpSpPr>
-            <p:cNvPr id="262157" name="Group 13">
-              <a:extLst>
-                <a:ext uri="{FF2B5EF4-FFF2-40B4-BE49-F238E27FC236}">
-                  <a16:creationId xmlns:a16="http://schemas.microsoft.com/office/drawing/2014/main" id="{330E02A3-64E7-1643-5DF3-49F7DEBB8824}"/>
-                </a:ext>
-              </a:extLst>
-            </p:cNvPr>
-            <p:cNvGrpSpPr>
-              <a:grpSpLocks/>
-            </p:cNvGrpSpPr>
-            <p:nvPr/>
-          </p:nvGrpSpPr>
-          <p:grpSpPr bwMode="auto">
-            <a:xfrm>
-              <a:off x="2496" y="3520"/>
-              <a:ext cx="432" cy="480"/>
-              <a:chOff x="1488" y="1968"/>
-              <a:chExt cx="432" cy="480"/>
-            </a:xfrm>
-          </p:grpSpPr>
-          <p:sp>
-            <p:nvSpPr>
-              <p:cNvPr id="262158" name="Rectangle 14">
-                <a:extLst>
-                  <a:ext uri="{FF2B5EF4-FFF2-40B4-BE49-F238E27FC236}">
-                    <a16:creationId xmlns:a16="http://schemas.microsoft.com/office/drawing/2014/main" id="{1FF550C4-6EAA-5373-3B78-8C83A3336048}"/>
-                  </a:ext>
-                </a:extLst>
-              </p:cNvPr>
-              <p:cNvSpPr>
-                <a:spLocks noChangeArrowheads="1"/>
-              </p:cNvSpPr>
-              <p:nvPr/>
-            </p:nvSpPr>
-            <p:spPr bwMode="auto">
-              <a:xfrm>
-                <a:off x="1488" y="1968"/>
-                <a:ext cx="432" cy="240"/>
-              </a:xfrm>
-              <a:prstGeom prst="rect">
-                <a:avLst/>
-              </a:prstGeom>
-              <a:solidFill>
-                <a:schemeClr val="accent2"/>
-              </a:solidFill>
-              <a:ln w="9525">
-                <a:solidFill>
-                  <a:schemeClr val="tx1"/>
-                </a:solidFill>
-                <a:miter lim="800000"/>
-                <a:headEnd/>
-                <a:tailEnd/>
-              </a:ln>
-              <a:effectLst/>
-              <a:extLst>
-                <a:ext uri="{AF507438-7753-43E0-B8FC-AC1667EBCBE1}">
-                  <a14:hiddenEffects xmlns:a14="http://schemas.microsoft.com/office/drawing/2010/main">
-                    <a:effectLst>
-                      <a:outerShdw dist="35921" dir="2700000" algn="ctr" rotWithShape="0">
-                        <a:schemeClr val="bg2"/>
-                      </a:outerShdw>
-                    </a:effectLst>
-                  </a14:hiddenEffects>
-                </a:ext>
-              </a:extLst>
-            </p:spPr>
-            <p:txBody>
-              <a:bodyPr wrap="none" anchor="ctr"/>
-              <a:lstStyle/>
-              <a:p>
-                <a:pPr algn="ctr"/>
-                <a:r>
-                  <a:rPr lang="en-US" altLang="zh-CN" sz="2000"/>
-                  <a:t>data</a:t>
-                </a:r>
-              </a:p>
-            </p:txBody>
-          </p:sp>
-          <p:sp>
-            <p:nvSpPr>
-              <p:cNvPr id="262159" name="Rectangle 15">
-                <a:extLst>
-                  <a:ext uri="{FF2B5EF4-FFF2-40B4-BE49-F238E27FC236}">
-                    <a16:creationId xmlns:a16="http://schemas.microsoft.com/office/drawing/2014/main" id="{94C2EBC5-8013-FE6C-7379-4C09F1D8F265}"/>
-                  </a:ext>
-                </a:extLst>
-              </p:cNvPr>
-              <p:cNvSpPr>
-                <a:spLocks noChangeArrowheads="1"/>
-              </p:cNvSpPr>
-              <p:nvPr/>
-            </p:nvSpPr>
-            <p:spPr bwMode="auto">
-              <a:xfrm>
-                <a:off x="1488" y="2208"/>
-                <a:ext cx="432" cy="240"/>
-              </a:xfrm>
-              <a:prstGeom prst="rect">
-                <a:avLst/>
-              </a:prstGeom>
-              <a:solidFill>
-                <a:schemeClr val="accent1"/>
-              </a:solidFill>
-              <a:ln w="9525">
-                <a:solidFill>
-                  <a:schemeClr val="tx1"/>
-                </a:solidFill>
-                <a:miter lim="800000"/>
-                <a:headEnd/>
-                <a:tailEnd/>
-              </a:ln>
-              <a:effectLst/>
-              <a:extLst>
-                <a:ext uri="{AF507438-7753-43E0-B8FC-AC1667EBCBE1}">
-                  <a14:hiddenEffects xmlns:a14="http://schemas.microsoft.com/office/drawing/2010/main">
-                    <a:effectLst>
-                      <a:outerShdw dist="35921" dir="2700000" algn="ctr" rotWithShape="0">
-                        <a:schemeClr val="bg2"/>
-                      </a:outerShdw>
-                    </a:effectLst>
-                  </a14:hiddenEffects>
-                </a:ext>
-              </a:extLst>
-            </p:spPr>
-            <p:txBody>
-              <a:bodyPr wrap="none" anchor="ctr"/>
-              <a:lstStyle/>
-              <a:p>
-                <a:pPr algn="ctr"/>
-                <a:r>
-                  <a:rPr lang="en-US" altLang="zh-CN" sz="2000"/>
-                  <a:t>next</a:t>
-                </a:r>
-              </a:p>
-            </p:txBody>
-          </p:sp>
-        </p:grpSp>
-        <p:grpSp>
-          <p:nvGrpSpPr>
-            <p:cNvPr id="262160" name="Group 16">
-              <a:extLst>
-                <a:ext uri="{FF2B5EF4-FFF2-40B4-BE49-F238E27FC236}">
-                  <a16:creationId xmlns:a16="http://schemas.microsoft.com/office/drawing/2014/main" id="{9462A3D0-E189-9898-98DB-CD2DFA5C8645}"/>
-                </a:ext>
-              </a:extLst>
-            </p:cNvPr>
-            <p:cNvGrpSpPr>
-              <a:grpSpLocks/>
-            </p:cNvGrpSpPr>
-            <p:nvPr/>
-          </p:nvGrpSpPr>
-          <p:grpSpPr bwMode="auto">
-            <a:xfrm>
-              <a:off x="3312" y="3520"/>
-              <a:ext cx="432" cy="480"/>
-              <a:chOff x="1488" y="1968"/>
-              <a:chExt cx="432" cy="480"/>
-            </a:xfrm>
-          </p:grpSpPr>
-          <p:sp>
-            <p:nvSpPr>
-              <p:cNvPr id="262161" name="Rectangle 17">
-                <a:extLst>
-                  <a:ext uri="{FF2B5EF4-FFF2-40B4-BE49-F238E27FC236}">
-                    <a16:creationId xmlns:a16="http://schemas.microsoft.com/office/drawing/2014/main" id="{8D648227-CD09-1ECA-3560-7F1B9300DCCD}"/>
-                  </a:ext>
-                </a:extLst>
-              </p:cNvPr>
-              <p:cNvSpPr>
-                <a:spLocks noChangeArrowheads="1"/>
-              </p:cNvSpPr>
-              <p:nvPr/>
-            </p:nvSpPr>
-            <p:spPr bwMode="auto">
-              <a:xfrm>
-                <a:off x="1488" y="1968"/>
-                <a:ext cx="432" cy="240"/>
-              </a:xfrm>
-              <a:prstGeom prst="rect">
-                <a:avLst/>
-              </a:prstGeom>
-              <a:solidFill>
-                <a:schemeClr val="accent2"/>
-              </a:solidFill>
-              <a:ln w="9525">
-                <a:solidFill>
-                  <a:schemeClr val="tx1"/>
-                </a:solidFill>
-                <a:miter lim="800000"/>
-                <a:headEnd/>
-                <a:tailEnd/>
-              </a:ln>
-              <a:effectLst/>
-              <a:extLst>
-                <a:ext uri="{AF507438-7753-43E0-B8FC-AC1667EBCBE1}">
-                  <a14:hiddenEffects xmlns:a14="http://schemas.microsoft.com/office/drawing/2010/main">
-                    <a:effectLst>
-                      <a:outerShdw dist="35921" dir="2700000" algn="ctr" rotWithShape="0">
-                        <a:schemeClr val="bg2"/>
-                      </a:outerShdw>
-                    </a:effectLst>
-                  </a14:hiddenEffects>
-                </a:ext>
-              </a:extLst>
-            </p:spPr>
-            <p:txBody>
-              <a:bodyPr wrap="none" anchor="ctr"/>
-              <a:lstStyle/>
-              <a:p>
-                <a:pPr algn="ctr"/>
-                <a:r>
-                  <a:rPr lang="en-US" altLang="zh-CN" sz="2000"/>
-                  <a:t>data</a:t>
-                </a:r>
-              </a:p>
-            </p:txBody>
-          </p:sp>
-          <p:sp>
-            <p:nvSpPr>
-              <p:cNvPr id="262162" name="Rectangle 18">
-                <a:extLst>
-                  <a:ext uri="{FF2B5EF4-FFF2-40B4-BE49-F238E27FC236}">
-                    <a16:creationId xmlns:a16="http://schemas.microsoft.com/office/drawing/2014/main" id="{BA50998B-1420-CC7D-4075-95380AE5E0C7}"/>
-                  </a:ext>
-                </a:extLst>
-              </p:cNvPr>
-              <p:cNvSpPr>
-                <a:spLocks noChangeArrowheads="1"/>
-              </p:cNvSpPr>
-              <p:nvPr/>
-            </p:nvSpPr>
-            <p:spPr bwMode="auto">
-              <a:xfrm>
-                <a:off x="1488" y="2208"/>
-                <a:ext cx="432" cy="240"/>
-              </a:xfrm>
-              <a:prstGeom prst="rect">
-                <a:avLst/>
-              </a:prstGeom>
-              <a:solidFill>
-                <a:schemeClr val="accent1"/>
-              </a:solidFill>
-              <a:ln w="9525">
-                <a:solidFill>
-                  <a:schemeClr val="tx1"/>
-                </a:solidFill>
-                <a:miter lim="800000"/>
-                <a:headEnd/>
-                <a:tailEnd/>
-              </a:ln>
-              <a:effectLst/>
-              <a:extLst>
-                <a:ext uri="{AF507438-7753-43E0-B8FC-AC1667EBCBE1}">
-                  <a14:hiddenEffects xmlns:a14="http://schemas.microsoft.com/office/drawing/2010/main">
-                    <a:effectLst>
-                      <a:outerShdw dist="35921" dir="2700000" algn="ctr" rotWithShape="0">
-                        <a:schemeClr val="bg2"/>
-                      </a:outerShdw>
-                    </a:effectLst>
-                  </a14:hiddenEffects>
-                </a:ext>
-              </a:extLst>
-            </p:spPr>
-            <p:txBody>
-              <a:bodyPr wrap="none" anchor="ctr"/>
-              <a:lstStyle/>
-              <a:p>
-                <a:pPr algn="ctr"/>
-                <a:r>
-                  <a:rPr lang="en-US" altLang="zh-CN" sz="2000"/>
-                  <a:t>next</a:t>
-                </a:r>
-              </a:p>
-            </p:txBody>
-          </p:sp>
-        </p:grpSp>
-        <p:grpSp>
-          <p:nvGrpSpPr>
-            <p:cNvPr id="262163" name="Group 19">
-              <a:extLst>
-                <a:ext uri="{FF2B5EF4-FFF2-40B4-BE49-F238E27FC236}">
-                  <a16:creationId xmlns:a16="http://schemas.microsoft.com/office/drawing/2014/main" id="{4A624C36-344A-7673-BBF2-E2EDA4B86033}"/>
-                </a:ext>
-              </a:extLst>
-            </p:cNvPr>
-            <p:cNvGrpSpPr>
-              <a:grpSpLocks/>
-            </p:cNvGrpSpPr>
-            <p:nvPr/>
-          </p:nvGrpSpPr>
-          <p:grpSpPr bwMode="auto">
-            <a:xfrm>
-              <a:off x="4128" y="3520"/>
-              <a:ext cx="432" cy="480"/>
-              <a:chOff x="1488" y="1968"/>
-              <a:chExt cx="432" cy="480"/>
-            </a:xfrm>
-          </p:grpSpPr>
-          <p:sp>
-            <p:nvSpPr>
-              <p:cNvPr id="262164" name="Rectangle 20">
-                <a:extLst>
-                  <a:ext uri="{FF2B5EF4-FFF2-40B4-BE49-F238E27FC236}">
-                    <a16:creationId xmlns:a16="http://schemas.microsoft.com/office/drawing/2014/main" id="{72BD2DC0-CEAA-521E-EF62-2D00B5A4E0BD}"/>
-                  </a:ext>
-                </a:extLst>
-              </p:cNvPr>
-              <p:cNvSpPr>
-                <a:spLocks noChangeArrowheads="1"/>
-              </p:cNvSpPr>
-              <p:nvPr/>
-            </p:nvSpPr>
-            <p:spPr bwMode="auto">
-              <a:xfrm>
-                <a:off x="1488" y="1968"/>
-                <a:ext cx="432" cy="240"/>
-              </a:xfrm>
-              <a:prstGeom prst="rect">
-                <a:avLst/>
-              </a:prstGeom>
-              <a:solidFill>
-                <a:schemeClr val="accent2"/>
-              </a:solidFill>
-              <a:ln w="9525">
-                <a:solidFill>
-                  <a:schemeClr val="tx1"/>
-                </a:solidFill>
-                <a:miter lim="800000"/>
-                <a:headEnd/>
-                <a:tailEnd/>
-              </a:ln>
-              <a:effectLst/>
-              <a:extLst>
-                <a:ext uri="{AF507438-7753-43E0-B8FC-AC1667EBCBE1}">
-                  <a14:hiddenEffects xmlns:a14="http://schemas.microsoft.com/office/drawing/2010/main">
-                    <a:effectLst>
-                      <a:outerShdw dist="35921" dir="2700000" algn="ctr" rotWithShape="0">
-                        <a:schemeClr val="bg2"/>
-                      </a:outerShdw>
-                    </a:effectLst>
-                  </a14:hiddenEffects>
-                </a:ext>
-              </a:extLst>
-            </p:spPr>
-            <p:txBody>
-              <a:bodyPr wrap="none" anchor="ctr"/>
-              <a:lstStyle/>
-              <a:p>
-                <a:pPr algn="ctr"/>
-                <a:r>
-                  <a:rPr lang="en-US" altLang="zh-CN" sz="2000"/>
-                  <a:t>data</a:t>
-                </a:r>
-              </a:p>
-            </p:txBody>
-          </p:sp>
-          <p:sp>
-            <p:nvSpPr>
-              <p:cNvPr id="262165" name="Rectangle 21">
-                <a:extLst>
-                  <a:ext uri="{FF2B5EF4-FFF2-40B4-BE49-F238E27FC236}">
-                    <a16:creationId xmlns:a16="http://schemas.microsoft.com/office/drawing/2014/main" id="{DFC9722B-0A0F-2953-ABBB-1BA31781D885}"/>
-                  </a:ext>
-                </a:extLst>
-              </p:cNvPr>
-              <p:cNvSpPr>
-                <a:spLocks noChangeArrowheads="1"/>
-              </p:cNvSpPr>
-              <p:nvPr/>
-            </p:nvSpPr>
-            <p:spPr bwMode="auto">
-              <a:xfrm>
-                <a:off x="1488" y="2208"/>
-                <a:ext cx="432" cy="240"/>
-              </a:xfrm>
-              <a:prstGeom prst="rect">
-                <a:avLst/>
-              </a:prstGeom>
-              <a:solidFill>
-                <a:schemeClr val="accent1"/>
-              </a:solidFill>
-              <a:ln w="9525">
-                <a:solidFill>
-                  <a:schemeClr val="tx1"/>
-                </a:solidFill>
-                <a:miter lim="800000"/>
-                <a:headEnd/>
-                <a:tailEnd/>
-              </a:ln>
-              <a:effectLst/>
-              <a:extLst>
-                <a:ext uri="{AF507438-7753-43E0-B8FC-AC1667EBCBE1}">
-                  <a14:hiddenEffects xmlns:a14="http://schemas.microsoft.com/office/drawing/2010/main">
-                    <a:effectLst>
-                      <a:outerShdw dist="35921" dir="2700000" algn="ctr" rotWithShape="0">
-                        <a:schemeClr val="bg2"/>
-                      </a:outerShdw>
-                    </a:effectLst>
-                  </a14:hiddenEffects>
-                </a:ext>
-              </a:extLst>
-            </p:spPr>
-            <p:txBody>
-              <a:bodyPr wrap="none" anchor="ctr"/>
-              <a:lstStyle/>
-              <a:p>
-                <a:pPr algn="ctr"/>
-                <a:r>
-                  <a:rPr lang="en-US" altLang="zh-CN" sz="2000"/>
-                  <a:t>next</a:t>
-                </a:r>
-              </a:p>
-            </p:txBody>
-          </p:sp>
-        </p:grpSp>
-        <p:cxnSp>
-          <p:nvCxnSpPr>
-            <p:cNvPr id="262166" name="AutoShape 22">
-              <a:extLst>
-                <a:ext uri="{FF2B5EF4-FFF2-40B4-BE49-F238E27FC236}">
-                  <a16:creationId xmlns:a16="http://schemas.microsoft.com/office/drawing/2014/main" id="{D155647C-8DA4-7EEB-B581-8D289E3AB3A9}"/>
-                </a:ext>
-              </a:extLst>
-            </p:cNvPr>
-            <p:cNvCxnSpPr>
-              <a:cxnSpLocks noChangeShapeType="1"/>
-              <a:stCxn id="262156" idx="3"/>
-              <a:endCxn id="262158" idx="1"/>
-            </p:cNvCxnSpPr>
-            <p:nvPr/>
-          </p:nvCxnSpPr>
-          <p:spPr bwMode="auto">
-            <a:xfrm flipV="1">
-              <a:off x="2112" y="3640"/>
-              <a:ext cx="384" cy="240"/>
-            </a:xfrm>
-            <a:prstGeom prst="curvedConnector3">
-              <a:avLst>
-                <a:gd name="adj1" fmla="val 50000"/>
-              </a:avLst>
-            </a:prstGeom>
-            <a:noFill/>
-            <a:ln w="9525">
-              <a:solidFill>
-                <a:schemeClr val="tx1"/>
-              </a:solidFill>
-              <a:round/>
-              <a:headEnd/>
-              <a:tailEnd type="triangle" w="med" len="med"/>
-            </a:ln>
-            <a:effectLst/>
-            <a:extLst>
-              <a:ext uri="{909E8E84-426E-40DD-AFC4-6F175D3DCCD1}">
-                <a14:hiddenFill xmlns:a14="http://schemas.microsoft.com/office/drawing/2010/main">
-                  <a:noFill/>
-                </a14:hiddenFill>
-              </a:ext>
-              <a:ext uri="{AF507438-7753-43E0-B8FC-AC1667EBCBE1}">
-                <a14:hiddenEffects xmlns:a14="http://schemas.microsoft.com/office/drawing/2010/main">
-                  <a:effectLst>
-                    <a:outerShdw dist="35921" dir="2700000" algn="ctr" rotWithShape="0">
-                      <a:schemeClr val="bg2"/>
-                    </a:outerShdw>
-                  </a:effectLst>
-                </a14:hiddenEffects>
-              </a:ext>
-            </a:extLst>
-          </p:spPr>
-        </p:cxnSp>
-        <p:cxnSp>
-          <p:nvCxnSpPr>
-            <p:cNvPr id="262167" name="AutoShape 23">
-              <a:extLst>
-                <a:ext uri="{FF2B5EF4-FFF2-40B4-BE49-F238E27FC236}">
-                  <a16:creationId xmlns:a16="http://schemas.microsoft.com/office/drawing/2014/main" id="{B2745AD4-330C-6403-BDDA-E3020DA7E6F5}"/>
-                </a:ext>
-              </a:extLst>
-            </p:cNvPr>
-            <p:cNvCxnSpPr>
-              <a:cxnSpLocks noChangeShapeType="1"/>
-            </p:cNvCxnSpPr>
-            <p:nvPr/>
-          </p:nvCxnSpPr>
-          <p:spPr bwMode="auto">
-            <a:xfrm flipV="1">
-              <a:off x="2928" y="3616"/>
-              <a:ext cx="384" cy="240"/>
-            </a:xfrm>
-            <a:prstGeom prst="curvedConnector3">
-              <a:avLst>
-                <a:gd name="adj1" fmla="val 50000"/>
-              </a:avLst>
-            </a:prstGeom>
-            <a:noFill/>
-            <a:ln w="9525">
-              <a:solidFill>
-                <a:schemeClr val="tx1"/>
-              </a:solidFill>
-              <a:round/>
-              <a:headEnd/>
-              <a:tailEnd type="triangle" w="med" len="med"/>
-            </a:ln>
-            <a:effectLst/>
-            <a:extLst>
-              <a:ext uri="{909E8E84-426E-40DD-AFC4-6F175D3DCCD1}">
-                <a14:hiddenFill xmlns:a14="http://schemas.microsoft.com/office/drawing/2010/main">
-                  <a:noFill/>
-                </a14:hiddenFill>
-              </a:ext>
-              <a:ext uri="{AF507438-7753-43E0-B8FC-AC1667EBCBE1}">
-                <a14:hiddenEffects xmlns:a14="http://schemas.microsoft.com/office/drawing/2010/main">
-                  <a:effectLst>
-                    <a:outerShdw dist="35921" dir="2700000" algn="ctr" rotWithShape="0">
-                      <a:schemeClr val="bg2"/>
-                    </a:outerShdw>
-                  </a:effectLst>
-                </a14:hiddenEffects>
-              </a:ext>
-            </a:extLst>
-          </p:spPr>
-        </p:cxnSp>
-        <p:cxnSp>
-          <p:nvCxnSpPr>
-            <p:cNvPr id="262168" name="AutoShape 24">
-              <a:extLst>
-                <a:ext uri="{FF2B5EF4-FFF2-40B4-BE49-F238E27FC236}">
-                  <a16:creationId xmlns:a16="http://schemas.microsoft.com/office/drawing/2014/main" id="{870B54EF-8807-093E-0E85-8BC19DB8B674}"/>
-                </a:ext>
-              </a:extLst>
-            </p:cNvPr>
-            <p:cNvCxnSpPr>
-              <a:cxnSpLocks noChangeShapeType="1"/>
-            </p:cNvCxnSpPr>
-            <p:nvPr/>
-          </p:nvCxnSpPr>
-          <p:spPr bwMode="auto">
-            <a:xfrm flipV="1">
-              <a:off x="3744" y="3664"/>
-              <a:ext cx="384" cy="240"/>
-            </a:xfrm>
-            <a:prstGeom prst="curvedConnector3">
-              <a:avLst>
-                <a:gd name="adj1" fmla="val 50000"/>
-              </a:avLst>
-            </a:prstGeom>
-            <a:noFill/>
-            <a:ln w="9525">
-              <a:solidFill>
-                <a:schemeClr val="tx1"/>
-              </a:solidFill>
-              <a:round/>
-              <a:headEnd/>
-              <a:tailEnd type="triangle" w="med" len="med"/>
-            </a:ln>
-            <a:effectLst/>
-            <a:extLst>
-              <a:ext uri="{909E8E84-426E-40DD-AFC4-6F175D3DCCD1}">
-                <a14:hiddenFill xmlns:a14="http://schemas.microsoft.com/office/drawing/2010/main">
-                  <a:noFill/>
-                </a14:hiddenFill>
-              </a:ext>
-              <a:ext uri="{AF507438-7753-43E0-B8FC-AC1667EBCBE1}">
-                <a14:hiddenEffects xmlns:a14="http://schemas.microsoft.com/office/drawing/2010/main">
-                  <a:effectLst>
-                    <a:outerShdw dist="35921" dir="2700000" algn="ctr" rotWithShape="0">
-                      <a:schemeClr val="bg2"/>
-                    </a:outerShdw>
-                  </a:effectLst>
-                </a14:hiddenEffects>
-              </a:ext>
-            </a:extLst>
-          </p:spPr>
-        </p:cxnSp>
-        <p:cxnSp>
-          <p:nvCxnSpPr>
-            <p:cNvPr id="262169" name="AutoShape 25">
-              <a:extLst>
-                <a:ext uri="{FF2B5EF4-FFF2-40B4-BE49-F238E27FC236}">
-                  <a16:creationId xmlns:a16="http://schemas.microsoft.com/office/drawing/2014/main" id="{40A41617-7720-F07B-5168-958B04ACAC75}"/>
-                </a:ext>
-              </a:extLst>
-            </p:cNvPr>
-            <p:cNvCxnSpPr>
-              <a:cxnSpLocks noChangeShapeType="1"/>
-            </p:cNvCxnSpPr>
-            <p:nvPr/>
-          </p:nvCxnSpPr>
-          <p:spPr bwMode="auto">
-            <a:xfrm flipV="1">
-              <a:off x="4560" y="3616"/>
-              <a:ext cx="384" cy="240"/>
-            </a:xfrm>
-            <a:prstGeom prst="curvedConnector3">
-              <a:avLst>
-                <a:gd name="adj1" fmla="val 50000"/>
-              </a:avLst>
-            </a:prstGeom>
-            <a:noFill/>
-            <a:ln w="9525">
-              <a:solidFill>
-                <a:schemeClr val="tx1"/>
-              </a:solidFill>
-              <a:round/>
-              <a:headEnd/>
-              <a:tailEnd type="triangle" w="med" len="med"/>
-            </a:ln>
-            <a:effectLst/>
-            <a:extLst>
-              <a:ext uri="{909E8E84-426E-40DD-AFC4-6F175D3DCCD1}">
-                <a14:hiddenFill xmlns:a14="http://schemas.microsoft.com/office/drawing/2010/main">
-                  <a:noFill/>
-                </a14:hiddenFill>
-              </a:ext>
-              <a:ext uri="{AF507438-7753-43E0-B8FC-AC1667EBCBE1}">
-                <a14:hiddenEffects xmlns:a14="http://schemas.microsoft.com/office/drawing/2010/main">
-                  <a:effectLst>
-                    <a:outerShdw dist="35921" dir="2700000" algn="ctr" rotWithShape="0">
-                      <a:schemeClr val="bg2"/>
-                    </a:outerShdw>
-                  </a:effectLst>
-                </a14:hiddenEffects>
-              </a:ext>
-            </a:extLst>
-          </p:spPr>
-        </p:cxnSp>
-        <p:sp>
-          <p:nvSpPr>
-            <p:cNvPr id="262170" name="Text Box 26">
-              <a:extLst>
-                <a:ext uri="{FF2B5EF4-FFF2-40B4-BE49-F238E27FC236}">
-                  <a16:creationId xmlns:a16="http://schemas.microsoft.com/office/drawing/2014/main" id="{6FFD5118-ADB7-9D84-15AA-277BD5B3B8FB}"/>
-                </a:ext>
-              </a:extLst>
-            </p:cNvPr>
-            <p:cNvSpPr txBox="1">
-              <a:spLocks noChangeArrowheads="1"/>
-            </p:cNvSpPr>
-            <p:nvPr/>
-          </p:nvSpPr>
-          <p:spPr bwMode="auto">
-            <a:xfrm>
-              <a:off x="4944" y="3452"/>
-              <a:ext cx="432" cy="404"/>
-            </a:xfrm>
-            <a:prstGeom prst="rect">
-              <a:avLst/>
-            </a:prstGeom>
-            <a:noFill/>
-            <a:ln>
-              <a:noFill/>
-            </a:ln>
-            <a:effectLst/>
-            <a:extLst>
-              <a:ext uri="{909E8E84-426E-40DD-AFC4-6F175D3DCCD1}">
-                <a14:hiddenFill xmlns:a14="http://schemas.microsoft.com/office/drawing/2010/main">
-                  <a:solidFill>
-                    <a:schemeClr val="accent1"/>
-                  </a:solidFill>
-                </a14:hiddenFill>
-              </a:ext>
-              <a:ext uri="{91240B29-F687-4F45-9708-019B960494DF}">
-                <a14:hiddenLine xmlns:a14="http://schemas.microsoft.com/office/drawing/2010/main" w="9525">
-                  <a:solidFill>
-                    <a:schemeClr val="tx1"/>
-                  </a:solidFill>
-                  <a:miter lim="800000"/>
-                  <a:headEnd/>
-                  <a:tailEnd/>
-                </a14:hiddenLine>
-              </a:ext>
-              <a:ext uri="{AF507438-7753-43E0-B8FC-AC1667EBCBE1}">
-                <a14:hiddenEffects xmlns:a14="http://schemas.microsoft.com/office/drawing/2010/main">
-                  <a:effectLst>
-                    <a:outerShdw dist="35921" dir="2700000" algn="ctr" rotWithShape="0">
-                      <a:schemeClr val="bg2"/>
-                    </a:outerShdw>
-                  </a:effectLst>
-                </a14:hiddenEffects>
-              </a:ext>
-            </a:extLst>
-          </p:spPr>
-          <p:txBody>
-            <a:bodyPr>
-              <a:spAutoFit/>
-            </a:bodyPr>
-            <a:lstStyle/>
-            <a:p>
-              <a:pPr>
-                <a:spcBef>
-                  <a:spcPct val="50000"/>
-                </a:spcBef>
-              </a:pPr>
-              <a:r>
-                <a:rPr lang="en-US" altLang="zh-CN" sz="3600">
-                  <a:latin typeface="Arial" panose="020B0604020202020204" pitchFamily="34" charset="0"/>
-                </a:rPr>
-                <a:t>…</a:t>
-              </a:r>
-              <a:endParaRPr lang="en-US" altLang="zh-CN" sz="3600"/>
-            </a:p>
-          </p:txBody>
-        </p:sp>
-      </p:grpSp>
-    </p:spTree>
-  </p:cSld>
-  <p:clrMapOvr>
-    <a:masterClrMapping/>
-  </p:clrMapOvr>
-</p:sld>
-</file>
-
-<file path=ppt/slides/slide28.xml><?xml version="1.0" encoding="utf-8"?>
-<p:sld xmlns:a="http://schemas.openxmlformats.org/drawingml/2006/main" xmlns:r="http://schemas.openxmlformats.org/officeDocument/2006/relationships" xmlns:p="http://schemas.openxmlformats.org/presentationml/2006/main">
-  <p:cSld>
-    <p:spTree>
-      <p:nvGrpSpPr>
-        <p:cNvPr id="1" name=""/>
-        <p:cNvGrpSpPr/>
-        <p:nvPr/>
-      </p:nvGrpSpPr>
-      <p:grpSpPr>
-        <a:xfrm>
-          <a:off x="0" y="0"/>
-          <a:ext cx="0" cy="0"/>
-          <a:chOff x="0" y="0"/>
-          <a:chExt cx="0" cy="0"/>
-        </a:xfrm>
-      </p:grpSpPr>
-      <p:sp>
-        <p:nvSpPr>
-          <p:cNvPr id="258050" name="Rectangle 2">
-            <a:extLst>
-              <a:ext uri="{FF2B5EF4-FFF2-40B4-BE49-F238E27FC236}">
-                <a16:creationId xmlns:a16="http://schemas.microsoft.com/office/drawing/2014/main" id="{237FA0DC-61A0-7A94-AE7A-FC43D49BBAE6}"/>
-              </a:ext>
-            </a:extLst>
-          </p:cNvPr>
-          <p:cNvSpPr>
-            <a:spLocks noGrp="1" noChangeArrowheads="1"/>
-          </p:cNvSpPr>
-          <p:nvPr>
-            <p:ph type="title"/>
-          </p:nvPr>
-        </p:nvSpPr>
-        <p:spPr/>
-        <p:txBody>
-          <a:bodyPr/>
-          <a:lstStyle/>
-          <a:p>
-            <a:r>
-              <a:rPr lang="en-US" altLang="zh-CN"/>
-              <a:t>Operations: </a:t>
-            </a:r>
-            <a:r>
-              <a:rPr lang="en-US" altLang="zh-CN">
-                <a:latin typeface="Arial" panose="020B0604020202020204" pitchFamily="34" charset="0"/>
-              </a:rPr>
-              <a:t>“</a:t>
-            </a:r>
-            <a:r>
-              <a:rPr lang="en-US" altLang="zh-CN"/>
-              <a:t>enQueue</a:t>
-            </a:r>
-            <a:r>
-              <a:rPr lang="en-US" altLang="zh-CN">
-                <a:latin typeface="Arial" panose="020B0604020202020204" pitchFamily="34" charset="0"/>
-              </a:rPr>
-              <a:t>”</a:t>
-            </a:r>
-            <a:endParaRPr lang="en-US" altLang="zh-CN"/>
-          </a:p>
-        </p:txBody>
-      </p:sp>
-      <p:sp>
-        <p:nvSpPr>
-          <p:cNvPr id="258051" name="Rectangle 3">
-            <a:extLst>
-              <a:ext uri="{FF2B5EF4-FFF2-40B4-BE49-F238E27FC236}">
-                <a16:creationId xmlns:a16="http://schemas.microsoft.com/office/drawing/2014/main" id="{9058610F-7D83-EED9-DB36-37C834CDCBCC}"/>
-              </a:ext>
-            </a:extLst>
-          </p:cNvPr>
-          <p:cNvSpPr>
-            <a:spLocks noGrp="1" noChangeArrowheads="1"/>
-          </p:cNvSpPr>
-          <p:nvPr>
-            <p:ph type="body" idx="1"/>
-          </p:nvPr>
-        </p:nvSpPr>
-        <p:spPr/>
-        <p:txBody>
-          <a:bodyPr/>
-          <a:lstStyle/>
-          <a:p>
-            <a:pPr>
-              <a:lnSpc>
-                <a:spcPct val="80000"/>
-              </a:lnSpc>
-              <a:buFont typeface="Wingdings" pitchFamily="2" charset="2"/>
-              <a:buNone/>
-            </a:pPr>
-            <a:r>
-              <a:rPr lang="en-US" altLang="zh-CN" sz="2000" b="1">
-                <a:solidFill>
-                  <a:schemeClr val="folHlink"/>
-                </a:solidFill>
-                <a:latin typeface="Courier New" panose="02070309020205020404" pitchFamily="49" charset="0"/>
-              </a:rPr>
-              <a:t>void Queue_enQueue (Queue_t q, poly x)</a:t>
-            </a:r>
-          </a:p>
-          <a:p>
-            <a:pPr>
-              <a:lnSpc>
-                <a:spcPct val="80000"/>
-              </a:lnSpc>
-              <a:buFont typeface="Wingdings" pitchFamily="2" charset="2"/>
-              <a:buNone/>
-            </a:pPr>
-            <a:r>
-              <a:rPr lang="en-US" altLang="zh-CN" sz="2000" b="1">
-                <a:solidFill>
-                  <a:schemeClr val="folHlink"/>
-                </a:solidFill>
-                <a:latin typeface="Courier New" panose="02070309020205020404" pitchFamily="49" charset="0"/>
-              </a:rPr>
-              <a:t>{</a:t>
-            </a:r>
-          </a:p>
-          <a:p>
-            <a:pPr>
-              <a:lnSpc>
-                <a:spcPct val="80000"/>
-              </a:lnSpc>
-              <a:buFont typeface="Wingdings" pitchFamily="2" charset="2"/>
-              <a:buNone/>
-            </a:pPr>
-            <a:r>
-              <a:rPr lang="en-US" altLang="zh-CN" sz="2000" b="1">
-                <a:latin typeface="Courier New" panose="02070309020205020404" pitchFamily="49" charset="0"/>
-              </a:rPr>
-              <a:t>  // note the difference with extensible array-</a:t>
-            </a:r>
-          </a:p>
-          <a:p>
-            <a:pPr>
-              <a:lnSpc>
-                <a:spcPct val="80000"/>
-              </a:lnSpc>
-              <a:buFont typeface="Wingdings" pitchFamily="2" charset="2"/>
-              <a:buNone/>
-            </a:pPr>
-            <a:r>
-              <a:rPr lang="en-US" altLang="zh-CN" sz="2000" b="1">
-                <a:latin typeface="Courier New" panose="02070309020205020404" pitchFamily="49" charset="0"/>
-              </a:rPr>
-              <a:t>  // based representation</a:t>
-            </a:r>
-          </a:p>
-          <a:p>
-            <a:pPr>
-              <a:lnSpc>
-                <a:spcPct val="80000"/>
-              </a:lnSpc>
-              <a:buFont typeface="Wingdings" pitchFamily="2" charset="2"/>
-              <a:buNone/>
-            </a:pPr>
-            <a:r>
-              <a:rPr lang="en-US" altLang="zh-CN" sz="2000" b="1">
-                <a:latin typeface="Courier New" panose="02070309020205020404" pitchFamily="49" charset="0"/>
-              </a:rPr>
-              <a:t>  </a:t>
-            </a:r>
-            <a:r>
-              <a:rPr lang="en-US" altLang="zh-CN" sz="2000" b="1">
-                <a:solidFill>
-                  <a:schemeClr val="folHlink"/>
-                </a:solidFill>
-                <a:latin typeface="Courier New" panose="02070309020205020404" pitchFamily="49" charset="0"/>
-              </a:rPr>
-              <a:t>LinkedList_insertLast (q-&gt;l, x);</a:t>
-            </a:r>
-          </a:p>
-          <a:p>
-            <a:pPr>
-              <a:lnSpc>
-                <a:spcPct val="80000"/>
-              </a:lnSpc>
-              <a:buFont typeface="Wingdings" pitchFamily="2" charset="2"/>
-              <a:buNone/>
-            </a:pPr>
-            <a:r>
-              <a:rPr lang="en-US" altLang="zh-CN" sz="2000" b="1">
-                <a:solidFill>
-                  <a:schemeClr val="folHlink"/>
-                </a:solidFill>
-                <a:latin typeface="Courier New" panose="02070309020205020404" pitchFamily="49" charset="0"/>
-              </a:rPr>
-              <a:t>  return;</a:t>
-            </a:r>
-          </a:p>
-          <a:p>
-            <a:pPr>
-              <a:lnSpc>
-                <a:spcPct val="80000"/>
-              </a:lnSpc>
-              <a:buFont typeface="Wingdings" pitchFamily="2" charset="2"/>
-              <a:buNone/>
-            </a:pPr>
-            <a:r>
-              <a:rPr lang="en-US" altLang="zh-CN" sz="2000" b="1">
-                <a:solidFill>
-                  <a:schemeClr val="folHlink"/>
-                </a:solidFill>
-                <a:latin typeface="Courier New" panose="02070309020205020404" pitchFamily="49" charset="0"/>
-              </a:rPr>
-              <a:t>}</a:t>
-            </a:r>
-          </a:p>
-          <a:p>
-            <a:pPr>
-              <a:lnSpc>
-                <a:spcPct val="80000"/>
-              </a:lnSpc>
-              <a:buFont typeface="Wingdings" pitchFamily="2" charset="2"/>
-              <a:buNone/>
-            </a:pPr>
-            <a:endParaRPr lang="en-US" altLang="zh-CN" sz="2000" b="1">
-              <a:solidFill>
-                <a:schemeClr val="folHlink"/>
-              </a:solidFill>
-              <a:latin typeface="Courier New" panose="02070309020205020404" pitchFamily="49" charset="0"/>
-            </a:endParaRPr>
-          </a:p>
-        </p:txBody>
-      </p:sp>
-      <p:grpSp>
-        <p:nvGrpSpPr>
-          <p:cNvPr id="258052" name="Group 4">
-            <a:extLst>
-              <a:ext uri="{FF2B5EF4-FFF2-40B4-BE49-F238E27FC236}">
-                <a16:creationId xmlns:a16="http://schemas.microsoft.com/office/drawing/2014/main" id="{62E9FC90-94C3-9B13-A7EB-0D67C455FA82}"/>
-              </a:ext>
-            </a:extLst>
-          </p:cNvPr>
-          <p:cNvGrpSpPr>
-            <a:grpSpLocks/>
-          </p:cNvGrpSpPr>
-          <p:nvPr/>
-        </p:nvGrpSpPr>
-        <p:grpSpPr bwMode="auto">
-          <a:xfrm>
-            <a:off x="685800" y="4343400"/>
-            <a:ext cx="7848600" cy="1016000"/>
-            <a:chOff x="432" y="3360"/>
-            <a:chExt cx="4944" cy="640"/>
-          </a:xfrm>
-        </p:grpSpPr>
-        <p:grpSp>
-          <p:nvGrpSpPr>
-            <p:cNvPr id="258053" name="Group 5">
-              <a:extLst>
-                <a:ext uri="{FF2B5EF4-FFF2-40B4-BE49-F238E27FC236}">
-                  <a16:creationId xmlns:a16="http://schemas.microsoft.com/office/drawing/2014/main" id="{0D036636-56C3-9B83-6717-E1769213D0BD}"/>
-                </a:ext>
-              </a:extLst>
-            </p:cNvPr>
-            <p:cNvGrpSpPr>
-              <a:grpSpLocks/>
-            </p:cNvGrpSpPr>
-            <p:nvPr/>
-          </p:nvGrpSpPr>
-          <p:grpSpPr bwMode="auto">
-            <a:xfrm>
-              <a:off x="432" y="3360"/>
-              <a:ext cx="1248" cy="432"/>
-              <a:chOff x="2160" y="2928"/>
-              <a:chExt cx="1248" cy="432"/>
-            </a:xfrm>
-          </p:grpSpPr>
-          <p:sp>
-            <p:nvSpPr>
-              <p:cNvPr id="258054" name="Rectangle 6">
-                <a:extLst>
-                  <a:ext uri="{FF2B5EF4-FFF2-40B4-BE49-F238E27FC236}">
-                    <a16:creationId xmlns:a16="http://schemas.microsoft.com/office/drawing/2014/main" id="{630F1861-A87C-5E13-D90F-129F58906D90}"/>
-                  </a:ext>
-                </a:extLst>
-              </p:cNvPr>
-              <p:cNvSpPr>
-                <a:spLocks noChangeArrowheads="1"/>
-              </p:cNvSpPr>
-              <p:nvPr/>
-            </p:nvSpPr>
-            <p:spPr bwMode="auto">
-              <a:xfrm>
-                <a:off x="2640" y="3072"/>
-                <a:ext cx="480" cy="288"/>
-              </a:xfrm>
-              <a:prstGeom prst="rect">
-                <a:avLst/>
-              </a:prstGeom>
-              <a:solidFill>
-                <a:schemeClr val="accent1"/>
-              </a:solidFill>
-              <a:ln w="9525">
-                <a:solidFill>
-                  <a:schemeClr val="tx1"/>
-                </a:solidFill>
-                <a:miter lim="800000"/>
-                <a:headEnd/>
-                <a:tailEnd/>
-              </a:ln>
-              <a:effectLst/>
-              <a:extLst>
-                <a:ext uri="{AF507438-7753-43E0-B8FC-AC1667EBCBE1}">
-                  <a14:hiddenEffects xmlns:a14="http://schemas.microsoft.com/office/drawing/2010/main">
-                    <a:effectLst>
-                      <a:outerShdw dist="35921" dir="2700000" algn="ctr" rotWithShape="0">
-                        <a:schemeClr val="bg2"/>
-                      </a:outerShdw>
-                    </a:effectLst>
-                  </a14:hiddenEffects>
-                </a:ext>
-              </a:extLst>
-            </p:spPr>
-            <p:txBody>
-              <a:bodyPr wrap="none" anchor="ctr"/>
-              <a:lstStyle/>
-              <a:p>
-                <a:pPr algn="ctr"/>
-                <a:r>
-                  <a:rPr lang="en-US" altLang="zh-CN" sz="2000"/>
-                  <a:t>l</a:t>
-                </a:r>
-              </a:p>
-            </p:txBody>
-          </p:sp>
-          <p:sp>
-            <p:nvSpPr>
-              <p:cNvPr id="258055" name="Text Box 7">
-                <a:extLst>
-                  <a:ext uri="{FF2B5EF4-FFF2-40B4-BE49-F238E27FC236}">
-                    <a16:creationId xmlns:a16="http://schemas.microsoft.com/office/drawing/2014/main" id="{1C1BB431-74EA-ACED-4E21-398B84344993}"/>
-                  </a:ext>
-                </a:extLst>
-              </p:cNvPr>
-              <p:cNvSpPr txBox="1">
-                <a:spLocks noChangeArrowheads="1"/>
-              </p:cNvSpPr>
-              <p:nvPr/>
-            </p:nvSpPr>
-            <p:spPr bwMode="auto">
-              <a:xfrm>
-                <a:off x="2160" y="2928"/>
-                <a:ext cx="432" cy="250"/>
-              </a:xfrm>
-              <a:prstGeom prst="rect">
-                <a:avLst/>
-              </a:prstGeom>
-              <a:noFill/>
-              <a:ln>
-                <a:noFill/>
-              </a:ln>
-              <a:effectLst/>
-              <a:extLst>
-                <a:ext uri="{909E8E84-426E-40DD-AFC4-6F175D3DCCD1}">
-                  <a14:hiddenFill xmlns:a14="http://schemas.microsoft.com/office/drawing/2010/main">
-                    <a:solidFill>
-                      <a:schemeClr val="accent1"/>
-                    </a:solidFill>
-                  </a14:hiddenFill>
-                </a:ext>
-                <a:ext uri="{91240B29-F687-4F45-9708-019B960494DF}">
-                  <a14:hiddenLine xmlns:a14="http://schemas.microsoft.com/office/drawing/2010/main" w="9525">
-                    <a:solidFill>
-                      <a:schemeClr val="tx1"/>
-                    </a:solidFill>
-                    <a:miter lim="800000"/>
-                    <a:headEnd/>
-                    <a:tailEnd/>
-                  </a14:hiddenLine>
-                </a:ext>
-                <a:ext uri="{AF507438-7753-43E0-B8FC-AC1667EBCBE1}">
-                  <a14:hiddenEffects xmlns:a14="http://schemas.microsoft.com/office/drawing/2010/main">
-                    <a:effectLst>
-                      <a:outerShdw dist="35921" dir="2700000" algn="ctr" rotWithShape="0">
-                        <a:schemeClr val="bg2"/>
-                      </a:outerShdw>
-                    </a:effectLst>
-                  </a14:hiddenEffects>
-                </a:ext>
-              </a:extLst>
-            </p:spPr>
-            <p:txBody>
-              <a:bodyPr>
-                <a:spAutoFit/>
-              </a:bodyPr>
-              <a:lstStyle/>
-              <a:p>
-                <a:pPr>
-                  <a:spcBef>
-                    <a:spcPct val="50000"/>
-                  </a:spcBef>
-                </a:pPr>
-                <a:r>
-                  <a:rPr lang="en-US" altLang="zh-CN" sz="2000"/>
-                  <a:t>q</a:t>
-                </a:r>
-              </a:p>
-            </p:txBody>
-          </p:sp>
-          <p:sp>
-            <p:nvSpPr>
-              <p:cNvPr id="258056" name="Line 8">
-                <a:extLst>
-                  <a:ext uri="{FF2B5EF4-FFF2-40B4-BE49-F238E27FC236}">
-                    <a16:creationId xmlns:a16="http://schemas.microsoft.com/office/drawing/2014/main" id="{74FD419F-EAA1-8041-EA93-DD506C887630}"/>
-                  </a:ext>
-                </a:extLst>
-              </p:cNvPr>
-              <p:cNvSpPr>
-                <a:spLocks noChangeShapeType="1"/>
-              </p:cNvSpPr>
-              <p:nvPr/>
-            </p:nvSpPr>
-            <p:spPr bwMode="auto">
-              <a:xfrm>
-                <a:off x="2160" y="3168"/>
-                <a:ext cx="480" cy="0"/>
-              </a:xfrm>
-              <a:prstGeom prst="line">
-                <a:avLst/>
-              </a:prstGeom>
-              <a:noFill/>
-              <a:ln w="9525">
-                <a:solidFill>
-                  <a:schemeClr val="tx1"/>
-                </a:solidFill>
-                <a:round/>
-                <a:headEnd/>
-                <a:tailEnd type="triangle" w="med" len="med"/>
-              </a:ln>
-              <a:effectLst/>
-              <a:extLst>
-                <a:ext uri="{909E8E84-426E-40DD-AFC4-6F175D3DCCD1}">
-                  <a14:hiddenFill xmlns:a14="http://schemas.microsoft.com/office/drawing/2010/main">
-                    <a:noFill/>
-                  </a14:hiddenFill>
-                </a:ext>
-                <a:ext uri="{AF507438-7753-43E0-B8FC-AC1667EBCBE1}">
-                  <a14:hiddenEffects xmlns:a14="http://schemas.microsoft.com/office/drawing/2010/main">
-                    <a:effectLst>
-                      <a:outerShdw dist="35921" dir="2700000" algn="ctr" rotWithShape="0">
-                        <a:schemeClr val="bg2"/>
-                      </a:outerShdw>
-                    </a:effectLst>
-                  </a14:hiddenEffects>
-                </a:ext>
-              </a:extLst>
-            </p:spPr>
-            <p:txBody>
-              <a:bodyPr/>
-              <a:lstStyle/>
-              <a:p>
-                <a:endParaRPr lang="zh-CN" altLang="en-US"/>
-              </a:p>
-            </p:txBody>
-          </p:sp>
-          <p:sp>
-            <p:nvSpPr>
-              <p:cNvPr id="258057" name="Line 9">
-                <a:extLst>
-                  <a:ext uri="{FF2B5EF4-FFF2-40B4-BE49-F238E27FC236}">
-                    <a16:creationId xmlns:a16="http://schemas.microsoft.com/office/drawing/2014/main" id="{ECD49D24-4397-0BF0-616B-CCAB8CECB6AF}"/>
-                  </a:ext>
-                </a:extLst>
-              </p:cNvPr>
-              <p:cNvSpPr>
-                <a:spLocks noChangeShapeType="1"/>
-              </p:cNvSpPr>
-              <p:nvPr/>
-            </p:nvSpPr>
-            <p:spPr bwMode="auto">
-              <a:xfrm>
-                <a:off x="3120" y="3216"/>
-                <a:ext cx="288" cy="0"/>
-              </a:xfrm>
-              <a:prstGeom prst="line">
-                <a:avLst/>
-              </a:prstGeom>
-              <a:noFill/>
-              <a:ln w="9525">
-                <a:solidFill>
-                  <a:schemeClr val="tx1"/>
-                </a:solidFill>
-                <a:round/>
-                <a:headEnd/>
-                <a:tailEnd type="triangle" w="med" len="med"/>
-              </a:ln>
-              <a:effectLst/>
-              <a:extLst>
-                <a:ext uri="{909E8E84-426E-40DD-AFC4-6F175D3DCCD1}">
-                  <a14:hiddenFill xmlns:a14="http://schemas.microsoft.com/office/drawing/2010/main">
-                    <a:noFill/>
-                  </a14:hiddenFill>
-                </a:ext>
-                <a:ext uri="{AF507438-7753-43E0-B8FC-AC1667EBCBE1}">
-                  <a14:hiddenEffects xmlns:a14="http://schemas.microsoft.com/office/drawing/2010/main">
-                    <a:effectLst>
-                      <a:outerShdw dist="35921" dir="2700000" algn="ctr" rotWithShape="0">
-                        <a:schemeClr val="bg2"/>
-                      </a:outerShdw>
-                    </a:effectLst>
-                  </a14:hiddenEffects>
-                </a:ext>
-              </a:extLst>
-            </p:spPr>
-            <p:txBody>
-              <a:bodyPr/>
-              <a:lstStyle/>
-              <a:p>
-                <a:endParaRPr lang="zh-CN" altLang="en-US"/>
-              </a:p>
-            </p:txBody>
-          </p:sp>
-        </p:grpSp>
-        <p:grpSp>
-          <p:nvGrpSpPr>
-            <p:cNvPr id="258058" name="Group 10">
-              <a:extLst>
-                <a:ext uri="{FF2B5EF4-FFF2-40B4-BE49-F238E27FC236}">
-                  <a16:creationId xmlns:a16="http://schemas.microsoft.com/office/drawing/2014/main" id="{608C24AB-D00D-F01C-FB7B-72675A276DD8}"/>
-                </a:ext>
-              </a:extLst>
-            </p:cNvPr>
-            <p:cNvGrpSpPr>
-              <a:grpSpLocks/>
-            </p:cNvGrpSpPr>
-            <p:nvPr/>
-          </p:nvGrpSpPr>
-          <p:grpSpPr bwMode="auto">
-            <a:xfrm>
-              <a:off x="1680" y="3520"/>
-              <a:ext cx="432" cy="480"/>
-              <a:chOff x="1488" y="1968"/>
-              <a:chExt cx="432" cy="480"/>
-            </a:xfrm>
-          </p:grpSpPr>
-          <p:sp>
-            <p:nvSpPr>
-              <p:cNvPr id="258059" name="Rectangle 11">
-                <a:extLst>
-                  <a:ext uri="{FF2B5EF4-FFF2-40B4-BE49-F238E27FC236}">
-                    <a16:creationId xmlns:a16="http://schemas.microsoft.com/office/drawing/2014/main" id="{B3A8A204-B5C0-EBDB-AC94-66417E7B6C5F}"/>
-                  </a:ext>
-                </a:extLst>
-              </p:cNvPr>
-              <p:cNvSpPr>
-                <a:spLocks noChangeArrowheads="1"/>
-              </p:cNvSpPr>
-              <p:nvPr/>
-            </p:nvSpPr>
-            <p:spPr bwMode="auto">
-              <a:xfrm>
-                <a:off x="1488" y="1968"/>
-                <a:ext cx="432" cy="240"/>
-              </a:xfrm>
-              <a:prstGeom prst="rect">
-                <a:avLst/>
-              </a:prstGeom>
-              <a:solidFill>
-                <a:srgbClr val="FF9966"/>
-              </a:solidFill>
-              <a:ln w="9525">
-                <a:solidFill>
-                  <a:schemeClr val="tx1"/>
-                </a:solidFill>
-                <a:miter lim="800000"/>
-                <a:headEnd/>
-                <a:tailEnd/>
-              </a:ln>
-              <a:effectLst/>
-              <a:extLst>
-                <a:ext uri="{AF507438-7753-43E0-B8FC-AC1667EBCBE1}">
-                  <a14:hiddenEffects xmlns:a14="http://schemas.microsoft.com/office/drawing/2010/main">
-                    <a:effectLst>
-                      <a:outerShdw dist="35921" dir="2700000" algn="ctr" rotWithShape="0">
-                        <a:schemeClr val="bg2"/>
-                      </a:outerShdw>
-                    </a:effectLst>
-                  </a14:hiddenEffects>
-                </a:ext>
-              </a:extLst>
-            </p:spPr>
-            <p:txBody>
-              <a:bodyPr wrap="none" anchor="ctr"/>
-              <a:lstStyle/>
-              <a:p>
-                <a:endParaRPr lang="zh-CN" altLang="en-US"/>
-              </a:p>
-            </p:txBody>
-          </p:sp>
-          <p:sp>
-            <p:nvSpPr>
-              <p:cNvPr id="258060" name="Rectangle 12">
-                <a:extLst>
-                  <a:ext uri="{FF2B5EF4-FFF2-40B4-BE49-F238E27FC236}">
-                    <a16:creationId xmlns:a16="http://schemas.microsoft.com/office/drawing/2014/main" id="{F6E079A8-EB12-0266-8863-8ACF1020E8F5}"/>
-                  </a:ext>
-                </a:extLst>
-              </p:cNvPr>
-              <p:cNvSpPr>
-                <a:spLocks noChangeArrowheads="1"/>
-              </p:cNvSpPr>
-              <p:nvPr/>
-            </p:nvSpPr>
-            <p:spPr bwMode="auto">
-              <a:xfrm>
-                <a:off x="1488" y="2208"/>
-                <a:ext cx="432" cy="240"/>
-              </a:xfrm>
-              <a:prstGeom prst="rect">
-                <a:avLst/>
-              </a:prstGeom>
-              <a:solidFill>
-                <a:srgbClr val="FF9966"/>
-              </a:solidFill>
-              <a:ln w="9525">
-                <a:solidFill>
-                  <a:schemeClr val="tx1"/>
-                </a:solidFill>
-                <a:miter lim="800000"/>
-                <a:headEnd/>
-                <a:tailEnd/>
-              </a:ln>
-              <a:effectLst/>
-              <a:extLst>
-                <a:ext uri="{AF507438-7753-43E0-B8FC-AC1667EBCBE1}">
-                  <a14:hiddenEffects xmlns:a14="http://schemas.microsoft.com/office/drawing/2010/main">
-                    <a:effectLst>
-                      <a:outerShdw dist="35921" dir="2700000" algn="ctr" rotWithShape="0">
-                        <a:schemeClr val="bg2"/>
-                      </a:outerShdw>
-                    </a:effectLst>
-                  </a14:hiddenEffects>
-                </a:ext>
-              </a:extLst>
-            </p:spPr>
-            <p:txBody>
-              <a:bodyPr wrap="none" anchor="ctr"/>
-              <a:lstStyle/>
-              <a:p>
-                <a:endParaRPr lang="zh-CN" altLang="en-US"/>
-              </a:p>
-            </p:txBody>
-          </p:sp>
-        </p:grpSp>
-        <p:grpSp>
-          <p:nvGrpSpPr>
-            <p:cNvPr id="258061" name="Group 13">
-              <a:extLst>
-                <a:ext uri="{FF2B5EF4-FFF2-40B4-BE49-F238E27FC236}">
-                  <a16:creationId xmlns:a16="http://schemas.microsoft.com/office/drawing/2014/main" id="{BD0910C2-9063-35A1-7CD9-C0B978F8BAEC}"/>
-                </a:ext>
-              </a:extLst>
-            </p:cNvPr>
-            <p:cNvGrpSpPr>
-              <a:grpSpLocks/>
-            </p:cNvGrpSpPr>
-            <p:nvPr/>
-          </p:nvGrpSpPr>
-          <p:grpSpPr bwMode="auto">
-            <a:xfrm>
-              <a:off x="2496" y="3520"/>
-              <a:ext cx="432" cy="480"/>
-              <a:chOff x="1488" y="1968"/>
-              <a:chExt cx="432" cy="480"/>
-            </a:xfrm>
-          </p:grpSpPr>
-          <p:sp>
-            <p:nvSpPr>
-              <p:cNvPr id="258062" name="Rectangle 14">
-                <a:extLst>
-                  <a:ext uri="{FF2B5EF4-FFF2-40B4-BE49-F238E27FC236}">
-                    <a16:creationId xmlns:a16="http://schemas.microsoft.com/office/drawing/2014/main" id="{9E49AD2D-4C6C-4DAF-5A12-DBA76E953D52}"/>
-                  </a:ext>
-                </a:extLst>
-              </p:cNvPr>
-              <p:cNvSpPr>
-                <a:spLocks noChangeArrowheads="1"/>
-              </p:cNvSpPr>
-              <p:nvPr/>
-            </p:nvSpPr>
-            <p:spPr bwMode="auto">
-              <a:xfrm>
-                <a:off x="1488" y="1968"/>
-                <a:ext cx="432" cy="240"/>
-              </a:xfrm>
-              <a:prstGeom prst="rect">
-                <a:avLst/>
-              </a:prstGeom>
-              <a:solidFill>
-                <a:schemeClr val="accent2"/>
-              </a:solidFill>
-              <a:ln w="9525">
-                <a:solidFill>
-                  <a:schemeClr val="tx1"/>
-                </a:solidFill>
-                <a:miter lim="800000"/>
-                <a:headEnd/>
-                <a:tailEnd/>
-              </a:ln>
-              <a:effectLst/>
-              <a:extLst>
-                <a:ext uri="{AF507438-7753-43E0-B8FC-AC1667EBCBE1}">
-                  <a14:hiddenEffects xmlns:a14="http://schemas.microsoft.com/office/drawing/2010/main">
-                    <a:effectLst>
-                      <a:outerShdw dist="35921" dir="2700000" algn="ctr" rotWithShape="0">
-                        <a:schemeClr val="bg2"/>
-                      </a:outerShdw>
-                    </a:effectLst>
-                  </a14:hiddenEffects>
-                </a:ext>
-              </a:extLst>
-            </p:spPr>
-            <p:txBody>
-              <a:bodyPr wrap="none" anchor="ctr"/>
-              <a:lstStyle/>
-              <a:p>
-                <a:pPr algn="ctr"/>
-                <a:r>
-                  <a:rPr lang="en-US" altLang="zh-CN" sz="2000"/>
-                  <a:t>data</a:t>
-                </a:r>
-              </a:p>
-            </p:txBody>
-          </p:sp>
-          <p:sp>
-            <p:nvSpPr>
-              <p:cNvPr id="258063" name="Rectangle 15">
-                <a:extLst>
-                  <a:ext uri="{FF2B5EF4-FFF2-40B4-BE49-F238E27FC236}">
-                    <a16:creationId xmlns:a16="http://schemas.microsoft.com/office/drawing/2014/main" id="{B3C3599A-34E4-4898-475D-7C40F3A63EBA}"/>
-                  </a:ext>
-                </a:extLst>
-              </p:cNvPr>
-              <p:cNvSpPr>
-                <a:spLocks noChangeArrowheads="1"/>
-              </p:cNvSpPr>
-              <p:nvPr/>
-            </p:nvSpPr>
-            <p:spPr bwMode="auto">
-              <a:xfrm>
-                <a:off x="1488" y="2208"/>
-                <a:ext cx="432" cy="240"/>
-              </a:xfrm>
-              <a:prstGeom prst="rect">
-                <a:avLst/>
-              </a:prstGeom>
-              <a:solidFill>
-                <a:schemeClr val="accent1"/>
-              </a:solidFill>
-              <a:ln w="9525">
-                <a:solidFill>
-                  <a:schemeClr val="tx1"/>
-                </a:solidFill>
-                <a:miter lim="800000"/>
-                <a:headEnd/>
-                <a:tailEnd/>
-              </a:ln>
-              <a:effectLst/>
-              <a:extLst>
-                <a:ext uri="{AF507438-7753-43E0-B8FC-AC1667EBCBE1}">
-                  <a14:hiddenEffects xmlns:a14="http://schemas.microsoft.com/office/drawing/2010/main">
-                    <a:effectLst>
-                      <a:outerShdw dist="35921" dir="2700000" algn="ctr" rotWithShape="0">
-                        <a:schemeClr val="bg2"/>
-                      </a:outerShdw>
-                    </a:effectLst>
-                  </a14:hiddenEffects>
-                </a:ext>
-              </a:extLst>
-            </p:spPr>
-            <p:txBody>
-              <a:bodyPr wrap="none" anchor="ctr"/>
-              <a:lstStyle/>
-              <a:p>
-                <a:pPr algn="ctr"/>
-                <a:r>
-                  <a:rPr lang="en-US" altLang="zh-CN" sz="2000"/>
-                  <a:t>next</a:t>
-                </a:r>
-              </a:p>
-            </p:txBody>
-          </p:sp>
-        </p:grpSp>
-        <p:grpSp>
-          <p:nvGrpSpPr>
-            <p:cNvPr id="258064" name="Group 16">
-              <a:extLst>
-                <a:ext uri="{FF2B5EF4-FFF2-40B4-BE49-F238E27FC236}">
-                  <a16:creationId xmlns:a16="http://schemas.microsoft.com/office/drawing/2014/main" id="{6AC872E0-47FC-5169-BC9F-C9BC1462F93F}"/>
-                </a:ext>
-              </a:extLst>
-            </p:cNvPr>
-            <p:cNvGrpSpPr>
-              <a:grpSpLocks/>
-            </p:cNvGrpSpPr>
-            <p:nvPr/>
-          </p:nvGrpSpPr>
-          <p:grpSpPr bwMode="auto">
-            <a:xfrm>
-              <a:off x="3312" y="3520"/>
-              <a:ext cx="432" cy="480"/>
-              <a:chOff x="1488" y="1968"/>
-              <a:chExt cx="432" cy="480"/>
-            </a:xfrm>
-          </p:grpSpPr>
-          <p:sp>
-            <p:nvSpPr>
-              <p:cNvPr id="258065" name="Rectangle 17">
-                <a:extLst>
-                  <a:ext uri="{FF2B5EF4-FFF2-40B4-BE49-F238E27FC236}">
-                    <a16:creationId xmlns:a16="http://schemas.microsoft.com/office/drawing/2014/main" id="{536F3AD5-417B-DBCF-9D6B-8C4849140E4D}"/>
-                  </a:ext>
-                </a:extLst>
-              </p:cNvPr>
-              <p:cNvSpPr>
-                <a:spLocks noChangeArrowheads="1"/>
-              </p:cNvSpPr>
-              <p:nvPr/>
-            </p:nvSpPr>
-            <p:spPr bwMode="auto">
-              <a:xfrm>
-                <a:off x="1488" y="1968"/>
-                <a:ext cx="432" cy="240"/>
-              </a:xfrm>
-              <a:prstGeom prst="rect">
-                <a:avLst/>
-              </a:prstGeom>
-              <a:solidFill>
-                <a:schemeClr val="accent2"/>
-              </a:solidFill>
-              <a:ln w="9525">
-                <a:solidFill>
-                  <a:schemeClr val="tx1"/>
-                </a:solidFill>
-                <a:miter lim="800000"/>
-                <a:headEnd/>
-                <a:tailEnd/>
-              </a:ln>
-              <a:effectLst/>
-              <a:extLst>
-                <a:ext uri="{AF507438-7753-43E0-B8FC-AC1667EBCBE1}">
-                  <a14:hiddenEffects xmlns:a14="http://schemas.microsoft.com/office/drawing/2010/main">
-                    <a:effectLst>
-                      <a:outerShdw dist="35921" dir="2700000" algn="ctr" rotWithShape="0">
-                        <a:schemeClr val="bg2"/>
-                      </a:outerShdw>
-                    </a:effectLst>
-                  </a14:hiddenEffects>
-                </a:ext>
-              </a:extLst>
-            </p:spPr>
-            <p:txBody>
-              <a:bodyPr wrap="none" anchor="ctr"/>
-              <a:lstStyle/>
-              <a:p>
-                <a:pPr algn="ctr"/>
-                <a:r>
-                  <a:rPr lang="en-US" altLang="zh-CN" sz="2000"/>
-                  <a:t>data</a:t>
-                </a:r>
-              </a:p>
-            </p:txBody>
-          </p:sp>
-          <p:sp>
-            <p:nvSpPr>
-              <p:cNvPr id="258066" name="Rectangle 18">
-                <a:extLst>
-                  <a:ext uri="{FF2B5EF4-FFF2-40B4-BE49-F238E27FC236}">
-                    <a16:creationId xmlns:a16="http://schemas.microsoft.com/office/drawing/2014/main" id="{2490ABB7-1253-319F-8D74-7C1B2406126D}"/>
-                  </a:ext>
-                </a:extLst>
-              </p:cNvPr>
-              <p:cNvSpPr>
-                <a:spLocks noChangeArrowheads="1"/>
-              </p:cNvSpPr>
-              <p:nvPr/>
-            </p:nvSpPr>
-            <p:spPr bwMode="auto">
-              <a:xfrm>
-                <a:off x="1488" y="2208"/>
-                <a:ext cx="432" cy="240"/>
-              </a:xfrm>
-              <a:prstGeom prst="rect">
-                <a:avLst/>
-              </a:prstGeom>
-              <a:solidFill>
-                <a:schemeClr val="accent1"/>
-              </a:solidFill>
-              <a:ln w="9525">
-                <a:solidFill>
-                  <a:schemeClr val="tx1"/>
-                </a:solidFill>
-                <a:miter lim="800000"/>
-                <a:headEnd/>
-                <a:tailEnd/>
-              </a:ln>
-              <a:effectLst/>
-              <a:extLst>
-                <a:ext uri="{AF507438-7753-43E0-B8FC-AC1667EBCBE1}">
-                  <a14:hiddenEffects xmlns:a14="http://schemas.microsoft.com/office/drawing/2010/main">
-                    <a:effectLst>
-                      <a:outerShdw dist="35921" dir="2700000" algn="ctr" rotWithShape="0">
-                        <a:schemeClr val="bg2"/>
-                      </a:outerShdw>
-                    </a:effectLst>
-                  </a14:hiddenEffects>
-                </a:ext>
-              </a:extLst>
-            </p:spPr>
-            <p:txBody>
-              <a:bodyPr wrap="none" anchor="ctr"/>
-              <a:lstStyle/>
-              <a:p>
-                <a:pPr algn="ctr"/>
-                <a:r>
-                  <a:rPr lang="en-US" altLang="zh-CN" sz="2000"/>
-                  <a:t>next</a:t>
-                </a:r>
-              </a:p>
-            </p:txBody>
-          </p:sp>
-        </p:grpSp>
-        <p:grpSp>
-          <p:nvGrpSpPr>
-            <p:cNvPr id="258067" name="Group 19">
-              <a:extLst>
-                <a:ext uri="{FF2B5EF4-FFF2-40B4-BE49-F238E27FC236}">
-                  <a16:creationId xmlns:a16="http://schemas.microsoft.com/office/drawing/2014/main" id="{A4DEC18E-74E4-ADD6-FAD5-B656CBC96B97}"/>
-                </a:ext>
-              </a:extLst>
-            </p:cNvPr>
-            <p:cNvGrpSpPr>
-              <a:grpSpLocks/>
-            </p:cNvGrpSpPr>
-            <p:nvPr/>
-          </p:nvGrpSpPr>
-          <p:grpSpPr bwMode="auto">
-            <a:xfrm>
-              <a:off x="4128" y="3520"/>
-              <a:ext cx="432" cy="480"/>
-              <a:chOff x="1488" y="1968"/>
-              <a:chExt cx="432" cy="480"/>
-            </a:xfrm>
-          </p:grpSpPr>
-          <p:sp>
-            <p:nvSpPr>
-              <p:cNvPr id="258068" name="Rectangle 20">
-                <a:extLst>
-                  <a:ext uri="{FF2B5EF4-FFF2-40B4-BE49-F238E27FC236}">
-                    <a16:creationId xmlns:a16="http://schemas.microsoft.com/office/drawing/2014/main" id="{9CF4CF10-9182-E001-69DF-6EADE3E139BB}"/>
-                  </a:ext>
-                </a:extLst>
-              </p:cNvPr>
-              <p:cNvSpPr>
-                <a:spLocks noChangeArrowheads="1"/>
-              </p:cNvSpPr>
-              <p:nvPr/>
-            </p:nvSpPr>
-            <p:spPr bwMode="auto">
-              <a:xfrm>
-                <a:off x="1488" y="1968"/>
-                <a:ext cx="432" cy="240"/>
-              </a:xfrm>
-              <a:prstGeom prst="rect">
-                <a:avLst/>
-              </a:prstGeom>
-              <a:solidFill>
-                <a:schemeClr val="accent2"/>
-              </a:solidFill>
-              <a:ln w="9525">
-                <a:solidFill>
-                  <a:schemeClr val="tx1"/>
-                </a:solidFill>
-                <a:miter lim="800000"/>
-                <a:headEnd/>
-                <a:tailEnd/>
-              </a:ln>
-              <a:effectLst/>
-              <a:extLst>
-                <a:ext uri="{AF507438-7753-43E0-B8FC-AC1667EBCBE1}">
-                  <a14:hiddenEffects xmlns:a14="http://schemas.microsoft.com/office/drawing/2010/main">
-                    <a:effectLst>
-                      <a:outerShdw dist="35921" dir="2700000" algn="ctr" rotWithShape="0">
-                        <a:schemeClr val="bg2"/>
-                      </a:outerShdw>
-                    </a:effectLst>
-                  </a14:hiddenEffects>
-                </a:ext>
-              </a:extLst>
-            </p:spPr>
-            <p:txBody>
-              <a:bodyPr wrap="none" anchor="ctr"/>
-              <a:lstStyle/>
-              <a:p>
-                <a:pPr algn="ctr"/>
-                <a:r>
-                  <a:rPr lang="en-US" altLang="zh-CN" sz="2000"/>
-                  <a:t>data</a:t>
-                </a:r>
-              </a:p>
-            </p:txBody>
-          </p:sp>
-          <p:sp>
-            <p:nvSpPr>
-              <p:cNvPr id="258069" name="Rectangle 21">
-                <a:extLst>
-                  <a:ext uri="{FF2B5EF4-FFF2-40B4-BE49-F238E27FC236}">
-                    <a16:creationId xmlns:a16="http://schemas.microsoft.com/office/drawing/2014/main" id="{1C90B195-498F-1606-93BC-CF324433BF37}"/>
-                  </a:ext>
-                </a:extLst>
-              </p:cNvPr>
-              <p:cNvSpPr>
-                <a:spLocks noChangeArrowheads="1"/>
-              </p:cNvSpPr>
-              <p:nvPr/>
-            </p:nvSpPr>
-            <p:spPr bwMode="auto">
-              <a:xfrm>
-                <a:off x="1488" y="2208"/>
-                <a:ext cx="432" cy="240"/>
-              </a:xfrm>
-              <a:prstGeom prst="rect">
-                <a:avLst/>
-              </a:prstGeom>
-              <a:solidFill>
-                <a:schemeClr val="accent1"/>
-              </a:solidFill>
-              <a:ln w="9525">
-                <a:solidFill>
-                  <a:schemeClr val="tx1"/>
-                </a:solidFill>
-                <a:miter lim="800000"/>
-                <a:headEnd/>
-                <a:tailEnd/>
-              </a:ln>
-              <a:effectLst/>
-              <a:extLst>
-                <a:ext uri="{AF507438-7753-43E0-B8FC-AC1667EBCBE1}">
-                  <a14:hiddenEffects xmlns:a14="http://schemas.microsoft.com/office/drawing/2010/main">
-                    <a:effectLst>
-                      <a:outerShdw dist="35921" dir="2700000" algn="ctr" rotWithShape="0">
-                        <a:schemeClr val="bg2"/>
-                      </a:outerShdw>
-                    </a:effectLst>
-                  </a14:hiddenEffects>
-                </a:ext>
-              </a:extLst>
-            </p:spPr>
-            <p:txBody>
-              <a:bodyPr wrap="none" anchor="ctr"/>
-              <a:lstStyle/>
-              <a:p>
-                <a:pPr algn="ctr"/>
-                <a:r>
-                  <a:rPr lang="en-US" altLang="zh-CN" sz="2000"/>
-                  <a:t>next</a:t>
-                </a:r>
-              </a:p>
-            </p:txBody>
-          </p:sp>
-        </p:grpSp>
-        <p:cxnSp>
-          <p:nvCxnSpPr>
-            <p:cNvPr id="258070" name="AutoShape 22">
-              <a:extLst>
-                <a:ext uri="{FF2B5EF4-FFF2-40B4-BE49-F238E27FC236}">
-                  <a16:creationId xmlns:a16="http://schemas.microsoft.com/office/drawing/2014/main" id="{B1A88708-894B-0EF8-6329-7ED577B62C0E}"/>
-                </a:ext>
-              </a:extLst>
-            </p:cNvPr>
-            <p:cNvCxnSpPr>
-              <a:cxnSpLocks noChangeShapeType="1"/>
-              <a:stCxn id="258060" idx="3"/>
-              <a:endCxn id="258062" idx="1"/>
-            </p:cNvCxnSpPr>
-            <p:nvPr/>
-          </p:nvCxnSpPr>
-          <p:spPr bwMode="auto">
-            <a:xfrm flipV="1">
-              <a:off x="2112" y="3640"/>
-              <a:ext cx="384" cy="240"/>
-            </a:xfrm>
-            <a:prstGeom prst="curvedConnector3">
-              <a:avLst>
-                <a:gd name="adj1" fmla="val 50000"/>
-              </a:avLst>
-            </a:prstGeom>
-            <a:noFill/>
-            <a:ln w="9525">
-              <a:solidFill>
-                <a:schemeClr val="tx1"/>
-              </a:solidFill>
-              <a:round/>
-              <a:headEnd/>
-              <a:tailEnd type="triangle" w="med" len="med"/>
-            </a:ln>
-            <a:effectLst/>
-            <a:extLst>
-              <a:ext uri="{909E8E84-426E-40DD-AFC4-6F175D3DCCD1}">
-                <a14:hiddenFill xmlns:a14="http://schemas.microsoft.com/office/drawing/2010/main">
-                  <a:noFill/>
-                </a14:hiddenFill>
-              </a:ext>
-              <a:ext uri="{AF507438-7753-43E0-B8FC-AC1667EBCBE1}">
-                <a14:hiddenEffects xmlns:a14="http://schemas.microsoft.com/office/drawing/2010/main">
-                  <a:effectLst>
-                    <a:outerShdw dist="35921" dir="2700000" algn="ctr" rotWithShape="0">
-                      <a:schemeClr val="bg2"/>
-                    </a:outerShdw>
-                  </a:effectLst>
-                </a14:hiddenEffects>
-              </a:ext>
-            </a:extLst>
-          </p:spPr>
-        </p:cxnSp>
-        <p:cxnSp>
-          <p:nvCxnSpPr>
-            <p:cNvPr id="258071" name="AutoShape 23">
-              <a:extLst>
-                <a:ext uri="{FF2B5EF4-FFF2-40B4-BE49-F238E27FC236}">
-                  <a16:creationId xmlns:a16="http://schemas.microsoft.com/office/drawing/2014/main" id="{F5F6CEE1-FD96-1C86-1238-EE420FE60059}"/>
-                </a:ext>
-              </a:extLst>
-            </p:cNvPr>
-            <p:cNvCxnSpPr>
-              <a:cxnSpLocks noChangeShapeType="1"/>
-            </p:cNvCxnSpPr>
-            <p:nvPr/>
-          </p:nvCxnSpPr>
-          <p:spPr bwMode="auto">
-            <a:xfrm flipV="1">
-              <a:off x="2928" y="3616"/>
-              <a:ext cx="384" cy="240"/>
-            </a:xfrm>
-            <a:prstGeom prst="curvedConnector3">
-              <a:avLst>
-                <a:gd name="adj1" fmla="val 50000"/>
-              </a:avLst>
-            </a:prstGeom>
-            <a:noFill/>
-            <a:ln w="9525">
-              <a:solidFill>
-                <a:schemeClr val="tx1"/>
-              </a:solidFill>
-              <a:round/>
-              <a:headEnd/>
-              <a:tailEnd type="triangle" w="med" len="med"/>
-            </a:ln>
-            <a:effectLst/>
-            <a:extLst>
-              <a:ext uri="{909E8E84-426E-40DD-AFC4-6F175D3DCCD1}">
-                <a14:hiddenFill xmlns:a14="http://schemas.microsoft.com/office/drawing/2010/main">
-                  <a:noFill/>
-                </a14:hiddenFill>
-              </a:ext>
-              <a:ext uri="{AF507438-7753-43E0-B8FC-AC1667EBCBE1}">
-                <a14:hiddenEffects xmlns:a14="http://schemas.microsoft.com/office/drawing/2010/main">
-                  <a:effectLst>
-                    <a:outerShdw dist="35921" dir="2700000" algn="ctr" rotWithShape="0">
-                      <a:schemeClr val="bg2"/>
-                    </a:outerShdw>
-                  </a:effectLst>
-                </a14:hiddenEffects>
-              </a:ext>
-            </a:extLst>
-          </p:spPr>
-        </p:cxnSp>
-        <p:cxnSp>
-          <p:nvCxnSpPr>
-            <p:cNvPr id="258072" name="AutoShape 24">
-              <a:extLst>
-                <a:ext uri="{FF2B5EF4-FFF2-40B4-BE49-F238E27FC236}">
-                  <a16:creationId xmlns:a16="http://schemas.microsoft.com/office/drawing/2014/main" id="{60679F40-8973-4568-EA0F-FAFCCD01283A}"/>
-                </a:ext>
-              </a:extLst>
-            </p:cNvPr>
-            <p:cNvCxnSpPr>
-              <a:cxnSpLocks noChangeShapeType="1"/>
-            </p:cNvCxnSpPr>
-            <p:nvPr/>
-          </p:nvCxnSpPr>
-          <p:spPr bwMode="auto">
-            <a:xfrm flipV="1">
-              <a:off x="3744" y="3664"/>
-              <a:ext cx="384" cy="240"/>
-            </a:xfrm>
-            <a:prstGeom prst="curvedConnector3">
-              <a:avLst>
-                <a:gd name="adj1" fmla="val 50000"/>
-              </a:avLst>
-            </a:prstGeom>
-            <a:noFill/>
-            <a:ln w="9525">
-              <a:solidFill>
-                <a:schemeClr val="tx1"/>
-              </a:solidFill>
-              <a:round/>
-              <a:headEnd/>
-              <a:tailEnd type="triangle" w="med" len="med"/>
-            </a:ln>
-            <a:effectLst/>
-            <a:extLst>
-              <a:ext uri="{909E8E84-426E-40DD-AFC4-6F175D3DCCD1}">
-                <a14:hiddenFill xmlns:a14="http://schemas.microsoft.com/office/drawing/2010/main">
-                  <a:noFill/>
-                </a14:hiddenFill>
-              </a:ext>
-              <a:ext uri="{AF507438-7753-43E0-B8FC-AC1667EBCBE1}">
-                <a14:hiddenEffects xmlns:a14="http://schemas.microsoft.com/office/drawing/2010/main">
-                  <a:effectLst>
-                    <a:outerShdw dist="35921" dir="2700000" algn="ctr" rotWithShape="0">
-                      <a:schemeClr val="bg2"/>
-                    </a:outerShdw>
-                  </a:effectLst>
-                </a14:hiddenEffects>
-              </a:ext>
-            </a:extLst>
-          </p:spPr>
-        </p:cxnSp>
-        <p:cxnSp>
-          <p:nvCxnSpPr>
-            <p:cNvPr id="258073" name="AutoShape 25">
-              <a:extLst>
-                <a:ext uri="{FF2B5EF4-FFF2-40B4-BE49-F238E27FC236}">
-                  <a16:creationId xmlns:a16="http://schemas.microsoft.com/office/drawing/2014/main" id="{4ADCD577-FFB8-7324-39F5-CD2312364A43}"/>
-                </a:ext>
-              </a:extLst>
-            </p:cNvPr>
-            <p:cNvCxnSpPr>
-              <a:cxnSpLocks noChangeShapeType="1"/>
-            </p:cNvCxnSpPr>
-            <p:nvPr/>
-          </p:nvCxnSpPr>
-          <p:spPr bwMode="auto">
-            <a:xfrm flipV="1">
-              <a:off x="4560" y="3616"/>
-              <a:ext cx="384" cy="240"/>
-            </a:xfrm>
-            <a:prstGeom prst="curvedConnector3">
-              <a:avLst>
-                <a:gd name="adj1" fmla="val 50000"/>
-              </a:avLst>
-            </a:prstGeom>
-            <a:noFill/>
-            <a:ln w="9525">
-              <a:solidFill>
-                <a:schemeClr val="tx1"/>
-              </a:solidFill>
-              <a:round/>
-              <a:headEnd/>
-              <a:tailEnd type="triangle" w="med" len="med"/>
-            </a:ln>
-            <a:effectLst/>
-            <a:extLst>
-              <a:ext uri="{909E8E84-426E-40DD-AFC4-6F175D3DCCD1}">
-                <a14:hiddenFill xmlns:a14="http://schemas.microsoft.com/office/drawing/2010/main">
-                  <a:noFill/>
-                </a14:hiddenFill>
-              </a:ext>
-              <a:ext uri="{AF507438-7753-43E0-B8FC-AC1667EBCBE1}">
-                <a14:hiddenEffects xmlns:a14="http://schemas.microsoft.com/office/drawing/2010/main">
-                  <a:effectLst>
-                    <a:outerShdw dist="35921" dir="2700000" algn="ctr" rotWithShape="0">
-                      <a:schemeClr val="bg2"/>
-                    </a:outerShdw>
-                  </a:effectLst>
-                </a14:hiddenEffects>
-              </a:ext>
-            </a:extLst>
-          </p:spPr>
-        </p:cxnSp>
-        <p:sp>
-          <p:nvSpPr>
-            <p:cNvPr id="258074" name="Text Box 26">
-              <a:extLst>
-                <a:ext uri="{FF2B5EF4-FFF2-40B4-BE49-F238E27FC236}">
-                  <a16:creationId xmlns:a16="http://schemas.microsoft.com/office/drawing/2014/main" id="{3B5AD8DB-6CCC-2F57-6947-469F9D68D24A}"/>
-                </a:ext>
-              </a:extLst>
-            </p:cNvPr>
-            <p:cNvSpPr txBox="1">
-              <a:spLocks noChangeArrowheads="1"/>
-            </p:cNvSpPr>
-            <p:nvPr/>
-          </p:nvSpPr>
-          <p:spPr bwMode="auto">
-            <a:xfrm>
-              <a:off x="4944" y="3452"/>
-              <a:ext cx="432" cy="404"/>
-            </a:xfrm>
-            <a:prstGeom prst="rect">
-              <a:avLst/>
-            </a:prstGeom>
-            <a:noFill/>
-            <a:ln>
-              <a:noFill/>
-            </a:ln>
-            <a:effectLst/>
-            <a:extLst>
-              <a:ext uri="{909E8E84-426E-40DD-AFC4-6F175D3DCCD1}">
-                <a14:hiddenFill xmlns:a14="http://schemas.microsoft.com/office/drawing/2010/main">
-                  <a:solidFill>
-                    <a:schemeClr val="accent1"/>
-                  </a:solidFill>
-                </a14:hiddenFill>
-              </a:ext>
-              <a:ext uri="{91240B29-F687-4F45-9708-019B960494DF}">
-                <a14:hiddenLine xmlns:a14="http://schemas.microsoft.com/office/drawing/2010/main" w="9525">
-                  <a:solidFill>
-                    <a:schemeClr val="tx1"/>
-                  </a:solidFill>
-                  <a:miter lim="800000"/>
-                  <a:headEnd/>
-                  <a:tailEnd/>
-                </a14:hiddenLine>
-              </a:ext>
-              <a:ext uri="{AF507438-7753-43E0-B8FC-AC1667EBCBE1}">
-                <a14:hiddenEffects xmlns:a14="http://schemas.microsoft.com/office/drawing/2010/main">
-                  <a:effectLst>
-                    <a:outerShdw dist="35921" dir="2700000" algn="ctr" rotWithShape="0">
-                      <a:schemeClr val="bg2"/>
-                    </a:outerShdw>
-                  </a:effectLst>
-                </a14:hiddenEffects>
-              </a:ext>
-            </a:extLst>
-          </p:spPr>
-          <p:txBody>
-            <a:bodyPr>
-              <a:spAutoFit/>
-            </a:bodyPr>
-            <a:lstStyle/>
-            <a:p>
-              <a:pPr>
-                <a:spcBef>
-                  <a:spcPct val="50000"/>
-                </a:spcBef>
-              </a:pPr>
-              <a:r>
-                <a:rPr lang="en-US" altLang="zh-CN" sz="3600">
-                  <a:latin typeface="Arial" panose="020B0604020202020204" pitchFamily="34" charset="0"/>
-                </a:rPr>
-                <a:t>…</a:t>
-              </a:r>
-              <a:endParaRPr lang="en-US" altLang="zh-CN" sz="3600"/>
-            </a:p>
-          </p:txBody>
-        </p:sp>
-      </p:grpSp>
-      <p:sp>
-        <p:nvSpPr>
-          <p:cNvPr id="258075" name="AutoShape 27">
-            <a:extLst>
-              <a:ext uri="{FF2B5EF4-FFF2-40B4-BE49-F238E27FC236}">
-                <a16:creationId xmlns:a16="http://schemas.microsoft.com/office/drawing/2014/main" id="{90270608-561D-2FC2-191C-A0F6911829F7}"/>
-              </a:ext>
-            </a:extLst>
-          </p:cNvPr>
-          <p:cNvSpPr>
-            <a:spLocks noChangeArrowheads="1"/>
-          </p:cNvSpPr>
-          <p:nvPr/>
-        </p:nvSpPr>
-        <p:spPr bwMode="auto">
-          <a:xfrm>
-            <a:off x="8534400" y="5410200"/>
-            <a:ext cx="228600" cy="914400"/>
-          </a:xfrm>
-          <a:prstGeom prst="upArrow">
-            <a:avLst>
-              <a:gd name="adj1" fmla="val 50000"/>
-              <a:gd name="adj2" fmla="val 100000"/>
-            </a:avLst>
-          </a:prstGeom>
-          <a:solidFill>
-            <a:schemeClr val="hlink"/>
-          </a:solidFill>
-          <a:ln w="9525">
-            <a:solidFill>
-              <a:schemeClr val="tx1"/>
-            </a:solidFill>
-            <a:miter lim="800000"/>
-            <a:headEnd/>
-            <a:tailEnd/>
-          </a:ln>
-          <a:effectLst/>
-          <a:extLst>
-            <a:ext uri="{AF507438-7753-43E0-B8FC-AC1667EBCBE1}">
-              <a14:hiddenEffects xmlns:a14="http://schemas.microsoft.com/office/drawing/2010/main">
-                <a:effectLst>
-                  <a:outerShdw dist="35921" dir="2700000" algn="ctr" rotWithShape="0">
-                    <a:schemeClr val="bg2"/>
-                  </a:outerShdw>
-                </a:effectLst>
-              </a14:hiddenEffects>
-            </a:ext>
-          </a:extLst>
-        </p:spPr>
-        <p:txBody>
-          <a:bodyPr wrap="none" anchor="ctr"/>
-          <a:lstStyle/>
-          <a:p>
-            <a:endParaRPr lang="zh-CN" altLang="en-US"/>
-          </a:p>
-        </p:txBody>
-      </p:sp>
-    </p:spTree>
-  </p:cSld>
-  <p:clrMapOvr>
-    <a:masterClrMapping/>
-  </p:clrMapOvr>
-  <p:timing>
-    <p:tnLst>
-      <p:par>
-        <p:cTn id="1" dur="indefinite" restart="never" nodeType="tmRoot">
-          <p:childTnLst>
-            <p:seq concurrent="1" nextAc="seek">
-              <p:cTn id="2" dur="indefinite" nodeType="mainSeq">
-                <p:childTnLst>
-                  <p:par>
-                    <p:cTn id="3" fill="hold" nodeType="clickPar">
-                      <p:stCondLst>
-                        <p:cond delay="indefinite"/>
-                      </p:stCondLst>
-                      <p:childTnLst>
-                        <p:par>
-                          <p:cTn id="4" fill="hold" nodeType="withGroup">
-                            <p:stCondLst>
-                              <p:cond delay="0"/>
-                            </p:stCondLst>
-                            <p:childTnLst>
-                              <p:par>
-                                <p:cTn id="5" presetID="3" presetClass="entr" presetSubtype="10" fill="hold" nodeType="clickEffect">
-                                  <p:stCondLst>
-                                    <p:cond delay="0"/>
-                                  </p:stCondLst>
-                                  <p:childTnLst>
-                                    <p:set>
-                                      <p:cBhvr>
-                                        <p:cTn id="6" dur="1" fill="hold">
-                                          <p:stCondLst>
-                                            <p:cond delay="0"/>
-                                          </p:stCondLst>
-                                        </p:cTn>
-                                        <p:tgtEl>
-                                          <p:spTgt spid="258075"/>
-                                        </p:tgtEl>
-                                        <p:attrNameLst>
-                                          <p:attrName>style.visibility</p:attrName>
-                                        </p:attrNameLst>
-                                      </p:cBhvr>
-                                      <p:to>
-                                        <p:strVal val="visible"/>
-                                      </p:to>
-                                    </p:set>
-                                    <p:animEffect transition="in" filter="blinds(horizontal)">
-                                      <p:cBhvr>
-                                        <p:cTn id="7" dur="500"/>
-                                        <p:tgtEl>
-                                          <p:spTgt spid="258075"/>
-                                        </p:tgtEl>
-                                      </p:cBhvr>
-                                    </p:animEffect>
-                                  </p:childTnLst>
-                                </p:cTn>
-                              </p:par>
-                            </p:childTnLst>
-                          </p:cTn>
-                        </p:par>
-                      </p:childTnLst>
-                    </p:cTn>
-                  </p:par>
-                </p:childTnLst>
-              </p:cTn>
-              <p:prevCondLst>
-                <p:cond evt="onPrev" delay="0">
-                  <p:tgtEl>
-                    <p:sldTgt/>
-                  </p:tgtEl>
-                </p:cond>
-              </p:prevCondLst>
-              <p:nextCondLst>
-                <p:cond evt="onNext" delay="0">
-                  <p:tgtEl>
-                    <p:sldTgt/>
-                  </p:tgtEl>
-                </p:cond>
-              </p:nextCondLst>
-            </p:seq>
-          </p:childTnLst>
-        </p:cTn>
-      </p:par>
-    </p:tnLst>
-  </p:timing>
-</p:sld>
-</file>
-
-<file path=ppt/slides/slide29.xml><?xml version="1.0" encoding="utf-8"?>
-<p:sld xmlns:a="http://schemas.openxmlformats.org/drawingml/2006/main" xmlns:r="http://schemas.openxmlformats.org/officeDocument/2006/relationships" xmlns:p="http://schemas.openxmlformats.org/presentationml/2006/main">
-  <p:cSld>
-    <p:spTree>
-      <p:nvGrpSpPr>
-        <p:cNvPr id="1" name=""/>
-        <p:cNvGrpSpPr/>
-        <p:nvPr/>
-      </p:nvGrpSpPr>
-      <p:grpSpPr>
-        <a:xfrm>
-          <a:off x="0" y="0"/>
-          <a:ext cx="0" cy="0"/>
-          <a:chOff x="0" y="0"/>
-          <a:chExt cx="0" cy="0"/>
-        </a:xfrm>
-      </p:grpSpPr>
-      <p:sp>
-        <p:nvSpPr>
-          <p:cNvPr id="259074" name="Rectangle 2">
-            <a:extLst>
-              <a:ext uri="{FF2B5EF4-FFF2-40B4-BE49-F238E27FC236}">
-                <a16:creationId xmlns:a16="http://schemas.microsoft.com/office/drawing/2014/main" id="{FFE7D2F0-DB68-039E-C0A6-83D9FF2C797C}"/>
-              </a:ext>
-            </a:extLst>
-          </p:cNvPr>
-          <p:cNvSpPr>
-            <a:spLocks noGrp="1" noChangeArrowheads="1"/>
-          </p:cNvSpPr>
-          <p:nvPr>
-            <p:ph type="title"/>
-          </p:nvPr>
-        </p:nvSpPr>
-        <p:spPr/>
-        <p:txBody>
-          <a:bodyPr/>
-          <a:lstStyle/>
-          <a:p>
-            <a:r>
-              <a:rPr lang="en-US" altLang="zh-CN"/>
-              <a:t>Operations: </a:t>
-            </a:r>
-            <a:r>
-              <a:rPr lang="en-US" altLang="zh-CN">
-                <a:latin typeface="Arial" panose="020B0604020202020204" pitchFamily="34" charset="0"/>
-              </a:rPr>
-              <a:t>“</a:t>
-            </a:r>
-            <a:r>
-              <a:rPr lang="en-US" altLang="zh-CN"/>
-              <a:t>deQueue</a:t>
-            </a:r>
-            <a:r>
-              <a:rPr lang="en-US" altLang="zh-CN">
-                <a:latin typeface="Arial" panose="020B0604020202020204" pitchFamily="34" charset="0"/>
-              </a:rPr>
-              <a:t>”</a:t>
-            </a:r>
-            <a:endParaRPr lang="en-US" altLang="zh-CN"/>
-          </a:p>
-        </p:txBody>
-      </p:sp>
-      <p:sp>
-        <p:nvSpPr>
-          <p:cNvPr id="259075" name="Rectangle 3">
-            <a:extLst>
-              <a:ext uri="{FF2B5EF4-FFF2-40B4-BE49-F238E27FC236}">
-                <a16:creationId xmlns:a16="http://schemas.microsoft.com/office/drawing/2014/main" id="{77B31D02-9EF8-A0C7-B195-C05EC3CABD22}"/>
-              </a:ext>
-            </a:extLst>
-          </p:cNvPr>
-          <p:cNvSpPr>
-            <a:spLocks noGrp="1" noChangeArrowheads="1"/>
-          </p:cNvSpPr>
-          <p:nvPr>
-            <p:ph type="body" idx="1"/>
-          </p:nvPr>
-        </p:nvSpPr>
-        <p:spPr/>
-        <p:txBody>
-          <a:bodyPr/>
-          <a:lstStyle/>
-          <a:p>
-            <a:pPr>
-              <a:lnSpc>
-                <a:spcPct val="90000"/>
-              </a:lnSpc>
-              <a:buFont typeface="Wingdings" pitchFamily="2" charset="2"/>
-              <a:buNone/>
-            </a:pPr>
-            <a:r>
-              <a:rPr lang="en-US" altLang="zh-CN" sz="2000" b="1">
-                <a:solidFill>
-                  <a:schemeClr val="folHlink"/>
-                </a:solidFill>
-                <a:latin typeface="Courier New" panose="02070309020205020404" pitchFamily="49" charset="0"/>
-              </a:rPr>
-              <a:t>poly Queue_deQueue (Queue_t q)</a:t>
-            </a:r>
-          </a:p>
-          <a:p>
-            <a:pPr>
-              <a:lnSpc>
-                <a:spcPct val="90000"/>
-              </a:lnSpc>
-              <a:buFont typeface="Wingdings" pitchFamily="2" charset="2"/>
-              <a:buNone/>
-            </a:pPr>
-            <a:r>
-              <a:rPr lang="en-US" altLang="zh-CN" sz="2000" b="1">
-                <a:solidFill>
-                  <a:schemeClr val="folHlink"/>
-                </a:solidFill>
-                <a:latin typeface="Courier New" panose="02070309020205020404" pitchFamily="49" charset="0"/>
-              </a:rPr>
-              <a:t>{</a:t>
-            </a:r>
-          </a:p>
-          <a:p>
-            <a:pPr>
-              <a:lnSpc>
-                <a:spcPct val="90000"/>
-              </a:lnSpc>
-              <a:buFont typeface="Wingdings" pitchFamily="2" charset="2"/>
-              <a:buNone/>
-            </a:pPr>
-            <a:r>
-              <a:rPr lang="en-US" altLang="zh-CN" sz="2000" b="1">
-                <a:solidFill>
-                  <a:schemeClr val="folHlink"/>
-                </a:solidFill>
-                <a:latin typeface="Courier New" panose="02070309020205020404" pitchFamily="49" charset="0"/>
-              </a:rPr>
-              <a:t>  if (LinkedList_isEmpty (q-&gt;l))</a:t>
-            </a:r>
-          </a:p>
-          <a:p>
-            <a:pPr>
-              <a:lnSpc>
-                <a:spcPct val="90000"/>
-              </a:lnSpc>
-              <a:buFont typeface="Wingdings" pitchFamily="2" charset="2"/>
-              <a:buNone/>
-            </a:pPr>
-            <a:r>
-              <a:rPr lang="en-US" altLang="zh-CN" sz="2000" b="1">
-                <a:solidFill>
-                  <a:schemeClr val="folHlink"/>
-                </a:solidFill>
-                <a:latin typeface="Courier New" panose="02070309020205020404" pitchFamily="49" charset="0"/>
-              </a:rPr>
-              <a:t>    error (“empty queue”); </a:t>
-            </a:r>
-          </a:p>
-          <a:p>
-            <a:pPr>
-              <a:lnSpc>
-                <a:spcPct val="90000"/>
-              </a:lnSpc>
-              <a:buFont typeface="Wingdings" pitchFamily="2" charset="2"/>
-              <a:buNone/>
-            </a:pPr>
-            <a:r>
-              <a:rPr lang="en-US" altLang="zh-CN" sz="2000" b="1">
-                <a:solidFill>
-                  <a:schemeClr val="folHlink"/>
-                </a:solidFill>
-                <a:latin typeface="Courier New" panose="02070309020205020404" pitchFamily="49" charset="0"/>
-              </a:rPr>
-              <a:t>	return LinkedList_deleteFirst (q-&gt;l);</a:t>
-            </a:r>
-          </a:p>
-          <a:p>
-            <a:pPr>
-              <a:lnSpc>
-                <a:spcPct val="90000"/>
-              </a:lnSpc>
-              <a:buFont typeface="Wingdings" pitchFamily="2" charset="2"/>
-              <a:buNone/>
-            </a:pPr>
-            <a:r>
-              <a:rPr lang="en-US" altLang="zh-CN" sz="2000" b="1">
-                <a:solidFill>
-                  <a:schemeClr val="folHlink"/>
-                </a:solidFill>
-                <a:latin typeface="Courier New" panose="02070309020205020404" pitchFamily="49" charset="0"/>
-              </a:rPr>
-              <a:t>}</a:t>
-            </a:r>
-          </a:p>
-          <a:p>
-            <a:pPr>
-              <a:lnSpc>
-                <a:spcPct val="90000"/>
-              </a:lnSpc>
-              <a:buFont typeface="Wingdings" pitchFamily="2" charset="2"/>
-              <a:buNone/>
-            </a:pPr>
-            <a:endParaRPr lang="en-US" altLang="zh-CN" sz="2000">
-              <a:solidFill>
-                <a:schemeClr val="folHlink"/>
-              </a:solidFill>
-            </a:endParaRPr>
-          </a:p>
-        </p:txBody>
-      </p:sp>
-      <p:grpSp>
-        <p:nvGrpSpPr>
-          <p:cNvPr id="259076" name="Group 4">
-            <a:extLst>
-              <a:ext uri="{FF2B5EF4-FFF2-40B4-BE49-F238E27FC236}">
-                <a16:creationId xmlns:a16="http://schemas.microsoft.com/office/drawing/2014/main" id="{7D1BAE4B-3B5D-07BB-AB18-24EAB8889DF8}"/>
-              </a:ext>
-            </a:extLst>
-          </p:cNvPr>
-          <p:cNvGrpSpPr>
-            <a:grpSpLocks/>
-          </p:cNvGrpSpPr>
-          <p:nvPr/>
-        </p:nvGrpSpPr>
-        <p:grpSpPr bwMode="auto">
-          <a:xfrm>
-            <a:off x="685800" y="5156200"/>
-            <a:ext cx="7848600" cy="1016000"/>
-            <a:chOff x="432" y="3360"/>
-            <a:chExt cx="4944" cy="640"/>
-          </a:xfrm>
-        </p:grpSpPr>
-        <p:grpSp>
-          <p:nvGrpSpPr>
-            <p:cNvPr id="259077" name="Group 5">
-              <a:extLst>
-                <a:ext uri="{FF2B5EF4-FFF2-40B4-BE49-F238E27FC236}">
-                  <a16:creationId xmlns:a16="http://schemas.microsoft.com/office/drawing/2014/main" id="{1CEFB0A6-0998-3205-9D92-D188CDBCBD4A}"/>
-                </a:ext>
-              </a:extLst>
-            </p:cNvPr>
-            <p:cNvGrpSpPr>
-              <a:grpSpLocks/>
-            </p:cNvGrpSpPr>
-            <p:nvPr/>
-          </p:nvGrpSpPr>
-          <p:grpSpPr bwMode="auto">
-            <a:xfrm>
-              <a:off x="432" y="3360"/>
-              <a:ext cx="1248" cy="432"/>
-              <a:chOff x="2160" y="2928"/>
-              <a:chExt cx="1248" cy="432"/>
-            </a:xfrm>
-          </p:grpSpPr>
-          <p:sp>
-            <p:nvSpPr>
-              <p:cNvPr id="259078" name="Rectangle 6">
-                <a:extLst>
-                  <a:ext uri="{FF2B5EF4-FFF2-40B4-BE49-F238E27FC236}">
-                    <a16:creationId xmlns:a16="http://schemas.microsoft.com/office/drawing/2014/main" id="{C64EFB9D-217E-F632-65E8-106349120BAB}"/>
-                  </a:ext>
-                </a:extLst>
-              </p:cNvPr>
-              <p:cNvSpPr>
-                <a:spLocks noChangeArrowheads="1"/>
-              </p:cNvSpPr>
-              <p:nvPr/>
-            </p:nvSpPr>
-            <p:spPr bwMode="auto">
-              <a:xfrm>
-                <a:off x="2640" y="3072"/>
-                <a:ext cx="480" cy="288"/>
-              </a:xfrm>
-              <a:prstGeom prst="rect">
-                <a:avLst/>
-              </a:prstGeom>
-              <a:solidFill>
-                <a:schemeClr val="accent1"/>
-              </a:solidFill>
-              <a:ln w="9525">
-                <a:solidFill>
-                  <a:schemeClr val="tx1"/>
-                </a:solidFill>
-                <a:miter lim="800000"/>
-                <a:headEnd/>
-                <a:tailEnd/>
-              </a:ln>
-              <a:effectLst/>
-              <a:extLst>
-                <a:ext uri="{AF507438-7753-43E0-B8FC-AC1667EBCBE1}">
-                  <a14:hiddenEffects xmlns:a14="http://schemas.microsoft.com/office/drawing/2010/main">
-                    <a:effectLst>
-                      <a:outerShdw dist="35921" dir="2700000" algn="ctr" rotWithShape="0">
-                        <a:schemeClr val="bg2"/>
-                      </a:outerShdw>
-                    </a:effectLst>
-                  </a14:hiddenEffects>
-                </a:ext>
-              </a:extLst>
-            </p:spPr>
-            <p:txBody>
-              <a:bodyPr wrap="none" anchor="ctr"/>
-              <a:lstStyle/>
-              <a:p>
-                <a:pPr algn="ctr"/>
-                <a:r>
-                  <a:rPr lang="en-US" altLang="zh-CN" sz="2000"/>
-                  <a:t>l</a:t>
-                </a:r>
-              </a:p>
-            </p:txBody>
-          </p:sp>
-          <p:sp>
-            <p:nvSpPr>
-              <p:cNvPr id="259079" name="Text Box 7">
-                <a:extLst>
-                  <a:ext uri="{FF2B5EF4-FFF2-40B4-BE49-F238E27FC236}">
-                    <a16:creationId xmlns:a16="http://schemas.microsoft.com/office/drawing/2014/main" id="{9C18F75F-2BA0-11EB-CD91-C456BD3ABA40}"/>
-                  </a:ext>
-                </a:extLst>
-              </p:cNvPr>
-              <p:cNvSpPr txBox="1">
-                <a:spLocks noChangeArrowheads="1"/>
-              </p:cNvSpPr>
-              <p:nvPr/>
-            </p:nvSpPr>
-            <p:spPr bwMode="auto">
-              <a:xfrm>
-                <a:off x="2160" y="2928"/>
-                <a:ext cx="432" cy="250"/>
-              </a:xfrm>
-              <a:prstGeom prst="rect">
-                <a:avLst/>
-              </a:prstGeom>
-              <a:noFill/>
-              <a:ln>
-                <a:noFill/>
-              </a:ln>
-              <a:effectLst/>
-              <a:extLst>
-                <a:ext uri="{909E8E84-426E-40DD-AFC4-6F175D3DCCD1}">
-                  <a14:hiddenFill xmlns:a14="http://schemas.microsoft.com/office/drawing/2010/main">
-                    <a:solidFill>
-                      <a:schemeClr val="accent1"/>
-                    </a:solidFill>
-                  </a14:hiddenFill>
-                </a:ext>
-                <a:ext uri="{91240B29-F687-4F45-9708-019B960494DF}">
-                  <a14:hiddenLine xmlns:a14="http://schemas.microsoft.com/office/drawing/2010/main" w="9525">
-                    <a:solidFill>
-                      <a:schemeClr val="tx1"/>
-                    </a:solidFill>
-                    <a:miter lim="800000"/>
-                    <a:headEnd/>
-                    <a:tailEnd/>
-                  </a14:hiddenLine>
-                </a:ext>
-                <a:ext uri="{AF507438-7753-43E0-B8FC-AC1667EBCBE1}">
-                  <a14:hiddenEffects xmlns:a14="http://schemas.microsoft.com/office/drawing/2010/main">
-                    <a:effectLst>
-                      <a:outerShdw dist="35921" dir="2700000" algn="ctr" rotWithShape="0">
-                        <a:schemeClr val="bg2"/>
-                      </a:outerShdw>
-                    </a:effectLst>
-                  </a14:hiddenEffects>
-                </a:ext>
-              </a:extLst>
-            </p:spPr>
-            <p:txBody>
-              <a:bodyPr>
-                <a:spAutoFit/>
-              </a:bodyPr>
-              <a:lstStyle/>
-              <a:p>
-                <a:pPr>
-                  <a:spcBef>
-                    <a:spcPct val="50000"/>
-                  </a:spcBef>
-                </a:pPr>
-                <a:r>
-                  <a:rPr lang="en-US" altLang="zh-CN" sz="2000"/>
-                  <a:t>q</a:t>
-                </a:r>
-              </a:p>
-            </p:txBody>
-          </p:sp>
-          <p:sp>
-            <p:nvSpPr>
-              <p:cNvPr id="259080" name="Line 8">
-                <a:extLst>
-                  <a:ext uri="{FF2B5EF4-FFF2-40B4-BE49-F238E27FC236}">
-                    <a16:creationId xmlns:a16="http://schemas.microsoft.com/office/drawing/2014/main" id="{F981335D-4C5B-DE7D-279F-FA0D71D3DAA1}"/>
-                  </a:ext>
-                </a:extLst>
-              </p:cNvPr>
-              <p:cNvSpPr>
-                <a:spLocks noChangeShapeType="1"/>
-              </p:cNvSpPr>
-              <p:nvPr/>
-            </p:nvSpPr>
-            <p:spPr bwMode="auto">
-              <a:xfrm>
-                <a:off x="2160" y="3168"/>
-                <a:ext cx="480" cy="0"/>
-              </a:xfrm>
-              <a:prstGeom prst="line">
-                <a:avLst/>
-              </a:prstGeom>
-              <a:noFill/>
-              <a:ln w="9525">
-                <a:solidFill>
-                  <a:schemeClr val="tx1"/>
-                </a:solidFill>
-                <a:round/>
-                <a:headEnd/>
-                <a:tailEnd type="triangle" w="med" len="med"/>
-              </a:ln>
-              <a:effectLst/>
-              <a:extLst>
-                <a:ext uri="{909E8E84-426E-40DD-AFC4-6F175D3DCCD1}">
-                  <a14:hiddenFill xmlns:a14="http://schemas.microsoft.com/office/drawing/2010/main">
-                    <a:noFill/>
-                  </a14:hiddenFill>
-                </a:ext>
-                <a:ext uri="{AF507438-7753-43E0-B8FC-AC1667EBCBE1}">
-                  <a14:hiddenEffects xmlns:a14="http://schemas.microsoft.com/office/drawing/2010/main">
-                    <a:effectLst>
-                      <a:outerShdw dist="35921" dir="2700000" algn="ctr" rotWithShape="0">
-                        <a:schemeClr val="bg2"/>
-                      </a:outerShdw>
-                    </a:effectLst>
-                  </a14:hiddenEffects>
-                </a:ext>
-              </a:extLst>
-            </p:spPr>
-            <p:txBody>
-              <a:bodyPr/>
-              <a:lstStyle/>
-              <a:p>
-                <a:endParaRPr lang="zh-CN" altLang="en-US"/>
-              </a:p>
-            </p:txBody>
-          </p:sp>
-          <p:sp>
-            <p:nvSpPr>
-              <p:cNvPr id="259081" name="Line 9">
-                <a:extLst>
-                  <a:ext uri="{FF2B5EF4-FFF2-40B4-BE49-F238E27FC236}">
-                    <a16:creationId xmlns:a16="http://schemas.microsoft.com/office/drawing/2014/main" id="{B3722FC0-C354-E937-DA64-A008132FC35D}"/>
-                  </a:ext>
-                </a:extLst>
-              </p:cNvPr>
-              <p:cNvSpPr>
-                <a:spLocks noChangeShapeType="1"/>
-              </p:cNvSpPr>
-              <p:nvPr/>
-            </p:nvSpPr>
-            <p:spPr bwMode="auto">
-              <a:xfrm>
-                <a:off x="3120" y="3216"/>
-                <a:ext cx="288" cy="0"/>
-              </a:xfrm>
-              <a:prstGeom prst="line">
-                <a:avLst/>
-              </a:prstGeom>
-              <a:noFill/>
-              <a:ln w="9525">
-                <a:solidFill>
-                  <a:schemeClr val="tx1"/>
-                </a:solidFill>
-                <a:round/>
-                <a:headEnd/>
-                <a:tailEnd type="triangle" w="med" len="med"/>
-              </a:ln>
-              <a:effectLst/>
-              <a:extLst>
-                <a:ext uri="{909E8E84-426E-40DD-AFC4-6F175D3DCCD1}">
-                  <a14:hiddenFill xmlns:a14="http://schemas.microsoft.com/office/drawing/2010/main">
-                    <a:noFill/>
-                  </a14:hiddenFill>
-                </a:ext>
-                <a:ext uri="{AF507438-7753-43E0-B8FC-AC1667EBCBE1}">
-                  <a14:hiddenEffects xmlns:a14="http://schemas.microsoft.com/office/drawing/2010/main">
-                    <a:effectLst>
-                      <a:outerShdw dist="35921" dir="2700000" algn="ctr" rotWithShape="0">
-                        <a:schemeClr val="bg2"/>
-                      </a:outerShdw>
-                    </a:effectLst>
-                  </a14:hiddenEffects>
-                </a:ext>
-              </a:extLst>
-            </p:spPr>
-            <p:txBody>
-              <a:bodyPr/>
-              <a:lstStyle/>
-              <a:p>
-                <a:endParaRPr lang="zh-CN" altLang="en-US"/>
-              </a:p>
-            </p:txBody>
-          </p:sp>
-        </p:grpSp>
-        <p:grpSp>
-          <p:nvGrpSpPr>
-            <p:cNvPr id="259082" name="Group 10">
-              <a:extLst>
-                <a:ext uri="{FF2B5EF4-FFF2-40B4-BE49-F238E27FC236}">
-                  <a16:creationId xmlns:a16="http://schemas.microsoft.com/office/drawing/2014/main" id="{63F84E80-D8DB-EDC8-4FC7-8F77AAD023B4}"/>
-                </a:ext>
-              </a:extLst>
-            </p:cNvPr>
-            <p:cNvGrpSpPr>
-              <a:grpSpLocks/>
-            </p:cNvGrpSpPr>
-            <p:nvPr/>
-          </p:nvGrpSpPr>
-          <p:grpSpPr bwMode="auto">
-            <a:xfrm>
-              <a:off x="1680" y="3520"/>
-              <a:ext cx="432" cy="480"/>
-              <a:chOff x="1488" y="1968"/>
-              <a:chExt cx="432" cy="480"/>
-            </a:xfrm>
-          </p:grpSpPr>
-          <p:sp>
-            <p:nvSpPr>
-              <p:cNvPr id="259083" name="Rectangle 11">
-                <a:extLst>
-                  <a:ext uri="{FF2B5EF4-FFF2-40B4-BE49-F238E27FC236}">
-                    <a16:creationId xmlns:a16="http://schemas.microsoft.com/office/drawing/2014/main" id="{950376DD-3493-6835-C372-B05B7E3C0815}"/>
-                  </a:ext>
-                </a:extLst>
-              </p:cNvPr>
-              <p:cNvSpPr>
-                <a:spLocks noChangeArrowheads="1"/>
-              </p:cNvSpPr>
-              <p:nvPr/>
-            </p:nvSpPr>
-            <p:spPr bwMode="auto">
-              <a:xfrm>
-                <a:off x="1488" y="1968"/>
-                <a:ext cx="432" cy="240"/>
-              </a:xfrm>
-              <a:prstGeom prst="rect">
-                <a:avLst/>
-              </a:prstGeom>
-              <a:solidFill>
-                <a:srgbClr val="FF9966"/>
-              </a:solidFill>
-              <a:ln w="9525">
-                <a:solidFill>
-                  <a:schemeClr val="tx1"/>
-                </a:solidFill>
-                <a:miter lim="800000"/>
-                <a:headEnd/>
-                <a:tailEnd/>
-              </a:ln>
-              <a:effectLst/>
-              <a:extLst>
-                <a:ext uri="{AF507438-7753-43E0-B8FC-AC1667EBCBE1}">
-                  <a14:hiddenEffects xmlns:a14="http://schemas.microsoft.com/office/drawing/2010/main">
-                    <a:effectLst>
-                      <a:outerShdw dist="35921" dir="2700000" algn="ctr" rotWithShape="0">
-                        <a:schemeClr val="bg2"/>
-                      </a:outerShdw>
-                    </a:effectLst>
-                  </a14:hiddenEffects>
-                </a:ext>
-              </a:extLst>
-            </p:spPr>
-            <p:txBody>
-              <a:bodyPr wrap="none" anchor="ctr"/>
-              <a:lstStyle/>
-              <a:p>
-                <a:endParaRPr lang="zh-CN" altLang="en-US"/>
-              </a:p>
-            </p:txBody>
-          </p:sp>
-          <p:sp>
-            <p:nvSpPr>
-              <p:cNvPr id="259084" name="Rectangle 12">
-                <a:extLst>
-                  <a:ext uri="{FF2B5EF4-FFF2-40B4-BE49-F238E27FC236}">
-                    <a16:creationId xmlns:a16="http://schemas.microsoft.com/office/drawing/2014/main" id="{5F26CBB0-2A48-39A3-7D00-EA535C476DF2}"/>
-                  </a:ext>
-                </a:extLst>
-              </p:cNvPr>
-              <p:cNvSpPr>
-                <a:spLocks noChangeArrowheads="1"/>
-              </p:cNvSpPr>
-              <p:nvPr/>
-            </p:nvSpPr>
-            <p:spPr bwMode="auto">
-              <a:xfrm>
-                <a:off x="1488" y="2208"/>
-                <a:ext cx="432" cy="240"/>
-              </a:xfrm>
-              <a:prstGeom prst="rect">
-                <a:avLst/>
-              </a:prstGeom>
-              <a:solidFill>
-                <a:srgbClr val="FF9966"/>
-              </a:solidFill>
-              <a:ln w="9525">
-                <a:solidFill>
-                  <a:schemeClr val="tx1"/>
-                </a:solidFill>
-                <a:miter lim="800000"/>
-                <a:headEnd/>
-                <a:tailEnd/>
-              </a:ln>
-              <a:effectLst/>
-              <a:extLst>
-                <a:ext uri="{AF507438-7753-43E0-B8FC-AC1667EBCBE1}">
-                  <a14:hiddenEffects xmlns:a14="http://schemas.microsoft.com/office/drawing/2010/main">
-                    <a:effectLst>
-                      <a:outerShdw dist="35921" dir="2700000" algn="ctr" rotWithShape="0">
-                        <a:schemeClr val="bg2"/>
-                      </a:outerShdw>
-                    </a:effectLst>
-                  </a14:hiddenEffects>
-                </a:ext>
-              </a:extLst>
-            </p:spPr>
-            <p:txBody>
-              <a:bodyPr wrap="none" anchor="ctr"/>
-              <a:lstStyle/>
-              <a:p>
-                <a:endParaRPr lang="zh-CN" altLang="en-US"/>
-              </a:p>
-            </p:txBody>
-          </p:sp>
-        </p:grpSp>
-        <p:grpSp>
-          <p:nvGrpSpPr>
-            <p:cNvPr id="259085" name="Group 13">
-              <a:extLst>
-                <a:ext uri="{FF2B5EF4-FFF2-40B4-BE49-F238E27FC236}">
-                  <a16:creationId xmlns:a16="http://schemas.microsoft.com/office/drawing/2014/main" id="{72C60F35-0B5A-C284-E690-2C34E46E3AA6}"/>
-                </a:ext>
-              </a:extLst>
-            </p:cNvPr>
-            <p:cNvGrpSpPr>
-              <a:grpSpLocks/>
-            </p:cNvGrpSpPr>
-            <p:nvPr/>
-          </p:nvGrpSpPr>
-          <p:grpSpPr bwMode="auto">
-            <a:xfrm>
-              <a:off x="2496" y="3520"/>
-              <a:ext cx="432" cy="480"/>
-              <a:chOff x="1488" y="1968"/>
-              <a:chExt cx="432" cy="480"/>
-            </a:xfrm>
-          </p:grpSpPr>
-          <p:sp>
-            <p:nvSpPr>
-              <p:cNvPr id="259086" name="Rectangle 14">
-                <a:extLst>
-                  <a:ext uri="{FF2B5EF4-FFF2-40B4-BE49-F238E27FC236}">
-                    <a16:creationId xmlns:a16="http://schemas.microsoft.com/office/drawing/2014/main" id="{39CB2040-1D98-6CA1-F27A-C173A2F5167E}"/>
-                  </a:ext>
-                </a:extLst>
-              </p:cNvPr>
-              <p:cNvSpPr>
-                <a:spLocks noChangeArrowheads="1"/>
-              </p:cNvSpPr>
-              <p:nvPr/>
-            </p:nvSpPr>
-            <p:spPr bwMode="auto">
-              <a:xfrm>
-                <a:off x="1488" y="1968"/>
-                <a:ext cx="432" cy="240"/>
-              </a:xfrm>
-              <a:prstGeom prst="rect">
-                <a:avLst/>
-              </a:prstGeom>
-              <a:solidFill>
-                <a:schemeClr val="accent2"/>
-              </a:solidFill>
-              <a:ln w="9525">
-                <a:solidFill>
-                  <a:schemeClr val="tx1"/>
-                </a:solidFill>
-                <a:miter lim="800000"/>
-                <a:headEnd/>
-                <a:tailEnd/>
-              </a:ln>
-              <a:effectLst/>
-              <a:extLst>
-                <a:ext uri="{AF507438-7753-43E0-B8FC-AC1667EBCBE1}">
-                  <a14:hiddenEffects xmlns:a14="http://schemas.microsoft.com/office/drawing/2010/main">
-                    <a:effectLst>
-                      <a:outerShdw dist="35921" dir="2700000" algn="ctr" rotWithShape="0">
-                        <a:schemeClr val="bg2"/>
-                      </a:outerShdw>
-                    </a:effectLst>
-                  </a14:hiddenEffects>
-                </a:ext>
-              </a:extLst>
-            </p:spPr>
-            <p:txBody>
-              <a:bodyPr wrap="none" anchor="ctr"/>
-              <a:lstStyle/>
-              <a:p>
-                <a:pPr algn="ctr"/>
-                <a:r>
-                  <a:rPr lang="en-US" altLang="zh-CN" sz="2000"/>
-                  <a:t>data</a:t>
-                </a:r>
-              </a:p>
-            </p:txBody>
-          </p:sp>
-          <p:sp>
-            <p:nvSpPr>
-              <p:cNvPr id="259087" name="Rectangle 15">
-                <a:extLst>
-                  <a:ext uri="{FF2B5EF4-FFF2-40B4-BE49-F238E27FC236}">
-                    <a16:creationId xmlns:a16="http://schemas.microsoft.com/office/drawing/2014/main" id="{1009D8CD-3F06-FBE9-B8C6-AF484BC21410}"/>
-                  </a:ext>
-                </a:extLst>
-              </p:cNvPr>
-              <p:cNvSpPr>
-                <a:spLocks noChangeArrowheads="1"/>
-              </p:cNvSpPr>
-              <p:nvPr/>
-            </p:nvSpPr>
-            <p:spPr bwMode="auto">
-              <a:xfrm>
-                <a:off x="1488" y="2208"/>
-                <a:ext cx="432" cy="240"/>
-              </a:xfrm>
-              <a:prstGeom prst="rect">
-                <a:avLst/>
-              </a:prstGeom>
-              <a:solidFill>
-                <a:schemeClr val="accent1"/>
-              </a:solidFill>
-              <a:ln w="9525">
-                <a:solidFill>
-                  <a:schemeClr val="tx1"/>
-                </a:solidFill>
-                <a:miter lim="800000"/>
-                <a:headEnd/>
-                <a:tailEnd/>
-              </a:ln>
-              <a:effectLst/>
-              <a:extLst>
-                <a:ext uri="{AF507438-7753-43E0-B8FC-AC1667EBCBE1}">
-                  <a14:hiddenEffects xmlns:a14="http://schemas.microsoft.com/office/drawing/2010/main">
-                    <a:effectLst>
-                      <a:outerShdw dist="35921" dir="2700000" algn="ctr" rotWithShape="0">
-                        <a:schemeClr val="bg2"/>
-                      </a:outerShdw>
-                    </a:effectLst>
-                  </a14:hiddenEffects>
-                </a:ext>
-              </a:extLst>
-            </p:spPr>
-            <p:txBody>
-              <a:bodyPr wrap="none" anchor="ctr"/>
-              <a:lstStyle/>
-              <a:p>
-                <a:pPr algn="ctr"/>
-                <a:r>
-                  <a:rPr lang="en-US" altLang="zh-CN" sz="2000"/>
-                  <a:t>next</a:t>
-                </a:r>
-              </a:p>
-            </p:txBody>
-          </p:sp>
-        </p:grpSp>
-        <p:grpSp>
-          <p:nvGrpSpPr>
-            <p:cNvPr id="259088" name="Group 16">
-              <a:extLst>
-                <a:ext uri="{FF2B5EF4-FFF2-40B4-BE49-F238E27FC236}">
-                  <a16:creationId xmlns:a16="http://schemas.microsoft.com/office/drawing/2014/main" id="{93025182-D273-FA2E-2857-8D89C5DE3F21}"/>
-                </a:ext>
-              </a:extLst>
-            </p:cNvPr>
-            <p:cNvGrpSpPr>
-              <a:grpSpLocks/>
-            </p:cNvGrpSpPr>
-            <p:nvPr/>
-          </p:nvGrpSpPr>
-          <p:grpSpPr bwMode="auto">
-            <a:xfrm>
-              <a:off x="3312" y="3520"/>
-              <a:ext cx="432" cy="480"/>
-              <a:chOff x="1488" y="1968"/>
-              <a:chExt cx="432" cy="480"/>
-            </a:xfrm>
-          </p:grpSpPr>
-          <p:sp>
-            <p:nvSpPr>
-              <p:cNvPr id="259089" name="Rectangle 17">
-                <a:extLst>
-                  <a:ext uri="{FF2B5EF4-FFF2-40B4-BE49-F238E27FC236}">
-                    <a16:creationId xmlns:a16="http://schemas.microsoft.com/office/drawing/2014/main" id="{D203A545-0F31-10EF-2739-D37A938D7FE6}"/>
-                  </a:ext>
-                </a:extLst>
-              </p:cNvPr>
-              <p:cNvSpPr>
-                <a:spLocks noChangeArrowheads="1"/>
-              </p:cNvSpPr>
-              <p:nvPr/>
-            </p:nvSpPr>
-            <p:spPr bwMode="auto">
-              <a:xfrm>
-                <a:off x="1488" y="1968"/>
-                <a:ext cx="432" cy="240"/>
-              </a:xfrm>
-              <a:prstGeom prst="rect">
-                <a:avLst/>
-              </a:prstGeom>
-              <a:solidFill>
-                <a:schemeClr val="accent2"/>
-              </a:solidFill>
-              <a:ln w="9525">
-                <a:solidFill>
-                  <a:schemeClr val="tx1"/>
-                </a:solidFill>
-                <a:miter lim="800000"/>
-                <a:headEnd/>
-                <a:tailEnd/>
-              </a:ln>
-              <a:effectLst/>
-              <a:extLst>
-                <a:ext uri="{AF507438-7753-43E0-B8FC-AC1667EBCBE1}">
-                  <a14:hiddenEffects xmlns:a14="http://schemas.microsoft.com/office/drawing/2010/main">
-                    <a:effectLst>
-                      <a:outerShdw dist="35921" dir="2700000" algn="ctr" rotWithShape="0">
-                        <a:schemeClr val="bg2"/>
-                      </a:outerShdw>
-                    </a:effectLst>
-                  </a14:hiddenEffects>
-                </a:ext>
-              </a:extLst>
-            </p:spPr>
-            <p:txBody>
-              <a:bodyPr wrap="none" anchor="ctr"/>
-              <a:lstStyle/>
-              <a:p>
-                <a:pPr algn="ctr"/>
-                <a:r>
-                  <a:rPr lang="en-US" altLang="zh-CN" sz="2000"/>
-                  <a:t>data</a:t>
-                </a:r>
-              </a:p>
-            </p:txBody>
-          </p:sp>
-          <p:sp>
-            <p:nvSpPr>
-              <p:cNvPr id="259090" name="Rectangle 18">
-                <a:extLst>
-                  <a:ext uri="{FF2B5EF4-FFF2-40B4-BE49-F238E27FC236}">
-                    <a16:creationId xmlns:a16="http://schemas.microsoft.com/office/drawing/2014/main" id="{575602B8-1743-E792-6CD6-3950CE1894EE}"/>
-                  </a:ext>
-                </a:extLst>
-              </p:cNvPr>
-              <p:cNvSpPr>
-                <a:spLocks noChangeArrowheads="1"/>
-              </p:cNvSpPr>
-              <p:nvPr/>
-            </p:nvSpPr>
-            <p:spPr bwMode="auto">
-              <a:xfrm>
-                <a:off x="1488" y="2208"/>
-                <a:ext cx="432" cy="240"/>
-              </a:xfrm>
-              <a:prstGeom prst="rect">
-                <a:avLst/>
-              </a:prstGeom>
-              <a:solidFill>
-                <a:schemeClr val="accent1"/>
-              </a:solidFill>
-              <a:ln w="9525">
-                <a:solidFill>
-                  <a:schemeClr val="tx1"/>
-                </a:solidFill>
-                <a:miter lim="800000"/>
-                <a:headEnd/>
-                <a:tailEnd/>
-              </a:ln>
-              <a:effectLst/>
-              <a:extLst>
-                <a:ext uri="{AF507438-7753-43E0-B8FC-AC1667EBCBE1}">
-                  <a14:hiddenEffects xmlns:a14="http://schemas.microsoft.com/office/drawing/2010/main">
-                    <a:effectLst>
-                      <a:outerShdw dist="35921" dir="2700000" algn="ctr" rotWithShape="0">
-                        <a:schemeClr val="bg2"/>
-                      </a:outerShdw>
-                    </a:effectLst>
-                  </a14:hiddenEffects>
-                </a:ext>
-              </a:extLst>
-            </p:spPr>
-            <p:txBody>
-              <a:bodyPr wrap="none" anchor="ctr"/>
-              <a:lstStyle/>
-              <a:p>
-                <a:pPr algn="ctr"/>
-                <a:r>
-                  <a:rPr lang="en-US" altLang="zh-CN" sz="2000"/>
-                  <a:t>next</a:t>
-                </a:r>
-              </a:p>
-            </p:txBody>
-          </p:sp>
-        </p:grpSp>
-        <p:grpSp>
-          <p:nvGrpSpPr>
-            <p:cNvPr id="259091" name="Group 19">
-              <a:extLst>
-                <a:ext uri="{FF2B5EF4-FFF2-40B4-BE49-F238E27FC236}">
-                  <a16:creationId xmlns:a16="http://schemas.microsoft.com/office/drawing/2014/main" id="{608F1541-2F01-11A4-FD31-2E00A6103689}"/>
-                </a:ext>
-              </a:extLst>
-            </p:cNvPr>
-            <p:cNvGrpSpPr>
-              <a:grpSpLocks/>
-            </p:cNvGrpSpPr>
-            <p:nvPr/>
-          </p:nvGrpSpPr>
-          <p:grpSpPr bwMode="auto">
-            <a:xfrm>
-              <a:off x="4128" y="3520"/>
-              <a:ext cx="432" cy="480"/>
-              <a:chOff x="1488" y="1968"/>
-              <a:chExt cx="432" cy="480"/>
-            </a:xfrm>
-          </p:grpSpPr>
-          <p:sp>
-            <p:nvSpPr>
-              <p:cNvPr id="259092" name="Rectangle 20">
-                <a:extLst>
-                  <a:ext uri="{FF2B5EF4-FFF2-40B4-BE49-F238E27FC236}">
-                    <a16:creationId xmlns:a16="http://schemas.microsoft.com/office/drawing/2014/main" id="{D5412D42-E571-9BC3-79E4-1736FF9D8780}"/>
-                  </a:ext>
-                </a:extLst>
-              </p:cNvPr>
-              <p:cNvSpPr>
-                <a:spLocks noChangeArrowheads="1"/>
-              </p:cNvSpPr>
-              <p:nvPr/>
-            </p:nvSpPr>
-            <p:spPr bwMode="auto">
-              <a:xfrm>
-                <a:off x="1488" y="1968"/>
-                <a:ext cx="432" cy="240"/>
-              </a:xfrm>
-              <a:prstGeom prst="rect">
-                <a:avLst/>
-              </a:prstGeom>
-              <a:solidFill>
-                <a:schemeClr val="accent2"/>
-              </a:solidFill>
-              <a:ln w="9525">
-                <a:solidFill>
-                  <a:schemeClr val="tx1"/>
-                </a:solidFill>
-                <a:miter lim="800000"/>
-                <a:headEnd/>
-                <a:tailEnd/>
-              </a:ln>
-              <a:effectLst/>
-              <a:extLst>
-                <a:ext uri="{AF507438-7753-43E0-B8FC-AC1667EBCBE1}">
-                  <a14:hiddenEffects xmlns:a14="http://schemas.microsoft.com/office/drawing/2010/main">
-                    <a:effectLst>
-                      <a:outerShdw dist="35921" dir="2700000" algn="ctr" rotWithShape="0">
-                        <a:schemeClr val="bg2"/>
-                      </a:outerShdw>
-                    </a:effectLst>
-                  </a14:hiddenEffects>
-                </a:ext>
-              </a:extLst>
-            </p:spPr>
-            <p:txBody>
-              <a:bodyPr wrap="none" anchor="ctr"/>
-              <a:lstStyle/>
-              <a:p>
-                <a:pPr algn="ctr"/>
-                <a:r>
-                  <a:rPr lang="en-US" altLang="zh-CN" sz="2000"/>
-                  <a:t>data</a:t>
-                </a:r>
-              </a:p>
-            </p:txBody>
-          </p:sp>
-          <p:sp>
-            <p:nvSpPr>
-              <p:cNvPr id="259093" name="Rectangle 21">
-                <a:extLst>
-                  <a:ext uri="{FF2B5EF4-FFF2-40B4-BE49-F238E27FC236}">
-                    <a16:creationId xmlns:a16="http://schemas.microsoft.com/office/drawing/2014/main" id="{C7DC5A1D-A8C6-B493-CD66-C5BA638E8215}"/>
-                  </a:ext>
-                </a:extLst>
-              </p:cNvPr>
-              <p:cNvSpPr>
-                <a:spLocks noChangeArrowheads="1"/>
-              </p:cNvSpPr>
-              <p:nvPr/>
-            </p:nvSpPr>
-            <p:spPr bwMode="auto">
-              <a:xfrm>
-                <a:off x="1488" y="2208"/>
-                <a:ext cx="432" cy="240"/>
-              </a:xfrm>
-              <a:prstGeom prst="rect">
-                <a:avLst/>
-              </a:prstGeom>
-              <a:solidFill>
-                <a:schemeClr val="accent1"/>
-              </a:solidFill>
-              <a:ln w="9525">
-                <a:solidFill>
-                  <a:schemeClr val="tx1"/>
-                </a:solidFill>
-                <a:miter lim="800000"/>
-                <a:headEnd/>
-                <a:tailEnd/>
-              </a:ln>
-              <a:effectLst/>
-              <a:extLst>
-                <a:ext uri="{AF507438-7753-43E0-B8FC-AC1667EBCBE1}">
-                  <a14:hiddenEffects xmlns:a14="http://schemas.microsoft.com/office/drawing/2010/main">
-                    <a:effectLst>
-                      <a:outerShdw dist="35921" dir="2700000" algn="ctr" rotWithShape="0">
-                        <a:schemeClr val="bg2"/>
-                      </a:outerShdw>
-                    </a:effectLst>
-                  </a14:hiddenEffects>
-                </a:ext>
-              </a:extLst>
-            </p:spPr>
-            <p:txBody>
-              <a:bodyPr wrap="none" anchor="ctr"/>
-              <a:lstStyle/>
-              <a:p>
-                <a:pPr algn="ctr"/>
-                <a:r>
-                  <a:rPr lang="en-US" altLang="zh-CN" sz="2000"/>
-                  <a:t>next</a:t>
-                </a:r>
-              </a:p>
-            </p:txBody>
-          </p:sp>
-        </p:grpSp>
-        <p:cxnSp>
-          <p:nvCxnSpPr>
-            <p:cNvPr id="259094" name="AutoShape 22">
-              <a:extLst>
-                <a:ext uri="{FF2B5EF4-FFF2-40B4-BE49-F238E27FC236}">
-                  <a16:creationId xmlns:a16="http://schemas.microsoft.com/office/drawing/2014/main" id="{30041693-905C-AEA5-1640-6DCCB2780A83}"/>
-                </a:ext>
-              </a:extLst>
-            </p:cNvPr>
-            <p:cNvCxnSpPr>
-              <a:cxnSpLocks noChangeShapeType="1"/>
-              <a:stCxn id="259084" idx="3"/>
-              <a:endCxn id="259086" idx="1"/>
-            </p:cNvCxnSpPr>
-            <p:nvPr/>
-          </p:nvCxnSpPr>
-          <p:spPr bwMode="auto">
-            <a:xfrm flipV="1">
-              <a:off x="2112" y="3640"/>
-              <a:ext cx="384" cy="240"/>
-            </a:xfrm>
-            <a:prstGeom prst="curvedConnector3">
-              <a:avLst>
-                <a:gd name="adj1" fmla="val 50000"/>
-              </a:avLst>
-            </a:prstGeom>
-            <a:noFill/>
-            <a:ln w="9525">
-              <a:solidFill>
-                <a:schemeClr val="tx1"/>
-              </a:solidFill>
-              <a:round/>
-              <a:headEnd/>
-              <a:tailEnd type="triangle" w="med" len="med"/>
-            </a:ln>
-            <a:effectLst/>
-            <a:extLst>
-              <a:ext uri="{909E8E84-426E-40DD-AFC4-6F175D3DCCD1}">
-                <a14:hiddenFill xmlns:a14="http://schemas.microsoft.com/office/drawing/2010/main">
-                  <a:noFill/>
-                </a14:hiddenFill>
-              </a:ext>
-              <a:ext uri="{AF507438-7753-43E0-B8FC-AC1667EBCBE1}">
-                <a14:hiddenEffects xmlns:a14="http://schemas.microsoft.com/office/drawing/2010/main">
-                  <a:effectLst>
-                    <a:outerShdw dist="35921" dir="2700000" algn="ctr" rotWithShape="0">
-                      <a:schemeClr val="bg2"/>
-                    </a:outerShdw>
-                  </a:effectLst>
-                </a14:hiddenEffects>
-              </a:ext>
-            </a:extLst>
-          </p:spPr>
-        </p:cxnSp>
-        <p:cxnSp>
-          <p:nvCxnSpPr>
-            <p:cNvPr id="259095" name="AutoShape 23">
-              <a:extLst>
-                <a:ext uri="{FF2B5EF4-FFF2-40B4-BE49-F238E27FC236}">
-                  <a16:creationId xmlns:a16="http://schemas.microsoft.com/office/drawing/2014/main" id="{FC205839-BB84-D51E-C586-FDEAB86E079B}"/>
-                </a:ext>
-              </a:extLst>
-            </p:cNvPr>
-            <p:cNvCxnSpPr>
-              <a:cxnSpLocks noChangeShapeType="1"/>
-            </p:cNvCxnSpPr>
-            <p:nvPr/>
-          </p:nvCxnSpPr>
-          <p:spPr bwMode="auto">
-            <a:xfrm flipV="1">
-              <a:off x="2928" y="3616"/>
-              <a:ext cx="384" cy="240"/>
-            </a:xfrm>
-            <a:prstGeom prst="curvedConnector3">
-              <a:avLst>
-                <a:gd name="adj1" fmla="val 50000"/>
-              </a:avLst>
-            </a:prstGeom>
-            <a:noFill/>
-            <a:ln w="9525">
-              <a:solidFill>
-                <a:schemeClr val="tx1"/>
-              </a:solidFill>
-              <a:round/>
-              <a:headEnd/>
-              <a:tailEnd type="triangle" w="med" len="med"/>
-            </a:ln>
-            <a:effectLst/>
-            <a:extLst>
-              <a:ext uri="{909E8E84-426E-40DD-AFC4-6F175D3DCCD1}">
-                <a14:hiddenFill xmlns:a14="http://schemas.microsoft.com/office/drawing/2010/main">
-                  <a:noFill/>
-                </a14:hiddenFill>
-              </a:ext>
-              <a:ext uri="{AF507438-7753-43E0-B8FC-AC1667EBCBE1}">
-                <a14:hiddenEffects xmlns:a14="http://schemas.microsoft.com/office/drawing/2010/main">
-                  <a:effectLst>
-                    <a:outerShdw dist="35921" dir="2700000" algn="ctr" rotWithShape="0">
-                      <a:schemeClr val="bg2"/>
-                    </a:outerShdw>
-                  </a:effectLst>
-                </a14:hiddenEffects>
-              </a:ext>
-            </a:extLst>
-          </p:spPr>
-        </p:cxnSp>
-        <p:cxnSp>
-          <p:nvCxnSpPr>
-            <p:cNvPr id="259096" name="AutoShape 24">
-              <a:extLst>
-                <a:ext uri="{FF2B5EF4-FFF2-40B4-BE49-F238E27FC236}">
-                  <a16:creationId xmlns:a16="http://schemas.microsoft.com/office/drawing/2014/main" id="{CCF95452-A906-D2E7-2154-DE40C8B16232}"/>
-                </a:ext>
-              </a:extLst>
-            </p:cNvPr>
-            <p:cNvCxnSpPr>
-              <a:cxnSpLocks noChangeShapeType="1"/>
-            </p:cNvCxnSpPr>
-            <p:nvPr/>
-          </p:nvCxnSpPr>
-          <p:spPr bwMode="auto">
-            <a:xfrm flipV="1">
-              <a:off x="3744" y="3664"/>
-              <a:ext cx="384" cy="240"/>
-            </a:xfrm>
-            <a:prstGeom prst="curvedConnector3">
-              <a:avLst>
-                <a:gd name="adj1" fmla="val 50000"/>
-              </a:avLst>
-            </a:prstGeom>
-            <a:noFill/>
-            <a:ln w="9525">
-              <a:solidFill>
-                <a:schemeClr val="tx1"/>
-              </a:solidFill>
-              <a:round/>
-              <a:headEnd/>
-              <a:tailEnd type="triangle" w="med" len="med"/>
-            </a:ln>
-            <a:effectLst/>
-            <a:extLst>
-              <a:ext uri="{909E8E84-426E-40DD-AFC4-6F175D3DCCD1}">
-                <a14:hiddenFill xmlns:a14="http://schemas.microsoft.com/office/drawing/2010/main">
-                  <a:noFill/>
-                </a14:hiddenFill>
-              </a:ext>
-              <a:ext uri="{AF507438-7753-43E0-B8FC-AC1667EBCBE1}">
-                <a14:hiddenEffects xmlns:a14="http://schemas.microsoft.com/office/drawing/2010/main">
-                  <a:effectLst>
-                    <a:outerShdw dist="35921" dir="2700000" algn="ctr" rotWithShape="0">
-                      <a:schemeClr val="bg2"/>
-                    </a:outerShdw>
-                  </a:effectLst>
-                </a14:hiddenEffects>
-              </a:ext>
-            </a:extLst>
-          </p:spPr>
-        </p:cxnSp>
-        <p:cxnSp>
-          <p:nvCxnSpPr>
-            <p:cNvPr id="259097" name="AutoShape 25">
-              <a:extLst>
-                <a:ext uri="{FF2B5EF4-FFF2-40B4-BE49-F238E27FC236}">
-                  <a16:creationId xmlns:a16="http://schemas.microsoft.com/office/drawing/2014/main" id="{6179A79B-5400-DAAE-B341-0D635D4F618E}"/>
-                </a:ext>
-              </a:extLst>
-            </p:cNvPr>
-            <p:cNvCxnSpPr>
-              <a:cxnSpLocks noChangeShapeType="1"/>
-            </p:cNvCxnSpPr>
-            <p:nvPr/>
-          </p:nvCxnSpPr>
-          <p:spPr bwMode="auto">
-            <a:xfrm flipV="1">
-              <a:off x="4560" y="3616"/>
-              <a:ext cx="384" cy="240"/>
-            </a:xfrm>
-            <a:prstGeom prst="curvedConnector3">
-              <a:avLst>
-                <a:gd name="adj1" fmla="val 50000"/>
-              </a:avLst>
-            </a:prstGeom>
-            <a:noFill/>
-            <a:ln w="9525">
-              <a:solidFill>
-                <a:schemeClr val="tx1"/>
-              </a:solidFill>
-              <a:round/>
-              <a:headEnd/>
-              <a:tailEnd type="triangle" w="med" len="med"/>
-            </a:ln>
-            <a:effectLst/>
-            <a:extLst>
-              <a:ext uri="{909E8E84-426E-40DD-AFC4-6F175D3DCCD1}">
-                <a14:hiddenFill xmlns:a14="http://schemas.microsoft.com/office/drawing/2010/main">
-                  <a:noFill/>
-                </a14:hiddenFill>
-              </a:ext>
-              <a:ext uri="{AF507438-7753-43E0-B8FC-AC1667EBCBE1}">
-                <a14:hiddenEffects xmlns:a14="http://schemas.microsoft.com/office/drawing/2010/main">
-                  <a:effectLst>
-                    <a:outerShdw dist="35921" dir="2700000" algn="ctr" rotWithShape="0">
-                      <a:schemeClr val="bg2"/>
-                    </a:outerShdw>
-                  </a:effectLst>
-                </a14:hiddenEffects>
-              </a:ext>
-            </a:extLst>
-          </p:spPr>
-        </p:cxnSp>
-        <p:sp>
-          <p:nvSpPr>
-            <p:cNvPr id="259098" name="Text Box 26">
-              <a:extLst>
-                <a:ext uri="{FF2B5EF4-FFF2-40B4-BE49-F238E27FC236}">
-                  <a16:creationId xmlns:a16="http://schemas.microsoft.com/office/drawing/2014/main" id="{F6EF1554-F854-DFED-05CE-1623478D1826}"/>
-                </a:ext>
-              </a:extLst>
-            </p:cNvPr>
-            <p:cNvSpPr txBox="1">
-              <a:spLocks noChangeArrowheads="1"/>
-            </p:cNvSpPr>
-            <p:nvPr/>
-          </p:nvSpPr>
-          <p:spPr bwMode="auto">
-            <a:xfrm>
-              <a:off x="4944" y="3452"/>
-              <a:ext cx="432" cy="404"/>
-            </a:xfrm>
-            <a:prstGeom prst="rect">
-              <a:avLst/>
-            </a:prstGeom>
-            <a:noFill/>
-            <a:ln>
-              <a:noFill/>
-            </a:ln>
-            <a:effectLst/>
-            <a:extLst>
-              <a:ext uri="{909E8E84-426E-40DD-AFC4-6F175D3DCCD1}">
-                <a14:hiddenFill xmlns:a14="http://schemas.microsoft.com/office/drawing/2010/main">
-                  <a:solidFill>
-                    <a:schemeClr val="accent1"/>
-                  </a:solidFill>
-                </a14:hiddenFill>
-              </a:ext>
-              <a:ext uri="{91240B29-F687-4F45-9708-019B960494DF}">
-                <a14:hiddenLine xmlns:a14="http://schemas.microsoft.com/office/drawing/2010/main" w="9525">
-                  <a:solidFill>
-                    <a:schemeClr val="tx1"/>
-                  </a:solidFill>
-                  <a:miter lim="800000"/>
-                  <a:headEnd/>
-                  <a:tailEnd/>
-                </a14:hiddenLine>
-              </a:ext>
-              <a:ext uri="{AF507438-7753-43E0-B8FC-AC1667EBCBE1}">
-                <a14:hiddenEffects xmlns:a14="http://schemas.microsoft.com/office/drawing/2010/main">
-                  <a:effectLst>
-                    <a:outerShdw dist="35921" dir="2700000" algn="ctr" rotWithShape="0">
-                      <a:schemeClr val="bg2"/>
-                    </a:outerShdw>
-                  </a:effectLst>
-                </a14:hiddenEffects>
-              </a:ext>
-            </a:extLst>
-          </p:spPr>
-          <p:txBody>
-            <a:bodyPr>
-              <a:spAutoFit/>
-            </a:bodyPr>
-            <a:lstStyle/>
-            <a:p>
-              <a:pPr>
-                <a:spcBef>
-                  <a:spcPct val="50000"/>
-                </a:spcBef>
-              </a:pPr>
-              <a:r>
-                <a:rPr lang="en-US" altLang="zh-CN" sz="3600">
-                  <a:latin typeface="Arial" panose="020B0604020202020204" pitchFamily="34" charset="0"/>
-                </a:rPr>
-                <a:t>…</a:t>
-              </a:r>
-              <a:endParaRPr lang="en-US" altLang="zh-CN" sz="3600"/>
-            </a:p>
-          </p:txBody>
-        </p:sp>
-      </p:grpSp>
     </p:spTree>
   </p:cSld>
   <p:clrMapOvr>
@@ -31503,7 +26780,7 @@
               <a:buNone/>
             </a:pPr>
             <a:r>
-              <a:rPr lang="en-US" altLang="zh-CN" i="1">
+              <a:rPr lang="en-US" altLang="zh-CN" i="1" dirty="0">
                 <a:sym typeface="Euclid Extra" pitchFamily="18" charset="2"/>
               </a:rPr>
               <a:t> </a:t>
@@ -32432,7 +27709,7 @@
         <p:spPr bwMode="auto">
           <a:xfrm>
             <a:off x="1828800" y="4343400"/>
-            <a:ext cx="762000" cy="366713"/>
+            <a:ext cx="762000" cy="369332"/>
           </a:xfrm>
           <a:prstGeom prst="rect">
             <a:avLst/>
@@ -32483,9 +27760,10 @@
               </a:spcBef>
             </a:pPr>
             <a:r>
-              <a:rPr lang="en-US" altLang="zh-CN"/>
-              <a:t>insert</a:t>
-            </a:r>
+              <a:rPr lang="en-US" altLang="zh-CN" dirty="0" err="1"/>
+              <a:t>en</a:t>
+            </a:r>
+            <a:endParaRPr lang="en-US" altLang="zh-CN" dirty="0"/>
           </a:p>
         </p:txBody>
       </p:sp>
@@ -32756,9 +28034,10 @@
               </a:spcBef>
             </a:pPr>
             <a:r>
-              <a:rPr lang="en-US" altLang="zh-CN"/>
-              <a:t>insert</a:t>
-            </a:r>
+              <a:rPr lang="en-US" altLang="zh-CN" dirty="0" err="1"/>
+              <a:t>en</a:t>
+            </a:r>
+            <a:endParaRPr lang="en-US" altLang="zh-CN" dirty="0"/>
           </a:p>
         </p:txBody>
       </p:sp>
@@ -32887,9 +28166,10 @@
               </a:spcBef>
             </a:pPr>
             <a:r>
-              <a:rPr lang="en-US" altLang="zh-CN"/>
-              <a:t>insert</a:t>
-            </a:r>
+              <a:rPr lang="en-US" altLang="zh-CN" dirty="0" err="1"/>
+              <a:t>en</a:t>
+            </a:r>
+            <a:endParaRPr lang="en-US" altLang="zh-CN" dirty="0"/>
           </a:p>
         </p:txBody>
       </p:sp>
@@ -33231,8 +28511,8 @@
               </a:spcBef>
             </a:pPr>
             <a:r>
-              <a:rPr lang="en-US" altLang="zh-CN"/>
-              <a:t>delete</a:t>
+              <a:rPr lang="en-US" altLang="zh-CN" dirty="0"/>
+              <a:t>de</a:t>
             </a:r>
           </a:p>
         </p:txBody>
@@ -33581,131 +28861,6 @@
 </p:sld>
 </file>
 
-<file path=ppt/slides/slide30.xml><?xml version="1.0" encoding="utf-8"?>
-<p:sld xmlns:a="http://schemas.openxmlformats.org/drawingml/2006/main" xmlns:r="http://schemas.openxmlformats.org/officeDocument/2006/relationships" xmlns:p="http://schemas.openxmlformats.org/presentationml/2006/main">
-  <p:cSld>
-    <p:spTree>
-      <p:nvGrpSpPr>
-        <p:cNvPr id="1" name=""/>
-        <p:cNvGrpSpPr/>
-        <p:nvPr/>
-      </p:nvGrpSpPr>
-      <p:grpSpPr>
-        <a:xfrm>
-          <a:off x="0" y="0"/>
-          <a:ext cx="0" cy="0"/>
-          <a:chOff x="0" y="0"/>
-          <a:chExt cx="0" cy="0"/>
-        </a:xfrm>
-      </p:grpSpPr>
-      <p:sp>
-        <p:nvSpPr>
-          <p:cNvPr id="263170" name="Rectangle 2">
-            <a:extLst>
-              <a:ext uri="{FF2B5EF4-FFF2-40B4-BE49-F238E27FC236}">
-                <a16:creationId xmlns:a16="http://schemas.microsoft.com/office/drawing/2014/main" id="{40490D97-C289-F725-1C22-0D84596773BB}"/>
-              </a:ext>
-            </a:extLst>
-          </p:cNvPr>
-          <p:cNvSpPr>
-            <a:spLocks noGrp="1" noChangeArrowheads="1"/>
-          </p:cNvSpPr>
-          <p:nvPr>
-            <p:ph type="title"/>
-          </p:nvPr>
-        </p:nvSpPr>
-        <p:spPr/>
-        <p:txBody>
-          <a:bodyPr/>
-          <a:lstStyle/>
-          <a:p>
-            <a:r>
-              <a:rPr lang="en-US" altLang="zh-CN"/>
-              <a:t>Analysis</a:t>
-            </a:r>
-          </a:p>
-        </p:txBody>
-      </p:sp>
-      <p:sp>
-        <p:nvSpPr>
-          <p:cNvPr id="263171" name="Rectangle 3">
-            <a:extLst>
-              <a:ext uri="{FF2B5EF4-FFF2-40B4-BE49-F238E27FC236}">
-                <a16:creationId xmlns:a16="http://schemas.microsoft.com/office/drawing/2014/main" id="{7EAF711C-34D6-9FE0-1C97-C63ADF2671C9}"/>
-              </a:ext>
-            </a:extLst>
-          </p:cNvPr>
-          <p:cNvSpPr>
-            <a:spLocks noGrp="1" noChangeArrowheads="1"/>
-          </p:cNvSpPr>
-          <p:nvPr>
-            <p:ph type="body" idx="1"/>
-          </p:nvPr>
-        </p:nvSpPr>
-        <p:spPr/>
-        <p:txBody>
-          <a:bodyPr/>
-          <a:lstStyle/>
-          <a:p>
-            <a:r>
-              <a:rPr lang="en-US" altLang="zh-CN"/>
-              <a:t>What</a:t>
-            </a:r>
-            <a:r>
-              <a:rPr lang="en-US" altLang="zh-CN">
-                <a:latin typeface="Arial" panose="020B0604020202020204" pitchFamily="34" charset="0"/>
-              </a:rPr>
-              <a:t>’</a:t>
-            </a:r>
-            <a:r>
-              <a:rPr lang="en-US" altLang="zh-CN"/>
-              <a:t>s the complexity of these operations?</a:t>
-            </a:r>
-          </a:p>
-          <a:p>
-            <a:pPr lvl="1"/>
-            <a:r>
-              <a:rPr lang="en-US" altLang="zh-CN"/>
-              <a:t>enQueue: O(n)</a:t>
-            </a:r>
-          </a:p>
-          <a:p>
-            <a:pPr lvl="2"/>
-            <a:r>
-              <a:rPr lang="en-US" altLang="zh-CN"/>
-              <a:t>search the last element</a:t>
-            </a:r>
-          </a:p>
-          <a:p>
-            <a:pPr lvl="1"/>
-            <a:r>
-              <a:rPr lang="en-US" altLang="zh-CN"/>
-              <a:t>deQueue: O(1)</a:t>
-            </a:r>
-          </a:p>
-          <a:p>
-            <a:r>
-              <a:rPr lang="en-US" altLang="zh-CN"/>
-              <a:t>Improvement: Circular linked list</a:t>
-            </a:r>
-          </a:p>
-          <a:p>
-            <a:pPr lvl="1"/>
-            <a:r>
-              <a:rPr lang="en-US" altLang="zh-CN"/>
-              <a:t>leave as programming assignment</a:t>
-            </a:r>
-          </a:p>
-        </p:txBody>
-      </p:sp>
-    </p:spTree>
-  </p:cSld>
-  <p:clrMapOvr>
-    <a:masterClrMapping/>
-  </p:clrMapOvr>
-</p:sld>
-</file>
-
 <file path=ppt/slides/slide4.xml><?xml version="1.0" encoding="utf-8"?>
 <p:sld xmlns:a="http://schemas.openxmlformats.org/drawingml/2006/main" xmlns:r="http://schemas.openxmlformats.org/officeDocument/2006/relationships" xmlns:p="http://schemas.openxmlformats.org/presentationml/2006/main">
   <p:cSld>
@@ -33745,8 +28900,16 @@
           <a:lstStyle/>
           <a:p>
             <a:r>
-              <a:rPr lang="en-US" altLang="zh-CN"/>
-              <a:t>Abstract Data Types in C: Interface</a:t>
+              <a:rPr lang="en-US" altLang="zh-CN" dirty="0"/>
+              <a:t>Queue</a:t>
+            </a:r>
+            <a:r>
+              <a:rPr lang="zh-CN" altLang="en-US" dirty="0"/>
+              <a:t> </a:t>
+            </a:r>
+            <a:r>
+              <a:rPr lang="en-US" altLang="zh-CN" dirty="0"/>
+              <a:t>Interface</a:t>
             </a:r>
           </a:p>
         </p:txBody>
@@ -33780,10 +28943,22 @@
               <a:buNone/>
             </a:pPr>
             <a:r>
-              <a:rPr lang="en-US" altLang="zh-CN" sz="2000" b="1">
+              <a:rPr lang="en-US" altLang="zh-CN" sz="2000" b="1" dirty="0">
                 <a:latin typeface="Courier New" panose="02070309020205020404" pitchFamily="49" charset="0"/>
               </a:rPr>
-              <a:t>// in file “queue.h”</a:t>
+              <a:t>// in file “</a:t>
+            </a:r>
+            <a:r>
+              <a:rPr lang="en-US" altLang="zh-CN" sz="2000" b="1" dirty="0" err="1">
+                <a:latin typeface="Courier New" panose="02070309020205020404" pitchFamily="49" charset="0"/>
+              </a:rPr>
+              <a:t>queue.h</a:t>
+            </a:r>
+            <a:r>
+              <a:rPr lang="en-US" altLang="zh-CN" sz="2000" b="1" dirty="0">
+                <a:latin typeface="Courier New" panose="02070309020205020404" pitchFamily="49" charset="0"/>
+              </a:rPr>
+              <a:t>”</a:t>
             </a:r>
           </a:p>
           <a:p>
@@ -33795,13 +28970,31 @@
               <a:buNone/>
             </a:pPr>
             <a:r>
-              <a:rPr lang="en-US" altLang="zh-CN" sz="2000" b="1">
-                <a:solidFill>
-                  <a:schemeClr val="folHlink"/>
+              <a:rPr lang="en-US" altLang="zh-CN" sz="2000" b="1" dirty="0">
+                <a:solidFill>
+                  <a:srgbClr val="0432FF"/>
                 </a:solidFill>
                 <a:latin typeface="Courier New" panose="02070309020205020404" pitchFamily="49" charset="0"/>
               </a:rPr>
-              <a:t>#ifndef QUEUE_H</a:t>
+              <a:t>#</a:t>
+            </a:r>
+            <a:r>
+              <a:rPr lang="en-US" altLang="zh-CN" sz="2000" b="1" dirty="0" err="1">
+                <a:solidFill>
+                  <a:srgbClr val="0432FF"/>
+                </a:solidFill>
+                <a:latin typeface="Courier New" panose="02070309020205020404" pitchFamily="49" charset="0"/>
+              </a:rPr>
+              <a:t>ifndef</a:t>
+            </a:r>
+            <a:r>
+              <a:rPr lang="en-US" altLang="zh-CN" sz="2000" b="1" dirty="0">
+                <a:solidFill>
+                  <a:srgbClr val="0432FF"/>
+                </a:solidFill>
+                <a:latin typeface="Courier New" panose="02070309020205020404" pitchFamily="49" charset="0"/>
+              </a:rPr>
+              <a:t> QUEUE_H</a:t>
             </a:r>
           </a:p>
           <a:p>
@@ -33813,9 +29006,9 @@
               <a:buNone/>
             </a:pPr>
             <a:r>
-              <a:rPr lang="en-US" altLang="zh-CN" sz="2000" b="1">
-                <a:solidFill>
-                  <a:schemeClr val="folHlink"/>
+              <a:rPr lang="en-US" altLang="zh-CN" sz="2000" b="1" dirty="0">
+                <a:solidFill>
+                  <a:srgbClr val="0432FF"/>
                 </a:solidFill>
                 <a:latin typeface="Courier New" panose="02070309020205020404" pitchFamily="49" charset="0"/>
               </a:rPr>
@@ -33830,9 +29023,9 @@
               <a:buFont typeface="Wingdings" pitchFamily="2" charset="2"/>
               <a:buNone/>
             </a:pPr>
-            <a:endParaRPr lang="en-US" altLang="zh-CN" sz="2000" b="1">
+            <a:endParaRPr lang="en-US" altLang="zh-CN" sz="2000" b="1" dirty="0">
               <a:solidFill>
-                <a:schemeClr val="folHlink"/>
+                <a:srgbClr val="0432FF"/>
               </a:solidFill>
               <a:latin typeface="Courier New" panose="02070309020205020404" pitchFamily="49" charset="0"/>
             </a:endParaRPr>
@@ -33846,13 +29039,49 @@
               <a:buNone/>
             </a:pPr>
             <a:r>
-              <a:rPr lang="en-US" altLang="zh-CN" sz="2000" b="1">
-                <a:solidFill>
-                  <a:schemeClr val="folHlink"/>
+              <a:rPr lang="en-US" altLang="zh-CN" sz="2000" b="1" dirty="0">
+                <a:solidFill>
+                  <a:srgbClr val="0432FF"/>
                 </a:solidFill>
                 <a:latin typeface="Courier New" panose="02070309020205020404" pitchFamily="49" charset="0"/>
               </a:rPr>
-              <a:t>typedef struct Queue_t *Queue_t;</a:t>
+              <a:t>typedef struct </a:t>
+            </a:r>
+            <a:r>
+              <a:rPr lang="en-US" altLang="zh-CN" sz="2000" b="1" dirty="0" err="1">
+                <a:solidFill>
+                  <a:srgbClr val="0432FF"/>
+                </a:solidFill>
+                <a:latin typeface="Courier New" panose="02070309020205020404" pitchFamily="49" charset="0"/>
+              </a:rPr>
+              <a:t>Queue_t</a:t>
+            </a:r>
+            <a:r>
+              <a:rPr lang="en-US" altLang="zh-CN" sz="2000" b="1" dirty="0">
+                <a:solidFill>
+                  <a:srgbClr val="0432FF"/>
+                </a:solidFill>
+                <a:latin typeface="Courier New" panose="02070309020205020404" pitchFamily="49" charset="0"/>
+              </a:rPr>
+              <a:t> *</a:t>
+            </a:r>
+            <a:r>
+              <a:rPr lang="en-US" altLang="zh-CN" sz="2000" b="1" dirty="0" err="1">
+                <a:solidFill>
+                  <a:srgbClr val="0432FF"/>
+                </a:solidFill>
+                <a:latin typeface="Courier New" panose="02070309020205020404" pitchFamily="49" charset="0"/>
+              </a:rPr>
+              <a:t>Queue_t</a:t>
+            </a:r>
+            <a:r>
+              <a:rPr lang="en-US" altLang="zh-CN" sz="2000" b="1" dirty="0">
+                <a:solidFill>
+                  <a:srgbClr val="0432FF"/>
+                </a:solidFill>
+                <a:latin typeface="Courier New" panose="02070309020205020404" pitchFamily="49" charset="0"/>
+              </a:rPr>
+              <a:t>;</a:t>
             </a:r>
           </a:p>
           <a:p>
@@ -33863,9 +29092,9 @@
               <a:buFont typeface="Wingdings" pitchFamily="2" charset="2"/>
               <a:buNone/>
             </a:pPr>
-            <a:endParaRPr lang="en-US" altLang="zh-CN" sz="2000" b="1">
+            <a:endParaRPr lang="en-US" altLang="zh-CN" sz="2000" b="1" dirty="0">
               <a:solidFill>
-                <a:schemeClr val="folHlink"/>
+                <a:srgbClr val="0432FF"/>
               </a:solidFill>
               <a:latin typeface="Courier New" panose="02070309020205020404" pitchFamily="49" charset="0"/>
             </a:endParaRPr>
@@ -33879,13 +29108,40 @@
               <a:buNone/>
             </a:pPr>
             <a:r>
-              <a:rPr lang="en-US" altLang="zh-CN" sz="2000" b="1">
-                <a:solidFill>
-                  <a:schemeClr val="folHlink"/>
+              <a:rPr lang="en-US" altLang="zh-CN" sz="2000" b="1" dirty="0" err="1">
+                <a:solidFill>
+                  <a:srgbClr val="0432FF"/>
                 </a:solidFill>
                 <a:latin typeface="Courier New" panose="02070309020205020404" pitchFamily="49" charset="0"/>
               </a:rPr>
-              <a:t>Queue_t Queue_new ();</a:t>
+              <a:t>Queue_t</a:t>
+            </a:r>
+            <a:r>
+              <a:rPr lang="en-US" altLang="zh-CN" sz="2000" b="1" dirty="0">
+                <a:solidFill>
+                  <a:srgbClr val="0432FF"/>
+                </a:solidFill>
+                <a:latin typeface="Courier New" panose="02070309020205020404" pitchFamily="49" charset="0"/>
+              </a:rPr>
+              <a:t> </a:t>
+            </a:r>
+            <a:r>
+              <a:rPr lang="en-US" altLang="zh-CN" sz="2000" b="1" dirty="0" err="1">
+                <a:solidFill>
+                  <a:srgbClr val="0432FF"/>
+                </a:solidFill>
+                <a:latin typeface="Courier New" panose="02070309020205020404" pitchFamily="49" charset="0"/>
+              </a:rPr>
+              <a:t>Queue_new</a:t>
+            </a:r>
+            <a:r>
+              <a:rPr lang="en-US" altLang="zh-CN" sz="2000" b="1" dirty="0">
+                <a:solidFill>
+                  <a:srgbClr val="0432FF"/>
+                </a:solidFill>
+                <a:latin typeface="Courier New" panose="02070309020205020404" pitchFamily="49" charset="0"/>
+              </a:rPr>
+              <a:t>();</a:t>
             </a:r>
           </a:p>
           <a:p>
@@ -33897,13 +29153,49 @@
               <a:buNone/>
             </a:pPr>
             <a:r>
-              <a:rPr lang="en-US" altLang="zh-CN" sz="2000" b="1">
-                <a:solidFill>
-                  <a:schemeClr val="folHlink"/>
+              <a:rPr lang="en-US" altLang="zh-CN" sz="2000" b="1" dirty="0">
+                <a:solidFill>
+                  <a:srgbClr val="0432FF"/>
                 </a:solidFill>
                 <a:latin typeface="Courier New" panose="02070309020205020404" pitchFamily="49" charset="0"/>
               </a:rPr>
-              <a:t>int Queue_size (Queue_t q);</a:t>
+              <a:t>int </a:t>
+            </a:r>
+            <a:r>
+              <a:rPr lang="en-US" altLang="zh-CN" sz="2000" b="1" dirty="0" err="1">
+                <a:solidFill>
+                  <a:srgbClr val="0432FF"/>
+                </a:solidFill>
+                <a:latin typeface="Courier New" panose="02070309020205020404" pitchFamily="49" charset="0"/>
+              </a:rPr>
+              <a:t>Queue_size</a:t>
+            </a:r>
+            <a:r>
+              <a:rPr lang="en-US" altLang="zh-CN" sz="2000" b="1" dirty="0">
+                <a:solidFill>
+                  <a:srgbClr val="0432FF"/>
+                </a:solidFill>
+                <a:latin typeface="Courier New" panose="02070309020205020404" pitchFamily="49" charset="0"/>
+              </a:rPr>
+              <a:t>(</a:t>
+            </a:r>
+            <a:r>
+              <a:rPr lang="en-US" altLang="zh-CN" sz="2000" b="1" dirty="0" err="1">
+                <a:solidFill>
+                  <a:srgbClr val="0432FF"/>
+                </a:solidFill>
+                <a:latin typeface="Courier New" panose="02070309020205020404" pitchFamily="49" charset="0"/>
+              </a:rPr>
+              <a:t>Queue_t</a:t>
+            </a:r>
+            <a:r>
+              <a:rPr lang="en-US" altLang="zh-CN" sz="2000" b="1" dirty="0">
+                <a:solidFill>
+                  <a:srgbClr val="0432FF"/>
+                </a:solidFill>
+                <a:latin typeface="Courier New" panose="02070309020205020404" pitchFamily="49" charset="0"/>
+              </a:rPr>
+              <a:t> q);</a:t>
             </a:r>
           </a:p>
           <a:p>
@@ -33915,13 +29207,49 @@
               <a:buNone/>
             </a:pPr>
             <a:r>
-              <a:rPr lang="en-US" altLang="zh-CN" sz="2000" b="1">
-                <a:solidFill>
-                  <a:schemeClr val="folHlink"/>
+              <a:rPr lang="en-US" altLang="zh-CN" sz="2000" b="1" dirty="0">
+                <a:solidFill>
+                  <a:srgbClr val="0432FF"/>
                 </a:solidFill>
                 <a:latin typeface="Courier New" panose="02070309020205020404" pitchFamily="49" charset="0"/>
               </a:rPr>
-              <a:t>int Queue_isEmpty (Queue_t q);</a:t>
+              <a:t>int </a:t>
+            </a:r>
+            <a:r>
+              <a:rPr lang="en-US" altLang="zh-CN" sz="2000" b="1" dirty="0" err="1">
+                <a:solidFill>
+                  <a:srgbClr val="0432FF"/>
+                </a:solidFill>
+                <a:latin typeface="Courier New" panose="02070309020205020404" pitchFamily="49" charset="0"/>
+              </a:rPr>
+              <a:t>Queue_isEmpty</a:t>
+            </a:r>
+            <a:r>
+              <a:rPr lang="en-US" altLang="zh-CN" sz="2000" b="1" dirty="0">
+                <a:solidFill>
+                  <a:srgbClr val="0432FF"/>
+                </a:solidFill>
+                <a:latin typeface="Courier New" panose="02070309020205020404" pitchFamily="49" charset="0"/>
+              </a:rPr>
+              <a:t>(</a:t>
+            </a:r>
+            <a:r>
+              <a:rPr lang="en-US" altLang="zh-CN" sz="2000" b="1" dirty="0" err="1">
+                <a:solidFill>
+                  <a:srgbClr val="0432FF"/>
+                </a:solidFill>
+                <a:latin typeface="Courier New" panose="02070309020205020404" pitchFamily="49" charset="0"/>
+              </a:rPr>
+              <a:t>Queue_t</a:t>
+            </a:r>
+            <a:r>
+              <a:rPr lang="en-US" altLang="zh-CN" sz="2000" b="1" dirty="0">
+                <a:solidFill>
+                  <a:srgbClr val="0432FF"/>
+                </a:solidFill>
+                <a:latin typeface="Courier New" panose="02070309020205020404" pitchFamily="49" charset="0"/>
+              </a:rPr>
+              <a:t> q);</a:t>
             </a:r>
           </a:p>
           <a:p>
@@ -33933,13 +29261,67 @@
               <a:buNone/>
             </a:pPr>
             <a:r>
-              <a:rPr lang="en-US" altLang="zh-CN" sz="2000" b="1">
-                <a:solidFill>
-                  <a:schemeClr val="folHlink"/>
+              <a:rPr lang="en-US" altLang="zh-CN" sz="2000" b="1" dirty="0">
+                <a:solidFill>
+                  <a:srgbClr val="0432FF"/>
                 </a:solidFill>
                 <a:latin typeface="Courier New" panose="02070309020205020404" pitchFamily="49" charset="0"/>
               </a:rPr>
-              <a:t>void Queue_enQueue (Queue_t q, poly x);</a:t>
+              <a:t>void </a:t>
+            </a:r>
+            <a:r>
+              <a:rPr lang="en-US" altLang="zh-CN" sz="2000" b="1" dirty="0" err="1">
+                <a:solidFill>
+                  <a:srgbClr val="0432FF"/>
+                </a:solidFill>
+                <a:latin typeface="Courier New" panose="02070309020205020404" pitchFamily="49" charset="0"/>
+              </a:rPr>
+              <a:t>Queue_enQueue</a:t>
+            </a:r>
+            <a:r>
+              <a:rPr lang="en-US" altLang="zh-CN" sz="2000" b="1" dirty="0">
+                <a:solidFill>
+                  <a:srgbClr val="0432FF"/>
+                </a:solidFill>
+                <a:latin typeface="Courier New" panose="02070309020205020404" pitchFamily="49" charset="0"/>
+              </a:rPr>
+              <a:t>(</a:t>
+            </a:r>
+            <a:r>
+              <a:rPr lang="en-US" altLang="zh-CN" sz="2000" b="1" dirty="0" err="1">
+                <a:solidFill>
+                  <a:srgbClr val="0432FF"/>
+                </a:solidFill>
+                <a:latin typeface="Courier New" panose="02070309020205020404" pitchFamily="49" charset="0"/>
+              </a:rPr>
+              <a:t>Queue_t</a:t>
+            </a:r>
+            <a:r>
+              <a:rPr lang="en-US" altLang="zh-CN" sz="2000" b="1" dirty="0">
+                <a:solidFill>
+                  <a:srgbClr val="0432FF"/>
+                </a:solidFill>
+                <a:latin typeface="Courier New" panose="02070309020205020404" pitchFamily="49" charset="0"/>
+              </a:rPr>
+              <a:t> q, </a:t>
+            </a:r>
+            <a:r>
+              <a:rPr lang="en-US" altLang="zh-CN" sz="2000" b="1" dirty="0" err="1">
+                <a:solidFill>
+                  <a:srgbClr val="0432FF"/>
+                </a:solidFill>
+                <a:latin typeface="Courier New" panose="02070309020205020404" pitchFamily="49" charset="0"/>
+              </a:rPr>
+              <a:t>Poly_t</a:t>
+            </a:r>
+            <a:r>
+              <a:rPr lang="en-US" altLang="zh-CN" sz="2000" b="1" dirty="0">
+                <a:solidFill>
+                  <a:srgbClr val="0432FF"/>
+                </a:solidFill>
+                <a:latin typeface="Courier New" panose="02070309020205020404" pitchFamily="49" charset="0"/>
+              </a:rPr>
+              <a:t> x);</a:t>
             </a:r>
           </a:p>
           <a:p>
@@ -33951,13 +29333,58 @@
               <a:buNone/>
             </a:pPr>
             <a:r>
-              <a:rPr lang="en-US" altLang="zh-CN" sz="2000" b="1">
-                <a:solidFill>
-                  <a:schemeClr val="folHlink"/>
+              <a:rPr lang="en-US" altLang="zh-CN" sz="2000" b="1" dirty="0" err="1">
+                <a:solidFill>
+                  <a:srgbClr val="0432FF"/>
                 </a:solidFill>
                 <a:latin typeface="Courier New" panose="02070309020205020404" pitchFamily="49" charset="0"/>
               </a:rPr>
-              <a:t>poly Queue_deQueue (Queue_t q);</a:t>
+              <a:t>Poly_t</a:t>
+            </a:r>
+            <a:r>
+              <a:rPr lang="en-US" altLang="zh-CN" sz="2000" b="1" dirty="0">
+                <a:solidFill>
+                  <a:srgbClr val="0432FF"/>
+                </a:solidFill>
+                <a:latin typeface="Courier New" panose="02070309020205020404" pitchFamily="49" charset="0"/>
+              </a:rPr>
+              <a:t> </a:t>
+            </a:r>
+            <a:r>
+              <a:rPr lang="en-US" altLang="zh-CN" sz="2000" b="1" dirty="0" err="1">
+                <a:solidFill>
+                  <a:srgbClr val="0432FF"/>
+                </a:solidFill>
+                <a:latin typeface="Courier New" panose="02070309020205020404" pitchFamily="49" charset="0"/>
+              </a:rPr>
+              <a:t>Queue_deQueue</a:t>
+            </a:r>
+            <a:r>
+              <a:rPr lang="en-US" altLang="zh-CN" sz="2000" b="1" dirty="0">
+                <a:solidFill>
+                  <a:srgbClr val="0432FF"/>
+                </a:solidFill>
+                <a:latin typeface="Courier New" panose="02070309020205020404" pitchFamily="49" charset="0"/>
+              </a:rPr>
+              <a:t>(</a:t>
+            </a:r>
+            <a:r>
+              <a:rPr lang="en-US" altLang="zh-CN" sz="2000" b="1" dirty="0" err="1">
+                <a:solidFill>
+                  <a:srgbClr val="0432FF"/>
+                </a:solidFill>
+                <a:latin typeface="Courier New" panose="02070309020205020404" pitchFamily="49" charset="0"/>
+              </a:rPr>
+              <a:t>Queue_t</a:t>
+            </a:r>
+            <a:r>
+              <a:rPr lang="en-US" altLang="zh-CN" sz="2000" b="1" dirty="0">
+                <a:solidFill>
+                  <a:srgbClr val="0432FF"/>
+                </a:solidFill>
+                <a:latin typeface="Courier New" panose="02070309020205020404" pitchFamily="49" charset="0"/>
+              </a:rPr>
+              <a:t> q);</a:t>
             </a:r>
           </a:p>
           <a:p>
@@ -33969,13 +29396,58 @@
               <a:buNone/>
             </a:pPr>
             <a:r>
-              <a:rPr lang="en-US" altLang="zh-CN" sz="2000" b="1">
-                <a:solidFill>
-                  <a:schemeClr val="folHlink"/>
+              <a:rPr lang="en-US" altLang="zh-CN" sz="2000" b="1" dirty="0" err="1">
+                <a:solidFill>
+                  <a:srgbClr val="0432FF"/>
                 </a:solidFill>
                 <a:latin typeface="Courier New" panose="02070309020205020404" pitchFamily="49" charset="0"/>
               </a:rPr>
-              <a:t>poly Queue_getHead (Queue_t q);</a:t>
+              <a:t>Poly_t</a:t>
+            </a:r>
+            <a:r>
+              <a:rPr lang="en-US" altLang="zh-CN" sz="2000" b="1" dirty="0">
+                <a:solidFill>
+                  <a:srgbClr val="0432FF"/>
+                </a:solidFill>
+                <a:latin typeface="Courier New" panose="02070309020205020404" pitchFamily="49" charset="0"/>
+              </a:rPr>
+              <a:t> </a:t>
+            </a:r>
+            <a:r>
+              <a:rPr lang="en-US" altLang="zh-CN" sz="2000" b="1" dirty="0" err="1">
+                <a:solidFill>
+                  <a:srgbClr val="0432FF"/>
+                </a:solidFill>
+                <a:latin typeface="Courier New" panose="02070309020205020404" pitchFamily="49" charset="0"/>
+              </a:rPr>
+              <a:t>Queue_getHead</a:t>
+            </a:r>
+            <a:r>
+              <a:rPr lang="en-US" altLang="zh-CN" sz="2000" b="1" dirty="0">
+                <a:solidFill>
+                  <a:srgbClr val="0432FF"/>
+                </a:solidFill>
+                <a:latin typeface="Courier New" panose="02070309020205020404" pitchFamily="49" charset="0"/>
+              </a:rPr>
+              <a:t>(</a:t>
+            </a:r>
+            <a:r>
+              <a:rPr lang="en-US" altLang="zh-CN" sz="2000" b="1" dirty="0" err="1">
+                <a:solidFill>
+                  <a:srgbClr val="0432FF"/>
+                </a:solidFill>
+                <a:latin typeface="Courier New" panose="02070309020205020404" pitchFamily="49" charset="0"/>
+              </a:rPr>
+              <a:t>Queue_t</a:t>
+            </a:r>
+            <a:r>
+              <a:rPr lang="en-US" altLang="zh-CN" sz="2000" b="1" dirty="0">
+                <a:solidFill>
+                  <a:srgbClr val="0432FF"/>
+                </a:solidFill>
+                <a:latin typeface="Courier New" panose="02070309020205020404" pitchFamily="49" charset="0"/>
+              </a:rPr>
+              <a:t> q);</a:t>
             </a:r>
           </a:p>
           <a:p>
@@ -33986,9 +29458,9 @@
               <a:buFont typeface="Wingdings" pitchFamily="2" charset="2"/>
               <a:buNone/>
             </a:pPr>
-            <a:endParaRPr lang="en-US" altLang="zh-CN" sz="2000" b="1">
+            <a:endParaRPr lang="en-US" altLang="zh-CN" sz="2000" b="1" dirty="0">
               <a:solidFill>
-                <a:schemeClr val="folHlink"/>
+                <a:srgbClr val="0432FF"/>
               </a:solidFill>
               <a:latin typeface="Courier New" panose="02070309020205020404" pitchFamily="49" charset="0"/>
             </a:endParaRPr>
@@ -34002,9 +29474,9 @@
               <a:buNone/>
             </a:pPr>
             <a:r>
-              <a:rPr lang="en-US" altLang="zh-CN" sz="2000" b="1">
-                <a:solidFill>
-                  <a:schemeClr val="folHlink"/>
+              <a:rPr lang="en-US" altLang="zh-CN" sz="2000" b="1" dirty="0">
+                <a:solidFill>
+                  <a:srgbClr val="0432FF"/>
                 </a:solidFill>
                 <a:latin typeface="Courier New" panose="02070309020205020404" pitchFamily="49" charset="0"/>
               </a:rPr>
@@ -34060,8 +29532,8 @@
           <a:lstStyle/>
           <a:p>
             <a:r>
-              <a:rPr lang="en-US" altLang="zh-CN"/>
-              <a:t>Implementation Using Extensible Array</a:t>
+              <a:rPr lang="en-US" altLang="zh-CN" dirty="0"/>
+              <a:t>Implementation Using Vectors</a:t>
             </a:r>
           </a:p>
         </p:txBody>
@@ -34092,10 +29564,22 @@
               <a:buNone/>
             </a:pPr>
             <a:r>
-              <a:rPr lang="en-US" altLang="zh-CN" sz="2000" b="1">
+              <a:rPr lang="en-US" altLang="zh-CN" sz="2000" b="1" dirty="0">
                 <a:latin typeface="Courier New" panose="02070309020205020404" pitchFamily="49" charset="0"/>
               </a:rPr>
-              <a:t>// in file “arrayQueue.c”</a:t>
+              <a:t>// in file “</a:t>
+            </a:r>
+            <a:r>
+              <a:rPr lang="en-US" altLang="zh-CN" sz="2000" b="1" dirty="0" err="1">
+                <a:latin typeface="Courier New" panose="02070309020205020404" pitchFamily="49" charset="0"/>
+              </a:rPr>
+              <a:t>queue.c</a:t>
+            </a:r>
+            <a:r>
+              <a:rPr lang="en-US" altLang="zh-CN" sz="2000" b="1" dirty="0">
+                <a:latin typeface="Courier New" panose="02070309020205020404" pitchFamily="49" charset="0"/>
+              </a:rPr>
+              <a:t>”</a:t>
             </a:r>
           </a:p>
           <a:p>
@@ -34104,13 +29588,31 @@
               <a:buNone/>
             </a:pPr>
             <a:r>
-              <a:rPr lang="en-US" altLang="zh-CN" sz="2000" b="1">
-                <a:solidFill>
-                  <a:schemeClr val="folHlink"/>
+              <a:rPr lang="en-US" altLang="zh-CN" sz="2000" b="1" dirty="0">
+                <a:solidFill>
+                  <a:srgbClr val="0432FF"/>
                 </a:solidFill>
                 <a:latin typeface="Courier New" panose="02070309020205020404" pitchFamily="49" charset="0"/>
               </a:rPr>
-              <a:t>#include “queue.h”</a:t>
+              <a:t>#include “</a:t>
+            </a:r>
+            <a:r>
+              <a:rPr lang="en-US" altLang="zh-CN" sz="2000" b="1" dirty="0" err="1">
+                <a:solidFill>
+                  <a:srgbClr val="0432FF"/>
+                </a:solidFill>
+                <a:latin typeface="Courier New" panose="02070309020205020404" pitchFamily="49" charset="0"/>
+              </a:rPr>
+              <a:t>queue.h</a:t>
+            </a:r>
+            <a:r>
+              <a:rPr lang="en-US" altLang="zh-CN" sz="2000" b="1" dirty="0">
+                <a:solidFill>
+                  <a:srgbClr val="0432FF"/>
+                </a:solidFill>
+                <a:latin typeface="Courier New" panose="02070309020205020404" pitchFamily="49" charset="0"/>
+              </a:rPr>
+              <a:t>”</a:t>
             </a:r>
           </a:p>
           <a:p>
@@ -34118,9 +29620,9 @@
               <a:buFont typeface="Wingdings" pitchFamily="2" charset="2"/>
               <a:buNone/>
             </a:pPr>
-            <a:endParaRPr lang="en-US" altLang="zh-CN" sz="2000" b="1">
+            <a:endParaRPr lang="en-US" altLang="zh-CN" sz="2000" b="1" dirty="0">
               <a:solidFill>
-                <a:schemeClr val="folHlink"/>
+                <a:srgbClr val="0432FF"/>
               </a:solidFill>
               <a:latin typeface="Courier New" panose="02070309020205020404" pitchFamily="49" charset="0"/>
             </a:endParaRPr>
@@ -34131,13 +29633,31 @@
               <a:buNone/>
             </a:pPr>
             <a:r>
-              <a:rPr lang="en-US" altLang="zh-CN" sz="2000" b="1">
-                <a:solidFill>
-                  <a:schemeClr val="folHlink"/>
+              <a:rPr lang="en-US" altLang="zh-CN" sz="2000" b="1" dirty="0">
+                <a:solidFill>
+                  <a:srgbClr val="0432FF"/>
                 </a:solidFill>
                 <a:latin typeface="Courier New" panose="02070309020205020404" pitchFamily="49" charset="0"/>
               </a:rPr>
-              <a:t>struct Queue_t</a:t>
+              <a:t>struct </a:t>
+            </a:r>
+            <a:r>
+              <a:rPr lang="en-US" altLang="zh-CN" sz="2000" b="1" dirty="0" err="1">
+                <a:solidFill>
+                  <a:srgbClr val="0432FF"/>
+                </a:solidFill>
+                <a:latin typeface="Courier New" panose="02070309020205020404" pitchFamily="49" charset="0"/>
+              </a:rPr>
+              <a:t>Queue_t</a:t>
+            </a:r>
+            <a:r>
+              <a:rPr lang="en-US" altLang="zh-CN" sz="2000" b="1" dirty="0">
+                <a:solidFill>
+                  <a:srgbClr val="0432FF"/>
+                </a:solidFill>
+                <a:latin typeface="Courier New" panose="02070309020205020404" pitchFamily="49" charset="0"/>
+              </a:rPr>
+              <a:t>{</a:t>
             </a:r>
           </a:p>
           <a:p>
@@ -34146,13 +29666,31 @@
               <a:buNone/>
             </a:pPr>
             <a:r>
-              <a:rPr lang="en-US" altLang="zh-CN" sz="2000" b="1">
-                <a:solidFill>
-                  <a:schemeClr val="folHlink"/>
+              <a:rPr lang="en-US" altLang="zh-CN" sz="2000" b="1" dirty="0">
+                <a:solidFill>
+                  <a:srgbClr val="0432FF"/>
                 </a:solidFill>
                 <a:latin typeface="Courier New" panose="02070309020205020404" pitchFamily="49" charset="0"/>
               </a:rPr>
-              <a:t>{</a:t>
+              <a:t>  </a:t>
+            </a:r>
+            <a:r>
+              <a:rPr lang="en-US" altLang="zh-CN" sz="2000" b="1" dirty="0" err="1">
+                <a:solidFill>
+                  <a:srgbClr val="0432FF"/>
+                </a:solidFill>
+                <a:latin typeface="Courier New" panose="02070309020205020404" pitchFamily="49" charset="0"/>
+              </a:rPr>
+              <a:t>Vector_t</a:t>
+            </a:r>
+            <a:r>
+              <a:rPr lang="en-US" altLang="zh-CN" sz="2000" b="1" dirty="0">
+                <a:solidFill>
+                  <a:srgbClr val="0432FF"/>
+                </a:solidFill>
+                <a:latin typeface="Courier New" panose="02070309020205020404" pitchFamily="49" charset="0"/>
+              </a:rPr>
+              <a:t> v;</a:t>
             </a:r>
           </a:p>
           <a:p>
@@ -34161,13 +29699,13 @@
               <a:buNone/>
             </a:pPr>
             <a:r>
-              <a:rPr lang="en-US" altLang="zh-CN" sz="2000" b="1">
-                <a:solidFill>
-                  <a:schemeClr val="folHlink"/>
+              <a:rPr lang="en-US" altLang="zh-CN" sz="2000" b="1" dirty="0">
+                <a:solidFill>
+                  <a:srgbClr val="0432FF"/>
                 </a:solidFill>
                 <a:latin typeface="Courier New" panose="02070309020205020404" pitchFamily="49" charset="0"/>
               </a:rPr>
-              <a:t>  Array_t l;</a:t>
+              <a:t>};</a:t>
             </a:r>
           </a:p>
           <a:p>
@@ -34175,35 +29713,32 @@
               <a:buFont typeface="Wingdings" pitchFamily="2" charset="2"/>
               <a:buNone/>
             </a:pPr>
-            <a:r>
-              <a:rPr lang="en-US" altLang="zh-CN" sz="2000" b="1">
-                <a:solidFill>
-                  <a:schemeClr val="folHlink"/>
-                </a:solidFill>
-                <a:latin typeface="Courier New" panose="02070309020205020404" pitchFamily="49" charset="0"/>
-              </a:rPr>
-              <a:t>};</a:t>
-            </a:r>
+            <a:endParaRPr lang="en-US" altLang="zh-CN" sz="2000" b="1" dirty="0">
+              <a:latin typeface="Courier New" panose="02070309020205020404" pitchFamily="49" charset="0"/>
+            </a:endParaRPr>
           </a:p>
           <a:p>
             <a:pPr>
               <a:buFont typeface="Wingdings" pitchFamily="2" charset="2"/>
               <a:buNone/>
             </a:pPr>
-            <a:endParaRPr lang="en-US" altLang="zh-CN" sz="2000" b="1">
-              <a:latin typeface="Courier New" panose="02070309020205020404" pitchFamily="49" charset="0"/>
-            </a:endParaRPr>
-          </a:p>
-          <a:p>
-            <a:pPr>
-              <a:buFont typeface="Wingdings" pitchFamily="2" charset="2"/>
-              <a:buNone/>
-            </a:pPr>
-            <a:r>
-              <a:rPr lang="en-US" altLang="zh-CN" sz="2000" b="1">
+            <a:r>
+              <a:rPr lang="en-US" altLang="zh-CN" sz="2000" b="1" dirty="0">
                 <a:latin typeface="Courier New" panose="02070309020205020404" pitchFamily="49" charset="0"/>
               </a:rPr>
-              <a:t>// Recall the box strategy:</a:t>
+              <a:t>// Recall the</a:t>
+            </a:r>
+            <a:r>
+              <a:rPr lang="zh-CN" altLang="en-US" sz="2000" b="1" dirty="0">
+                <a:latin typeface="Courier New" panose="02070309020205020404" pitchFamily="49" charset="0"/>
+              </a:rPr>
+              <a:t> </a:t>
+            </a:r>
+            <a:r>
+              <a:rPr lang="en-US" altLang="zh-CN" sz="2000" b="1" dirty="0">
+                <a:latin typeface="Courier New" panose="02070309020205020404" pitchFamily="49" charset="0"/>
+              </a:rPr>
+              <a:t>representation:</a:t>
             </a:r>
           </a:p>
         </p:txBody>
@@ -34282,8 +29817,8 @@
             <a:p>
               <a:pPr algn="ctr"/>
               <a:r>
-                <a:rPr lang="en-US" altLang="zh-CN" sz="2000"/>
-                <a:t>l</a:t>
+                <a:rPr lang="en-US" altLang="zh-CN" sz="2000" dirty="0"/>
+                <a:t>v</a:t>
               </a:r>
             </a:p>
           </p:txBody>
@@ -34578,13 +30113,40 @@
               <a:buNone/>
             </a:pPr>
             <a:r>
-              <a:rPr lang="en-US" altLang="zh-CN" sz="2000" b="1">
-                <a:solidFill>
-                  <a:schemeClr val="folHlink"/>
+              <a:rPr lang="en-US" altLang="zh-CN" sz="2000" b="1" dirty="0" err="1">
+                <a:solidFill>
+                  <a:srgbClr val="0432FF"/>
                 </a:solidFill>
                 <a:latin typeface="Courier New" panose="02070309020205020404" pitchFamily="49" charset="0"/>
               </a:rPr>
-              <a:t>Queue_t Queue_new ()</a:t>
+              <a:t>Queue_t</a:t>
+            </a:r>
+            <a:r>
+              <a:rPr lang="en-US" altLang="zh-CN" sz="2000" b="1" dirty="0">
+                <a:solidFill>
+                  <a:srgbClr val="0432FF"/>
+                </a:solidFill>
+                <a:latin typeface="Courier New" panose="02070309020205020404" pitchFamily="49" charset="0"/>
+              </a:rPr>
+              <a:t> </a:t>
+            </a:r>
+            <a:r>
+              <a:rPr lang="en-US" altLang="zh-CN" sz="2000" b="1" dirty="0" err="1">
+                <a:solidFill>
+                  <a:srgbClr val="0432FF"/>
+                </a:solidFill>
+                <a:latin typeface="Courier New" panose="02070309020205020404" pitchFamily="49" charset="0"/>
+              </a:rPr>
+              <a:t>Queue_new</a:t>
+            </a:r>
+            <a:r>
+              <a:rPr lang="en-US" altLang="zh-CN" sz="2000" b="1" dirty="0">
+                <a:solidFill>
+                  <a:srgbClr val="0432FF"/>
+                </a:solidFill>
+                <a:latin typeface="Courier New" panose="02070309020205020404" pitchFamily="49" charset="0"/>
+              </a:rPr>
+              <a:t>(){</a:t>
             </a:r>
           </a:p>
           <a:p>
@@ -34596,13 +30158,76 @@
               <a:buNone/>
             </a:pPr>
             <a:r>
-              <a:rPr lang="en-US" altLang="zh-CN" sz="2000" b="1">
-                <a:solidFill>
-                  <a:schemeClr val="folHlink"/>
+              <a:rPr lang="en-US" altLang="zh-CN" sz="2000" b="1" dirty="0">
+                <a:solidFill>
+                  <a:srgbClr val="0432FF"/>
                 </a:solidFill>
                 <a:latin typeface="Courier New" panose="02070309020205020404" pitchFamily="49" charset="0"/>
               </a:rPr>
-              <a:t>{</a:t>
+              <a:t>  </a:t>
+            </a:r>
+            <a:r>
+              <a:rPr lang="en-US" altLang="zh-CN" sz="2000" b="1" dirty="0" err="1">
+                <a:solidFill>
+                  <a:srgbClr val="0432FF"/>
+                </a:solidFill>
+                <a:latin typeface="Courier New" panose="02070309020205020404" pitchFamily="49" charset="0"/>
+              </a:rPr>
+              <a:t>Queue_t</a:t>
+            </a:r>
+            <a:r>
+              <a:rPr lang="en-US" altLang="zh-CN" sz="2000" b="1" dirty="0">
+                <a:solidFill>
+                  <a:srgbClr val="0432FF"/>
+                </a:solidFill>
+                <a:latin typeface="Courier New" panose="02070309020205020404" pitchFamily="49" charset="0"/>
+              </a:rPr>
+              <a:t> q = </a:t>
+            </a:r>
+            <a:r>
+              <a:rPr lang="en-US" altLang="zh-CN" sz="2000" b="1" dirty="0" err="1">
+                <a:solidFill>
+                  <a:srgbClr val="0432FF"/>
+                </a:solidFill>
+                <a:latin typeface="Courier New" panose="02070309020205020404" pitchFamily="49" charset="0"/>
+              </a:rPr>
+              <a:t>calloc</a:t>
+            </a:r>
+            <a:r>
+              <a:rPr lang="en-US" altLang="zh-CN" sz="2000" b="1" dirty="0">
+                <a:solidFill>
+                  <a:srgbClr val="0432FF"/>
+                </a:solidFill>
+                <a:latin typeface="Courier New" panose="02070309020205020404" pitchFamily="49" charset="0"/>
+              </a:rPr>
+              <a:t>(1,</a:t>
+            </a:r>
+            <a:r>
+              <a:rPr lang="zh-CN" altLang="en-US" sz="2000" b="1" dirty="0">
+                <a:solidFill>
+                  <a:srgbClr val="0432FF"/>
+                </a:solidFill>
+                <a:latin typeface="Courier New" panose="02070309020205020404" pitchFamily="49" charset="0"/>
+              </a:rPr>
+              <a:t> </a:t>
+            </a:r>
+            <a:r>
+              <a:rPr lang="en-US" altLang="zh-CN" sz="2000" b="1" dirty="0" err="1">
+                <a:solidFill>
+                  <a:srgbClr val="0432FF"/>
+                </a:solidFill>
+                <a:latin typeface="Courier New" panose="02070309020205020404" pitchFamily="49" charset="0"/>
+              </a:rPr>
+              <a:t>sizeof</a:t>
+            </a:r>
+            <a:r>
+              <a:rPr lang="en-US" altLang="zh-CN" sz="2000" b="1" dirty="0">
+                <a:solidFill>
+                  <a:srgbClr val="0432FF"/>
+                </a:solidFill>
+                <a:latin typeface="Courier New" panose="02070309020205020404" pitchFamily="49" charset="0"/>
+              </a:rPr>
+              <a:t> (*q));</a:t>
             </a:r>
           </a:p>
           <a:p>
@@ -34614,13 +30239,31 @@
               <a:buNone/>
             </a:pPr>
             <a:r>
-              <a:rPr lang="en-US" altLang="zh-CN" sz="2000" b="1">
-                <a:solidFill>
-                  <a:schemeClr val="folHlink"/>
+              <a:rPr lang="en-US" altLang="zh-CN" sz="2000" b="1" dirty="0">
+                <a:solidFill>
+                  <a:srgbClr val="0432FF"/>
                 </a:solidFill>
                 <a:latin typeface="Courier New" panose="02070309020205020404" pitchFamily="49" charset="0"/>
               </a:rPr>
-              <a:t>  Queue_t q = malloc (sizeof (*q));</a:t>
+              <a:t>  q-&gt;v = </a:t>
+            </a:r>
+            <a:r>
+              <a:rPr lang="en-US" altLang="zh-CN" sz="2000" b="1" dirty="0" err="1">
+                <a:solidFill>
+                  <a:srgbClr val="0432FF"/>
+                </a:solidFill>
+                <a:latin typeface="Courier New" panose="02070309020205020404" pitchFamily="49" charset="0"/>
+              </a:rPr>
+              <a:t>Vector_new</a:t>
+            </a:r>
+            <a:r>
+              <a:rPr lang="en-US" altLang="zh-CN" sz="2000" b="1" dirty="0">
+                <a:solidFill>
+                  <a:srgbClr val="0432FF"/>
+                </a:solidFill>
+                <a:latin typeface="Courier New" panose="02070309020205020404" pitchFamily="49" charset="0"/>
+              </a:rPr>
+              <a:t>();</a:t>
             </a:r>
           </a:p>
           <a:p>
@@ -34631,15 +30274,12 @@
               <a:buFont typeface="Wingdings" pitchFamily="2" charset="2"/>
               <a:buNone/>
             </a:pPr>
-            <a:r>
-              <a:rPr lang="en-US" altLang="zh-CN" sz="2000" b="1">
-                <a:solidFill>
-                  <a:schemeClr val="folHlink"/>
-                </a:solidFill>
-                <a:latin typeface="Courier New" panose="02070309020205020404" pitchFamily="49" charset="0"/>
-              </a:rPr>
-              <a:t>  q-&gt;l = Array_new ();</a:t>
-            </a:r>
+            <a:endParaRPr lang="en-US" altLang="zh-CN" sz="2000" b="1" dirty="0">
+              <a:solidFill>
+                <a:srgbClr val="0432FF"/>
+              </a:solidFill>
+              <a:latin typeface="Courier New" panose="02070309020205020404" pitchFamily="49" charset="0"/>
+            </a:endParaRPr>
           </a:p>
           <a:p>
             <a:pPr>
@@ -34649,12 +30289,15 @@
               <a:buFont typeface="Wingdings" pitchFamily="2" charset="2"/>
               <a:buNone/>
             </a:pPr>
-            <a:endParaRPr lang="en-US" altLang="zh-CN" sz="2000" b="1">
-              <a:solidFill>
-                <a:schemeClr val="folHlink"/>
-              </a:solidFill>
-              <a:latin typeface="Courier New" panose="02070309020205020404" pitchFamily="49" charset="0"/>
-            </a:endParaRPr>
+            <a:r>
+              <a:rPr lang="en-US" altLang="zh-CN" sz="2000" b="1" dirty="0">
+                <a:solidFill>
+                  <a:srgbClr val="0432FF"/>
+                </a:solidFill>
+                <a:latin typeface="Courier New" panose="02070309020205020404" pitchFamily="49" charset="0"/>
+              </a:rPr>
+              <a:t>  return q;</a:t>
+            </a:r>
           </a:p>
           <a:p>
             <a:pPr>
@@ -34665,27 +30308,9 @@
               <a:buNone/>
             </a:pPr>
             <a:r>
-              <a:rPr lang="en-US" altLang="zh-CN" sz="2000" b="1">
-                <a:solidFill>
-                  <a:schemeClr val="folHlink"/>
-                </a:solidFill>
-                <a:latin typeface="Courier New" panose="02070309020205020404" pitchFamily="49" charset="0"/>
-              </a:rPr>
-              <a:t>  return q;</a:t>
-            </a:r>
-          </a:p>
-          <a:p>
-            <a:pPr>
-              <a:lnSpc>
-                <a:spcPct val="80000"/>
-              </a:lnSpc>
-              <a:buFont typeface="Wingdings" pitchFamily="2" charset="2"/>
-              <a:buNone/>
-            </a:pPr>
-            <a:r>
-              <a:rPr lang="en-US" altLang="zh-CN" sz="2000" b="1">
-                <a:solidFill>
-                  <a:schemeClr val="folHlink"/>
+              <a:rPr lang="en-US" altLang="zh-CN" sz="2000" b="1" dirty="0">
+                <a:solidFill>
+                  <a:srgbClr val="0432FF"/>
                 </a:solidFill>
                 <a:latin typeface="Courier New" panose="02070309020205020404" pitchFamily="49" charset="0"/>
               </a:rPr>
@@ -35330,8 +30955,8 @@
           <a:p>
             <a:pPr algn="ctr"/>
             <a:r>
-              <a:rPr lang="en-US" altLang="zh-CN" sz="2000"/>
-              <a:t>max</a:t>
+              <a:rPr lang="en-US" altLang="zh-CN" sz="2000" dirty="0"/>
+              <a:t>cap</a:t>
             </a:r>
           </a:p>
         </p:txBody>
@@ -35388,8 +31013,8 @@
           <a:p>
             <a:pPr algn="ctr"/>
             <a:r>
-              <a:rPr lang="en-US" altLang="zh-CN" sz="2000"/>
-              <a:t>tail</a:t>
+              <a:rPr lang="en-US" altLang="zh-CN" sz="2000" dirty="0"/>
+              <a:t>next</a:t>
             </a:r>
           </a:p>
         </p:txBody>
@@ -35576,8 +31201,8 @@
             <a:p>
               <a:pPr algn="ctr"/>
               <a:r>
-                <a:rPr lang="en-US" altLang="zh-CN" sz="2000"/>
-                <a:t>l</a:t>
+                <a:rPr lang="en-US" altLang="zh-CN" sz="2000" dirty="0"/>
+                <a:t>v</a:t>
               </a:r>
             </a:p>
           </p:txBody>
@@ -35986,13 +31611,49 @@
               <a:buNone/>
             </a:pPr>
             <a:r>
-              <a:rPr lang="en-US" altLang="zh-CN" sz="2000" b="1">
-                <a:solidFill>
-                  <a:schemeClr val="folHlink"/>
+              <a:rPr lang="en-US" altLang="zh-CN" sz="2000" b="1" dirty="0">
+                <a:solidFill>
+                  <a:srgbClr val="0432FF"/>
                 </a:solidFill>
                 <a:latin typeface="Courier New" panose="02070309020205020404" pitchFamily="49" charset="0"/>
               </a:rPr>
-              <a:t>int Queue_size (Queue_t q)</a:t>
+              <a:t>int </a:t>
+            </a:r>
+            <a:r>
+              <a:rPr lang="en-US" altLang="zh-CN" sz="2000" b="1" dirty="0" err="1">
+                <a:solidFill>
+                  <a:srgbClr val="0432FF"/>
+                </a:solidFill>
+                <a:latin typeface="Courier New" panose="02070309020205020404" pitchFamily="49" charset="0"/>
+              </a:rPr>
+              <a:t>Queue_size</a:t>
+            </a:r>
+            <a:r>
+              <a:rPr lang="en-US" altLang="zh-CN" sz="2000" b="1" dirty="0">
+                <a:solidFill>
+                  <a:srgbClr val="0432FF"/>
+                </a:solidFill>
+                <a:latin typeface="Courier New" panose="02070309020205020404" pitchFamily="49" charset="0"/>
+              </a:rPr>
+              <a:t>(</a:t>
+            </a:r>
+            <a:r>
+              <a:rPr lang="en-US" altLang="zh-CN" sz="2000" b="1" dirty="0" err="1">
+                <a:solidFill>
+                  <a:srgbClr val="0432FF"/>
+                </a:solidFill>
+                <a:latin typeface="Courier New" panose="02070309020205020404" pitchFamily="49" charset="0"/>
+              </a:rPr>
+              <a:t>Queue_t</a:t>
+            </a:r>
+            <a:r>
+              <a:rPr lang="en-US" altLang="zh-CN" sz="2000" b="1" dirty="0">
+                <a:solidFill>
+                  <a:srgbClr val="0432FF"/>
+                </a:solidFill>
+                <a:latin typeface="Courier New" panose="02070309020205020404" pitchFamily="49" charset="0"/>
+              </a:rPr>
+              <a:t> q){</a:t>
             </a:r>
           </a:p>
           <a:p>
@@ -36004,13 +31665,31 @@
               <a:buNone/>
             </a:pPr>
             <a:r>
-              <a:rPr lang="en-US" altLang="zh-CN" sz="2000" b="1">
-                <a:solidFill>
-                  <a:schemeClr val="folHlink"/>
+              <a:rPr lang="en-US" altLang="zh-CN" sz="2000" b="1" dirty="0">
+                <a:solidFill>
+                  <a:srgbClr val="0432FF"/>
                 </a:solidFill>
                 <a:latin typeface="Courier New" panose="02070309020205020404" pitchFamily="49" charset="0"/>
               </a:rPr>
-              <a:t>{</a:t>
+              <a:t>  return </a:t>
+            </a:r>
+            <a:r>
+              <a:rPr lang="en-US" altLang="zh-CN" sz="2000" b="1" dirty="0" err="1">
+                <a:solidFill>
+                  <a:srgbClr val="0432FF"/>
+                </a:solidFill>
+                <a:latin typeface="Courier New" panose="02070309020205020404" pitchFamily="49" charset="0"/>
+              </a:rPr>
+              <a:t>Vector_length</a:t>
+            </a:r>
+            <a:r>
+              <a:rPr lang="en-US" altLang="zh-CN" sz="2000" b="1" dirty="0">
+                <a:solidFill>
+                  <a:srgbClr val="0432FF"/>
+                </a:solidFill>
+                <a:latin typeface="Courier New" panose="02070309020205020404" pitchFamily="49" charset="0"/>
+              </a:rPr>
+              <a:t>(q-&gt;v);</a:t>
             </a:r>
           </a:p>
           <a:p>
@@ -36022,27 +31701,9 @@
               <a:buNone/>
             </a:pPr>
             <a:r>
-              <a:rPr lang="en-US" altLang="zh-CN" sz="2000" b="1">
-                <a:solidFill>
-                  <a:schemeClr val="folHlink"/>
-                </a:solidFill>
-                <a:latin typeface="Courier New" panose="02070309020205020404" pitchFamily="49" charset="0"/>
-              </a:rPr>
-              <a:t>  return Array_length (q-&gt;l);</a:t>
-            </a:r>
-          </a:p>
-          <a:p>
-            <a:pPr>
-              <a:lnSpc>
-                <a:spcPct val="80000"/>
-              </a:lnSpc>
-              <a:buFont typeface="Wingdings" pitchFamily="2" charset="2"/>
-              <a:buNone/>
-            </a:pPr>
-            <a:r>
-              <a:rPr lang="en-US" altLang="zh-CN" sz="2000" b="1">
-                <a:solidFill>
-                  <a:schemeClr val="folHlink"/>
+              <a:rPr lang="en-US" altLang="zh-CN" sz="2000" b="1" dirty="0">
+                <a:solidFill>
+                  <a:srgbClr val="0432FF"/>
                 </a:solidFill>
                 <a:latin typeface="Courier New" panose="02070309020205020404" pitchFamily="49" charset="0"/>
               </a:rPr>
@@ -36687,8 +32348,8 @@
           <a:p>
             <a:pPr algn="ctr"/>
             <a:r>
-              <a:rPr lang="en-US" altLang="zh-CN" sz="2000"/>
-              <a:t>max</a:t>
+              <a:rPr lang="en-US" altLang="zh-CN" sz="2000" dirty="0"/>
+              <a:t>cap</a:t>
             </a:r>
           </a:p>
         </p:txBody>
@@ -36745,8 +32406,8 @@
           <a:p>
             <a:pPr algn="ctr"/>
             <a:r>
-              <a:rPr lang="en-US" altLang="zh-CN" sz="2000"/>
-              <a:t>tail</a:t>
+              <a:rPr lang="en-US" altLang="zh-CN" sz="2000" dirty="0"/>
+              <a:t>next</a:t>
             </a:r>
           </a:p>
         </p:txBody>
@@ -36984,8 +32645,8 @@
             <a:p>
               <a:pPr algn="ctr"/>
               <a:r>
-                <a:rPr lang="en-US" altLang="zh-CN" sz="2000"/>
-                <a:t>l</a:t>
+                <a:rPr lang="en-US" altLang="zh-CN" sz="2000" dirty="0"/>
+                <a:t>v</a:t>
               </a:r>
             </a:p>
           </p:txBody>
@@ -37342,13 +33003,49 @@
               <a:buNone/>
             </a:pPr>
             <a:r>
-              <a:rPr lang="en-US" altLang="zh-CN" sz="2000" b="1">
+              <a:rPr lang="en-US" altLang="zh-CN" sz="2000" b="1" dirty="0">
                 <a:solidFill>
                   <a:schemeClr val="folHlink"/>
                 </a:solidFill>
                 <a:latin typeface="Courier New" panose="02070309020205020404" pitchFamily="49" charset="0"/>
               </a:rPr>
-              <a:t>int Queue_isEmpty (Queue_t q)</a:t>
+              <a:t>int </a:t>
+            </a:r>
+            <a:r>
+              <a:rPr lang="en-US" altLang="zh-CN" sz="2000" b="1" dirty="0" err="1">
+                <a:solidFill>
+                  <a:schemeClr val="folHlink"/>
+                </a:solidFill>
+                <a:latin typeface="Courier New" panose="02070309020205020404" pitchFamily="49" charset="0"/>
+              </a:rPr>
+              <a:t>Queue_isEmpty</a:t>
+            </a:r>
+            <a:r>
+              <a:rPr lang="en-US" altLang="zh-CN" sz="2000" b="1" dirty="0">
+                <a:solidFill>
+                  <a:schemeClr val="folHlink"/>
+                </a:solidFill>
+                <a:latin typeface="Courier New" panose="02070309020205020404" pitchFamily="49" charset="0"/>
+              </a:rPr>
+              <a:t>(</a:t>
+            </a:r>
+            <a:r>
+              <a:rPr lang="en-US" altLang="zh-CN" sz="2000" b="1" dirty="0" err="1">
+                <a:solidFill>
+                  <a:schemeClr val="folHlink"/>
+                </a:solidFill>
+                <a:latin typeface="Courier New" panose="02070309020205020404" pitchFamily="49" charset="0"/>
+              </a:rPr>
+              <a:t>Queue_t</a:t>
+            </a:r>
+            <a:r>
+              <a:rPr lang="en-US" altLang="zh-CN" sz="2000" b="1" dirty="0">
+                <a:solidFill>
+                  <a:schemeClr val="folHlink"/>
+                </a:solidFill>
+                <a:latin typeface="Courier New" panose="02070309020205020404" pitchFamily="49" charset="0"/>
+              </a:rPr>
+              <a:t> q){</a:t>
             </a:r>
           </a:p>
           <a:p>
@@ -37360,13 +33057,31 @@
               <a:buNone/>
             </a:pPr>
             <a:r>
-              <a:rPr lang="en-US" altLang="zh-CN" sz="2000" b="1">
+              <a:rPr lang="en-US" altLang="zh-CN" sz="2000" b="1" dirty="0">
                 <a:solidFill>
                   <a:schemeClr val="folHlink"/>
                 </a:solidFill>
                 <a:latin typeface="Courier New" panose="02070309020205020404" pitchFamily="49" charset="0"/>
               </a:rPr>
-              <a:t>{</a:t>
+              <a:t>  return </a:t>
+            </a:r>
+            <a:r>
+              <a:rPr lang="en-US" altLang="zh-CN" sz="2000" b="1" dirty="0" err="1">
+                <a:solidFill>
+                  <a:schemeClr val="folHlink"/>
+                </a:solidFill>
+                <a:latin typeface="Courier New" panose="02070309020205020404" pitchFamily="49" charset="0"/>
+              </a:rPr>
+              <a:t>Vector_isEmpty</a:t>
+            </a:r>
+            <a:r>
+              <a:rPr lang="en-US" altLang="zh-CN" sz="2000" b="1" dirty="0">
+                <a:solidFill>
+                  <a:schemeClr val="folHlink"/>
+                </a:solidFill>
+                <a:latin typeface="Courier New" panose="02070309020205020404" pitchFamily="49" charset="0"/>
+              </a:rPr>
+              <a:t>(q-&gt;v);</a:t>
             </a:r>
           </a:p>
           <a:p>
@@ -37378,25 +33093,7 @@
               <a:buNone/>
             </a:pPr>
             <a:r>
-              <a:rPr lang="en-US" altLang="zh-CN" sz="2000" b="1">
-                <a:solidFill>
-                  <a:schemeClr val="folHlink"/>
-                </a:solidFill>
-                <a:latin typeface="Courier New" panose="02070309020205020404" pitchFamily="49" charset="0"/>
-              </a:rPr>
-              <a:t>  return Array_isEmpty (q-&gt;l);</a:t>
-            </a:r>
-          </a:p>
-          <a:p>
-            <a:pPr>
-              <a:lnSpc>
-                <a:spcPct val="80000"/>
-              </a:lnSpc>
-              <a:buFont typeface="Wingdings" pitchFamily="2" charset="2"/>
-              <a:buNone/>
-            </a:pPr>
-            <a:r>
-              <a:rPr lang="en-US" altLang="zh-CN" sz="2000" b="1">
+              <a:rPr lang="en-US" altLang="zh-CN" sz="2000" b="1" dirty="0">
                 <a:solidFill>
                   <a:schemeClr val="folHlink"/>
                 </a:solidFill>
@@ -38043,8 +33740,8 @@
           <a:p>
             <a:pPr algn="ctr"/>
             <a:r>
-              <a:rPr lang="en-US" altLang="zh-CN" sz="2000"/>
-              <a:t>max</a:t>
+              <a:rPr lang="en-US" altLang="zh-CN" sz="2000" dirty="0"/>
+              <a:t>cap</a:t>
             </a:r>
           </a:p>
         </p:txBody>
@@ -38101,8 +33798,8 @@
           <a:p>
             <a:pPr algn="ctr"/>
             <a:r>
-              <a:rPr lang="en-US" altLang="zh-CN" sz="2000"/>
-              <a:t>tail</a:t>
+              <a:rPr lang="en-US" altLang="zh-CN" sz="2000" dirty="0"/>
+              <a:t>next</a:t>
             </a:r>
           </a:p>
         </p:txBody>
@@ -38341,8 +34038,8 @@
             <a:p>
               <a:pPr algn="ctr"/>
               <a:r>
-                <a:rPr lang="en-US" altLang="zh-CN" sz="2000"/>
-                <a:t>l</a:t>
+                <a:rPr lang="en-US" altLang="zh-CN" sz="2000" dirty="0"/>
+                <a:t>v</a:t>
               </a:r>
             </a:p>
           </p:txBody>
@@ -38699,13 +34396,67 @@
               <a:buNone/>
             </a:pPr>
             <a:r>
-              <a:rPr lang="en-US" altLang="zh-CN" sz="2000" b="1">
-                <a:solidFill>
-                  <a:schemeClr val="folHlink"/>
+              <a:rPr lang="en-US" altLang="zh-CN" sz="2000" b="1" dirty="0">
+                <a:solidFill>
+                  <a:srgbClr val="0432FF"/>
                 </a:solidFill>
                 <a:latin typeface="Courier New" panose="02070309020205020404" pitchFamily="49" charset="0"/>
               </a:rPr>
-              <a:t>void Queue_enQueue (Queue_t q, poly x)</a:t>
+              <a:t>void </a:t>
+            </a:r>
+            <a:r>
+              <a:rPr lang="en-US" altLang="zh-CN" sz="2000" b="1" dirty="0" err="1">
+                <a:solidFill>
+                  <a:srgbClr val="0432FF"/>
+                </a:solidFill>
+                <a:latin typeface="Courier New" panose="02070309020205020404" pitchFamily="49" charset="0"/>
+              </a:rPr>
+              <a:t>Queue_enQueue</a:t>
+            </a:r>
+            <a:r>
+              <a:rPr lang="en-US" altLang="zh-CN" sz="2000" b="1" dirty="0">
+                <a:solidFill>
+                  <a:srgbClr val="0432FF"/>
+                </a:solidFill>
+                <a:latin typeface="Courier New" panose="02070309020205020404" pitchFamily="49" charset="0"/>
+              </a:rPr>
+              <a:t>(</a:t>
+            </a:r>
+            <a:r>
+              <a:rPr lang="en-US" altLang="zh-CN" sz="2000" b="1" dirty="0" err="1">
+                <a:solidFill>
+                  <a:srgbClr val="0432FF"/>
+                </a:solidFill>
+                <a:latin typeface="Courier New" panose="02070309020205020404" pitchFamily="49" charset="0"/>
+              </a:rPr>
+              <a:t>Queue_t</a:t>
+            </a:r>
+            <a:r>
+              <a:rPr lang="en-US" altLang="zh-CN" sz="2000" b="1" dirty="0">
+                <a:solidFill>
+                  <a:srgbClr val="0432FF"/>
+                </a:solidFill>
+                <a:latin typeface="Courier New" panose="02070309020205020404" pitchFamily="49" charset="0"/>
+              </a:rPr>
+              <a:t> q, </a:t>
+            </a:r>
+            <a:r>
+              <a:rPr lang="en-US" altLang="zh-CN" sz="2000" b="1" dirty="0" err="1">
+                <a:solidFill>
+                  <a:srgbClr val="0432FF"/>
+                </a:solidFill>
+                <a:latin typeface="Courier New" panose="02070309020205020404" pitchFamily="49" charset="0"/>
+              </a:rPr>
+              <a:t>Poly_t</a:t>
+            </a:r>
+            <a:r>
+              <a:rPr lang="en-US" altLang="zh-CN" sz="2000" b="1" dirty="0">
+                <a:solidFill>
+                  <a:srgbClr val="0432FF"/>
+                </a:solidFill>
+                <a:latin typeface="Courier New" panose="02070309020205020404" pitchFamily="49" charset="0"/>
+              </a:rPr>
+              <a:t> x){</a:t>
             </a:r>
           </a:p>
           <a:p>
@@ -38717,13 +34468,31 @@
               <a:buNone/>
             </a:pPr>
             <a:r>
-              <a:rPr lang="en-US" altLang="zh-CN" sz="2000" b="1">
-                <a:solidFill>
-                  <a:schemeClr val="folHlink"/>
+              <a:rPr lang="en-US" altLang="zh-CN" sz="2000" b="1" dirty="0">
+                <a:solidFill>
+                  <a:srgbClr val="0432FF"/>
                 </a:solidFill>
                 <a:latin typeface="Courier New" panose="02070309020205020404" pitchFamily="49" charset="0"/>
               </a:rPr>
-              <a:t>{</a:t>
+              <a:t>  </a:t>
+            </a:r>
+            <a:r>
+              <a:rPr lang="en-US" altLang="zh-CN" sz="2000" b="1" dirty="0" err="1">
+                <a:solidFill>
+                  <a:srgbClr val="0432FF"/>
+                </a:solidFill>
+                <a:latin typeface="Courier New" panose="02070309020205020404" pitchFamily="49" charset="0"/>
+              </a:rPr>
+              <a:t>Vector_insertLast</a:t>
+            </a:r>
+            <a:r>
+              <a:rPr lang="en-US" altLang="zh-CN" sz="2000" b="1" dirty="0">
+                <a:solidFill>
+                  <a:srgbClr val="0432FF"/>
+                </a:solidFill>
+                <a:latin typeface="Courier New" panose="02070309020205020404" pitchFamily="49" charset="0"/>
+              </a:rPr>
+              <a:t>(q&gt;v, x);</a:t>
             </a:r>
           </a:p>
           <a:p>
@@ -38735,13 +34504,13 @@
               <a:buNone/>
             </a:pPr>
             <a:r>
-              <a:rPr lang="en-US" altLang="zh-CN" sz="2000" b="1">
-                <a:solidFill>
-                  <a:schemeClr val="folHlink"/>
+              <a:rPr lang="en-US" altLang="zh-CN" sz="2000" b="1" dirty="0">
+                <a:solidFill>
+                  <a:srgbClr val="0432FF"/>
                 </a:solidFill>
                 <a:latin typeface="Courier New" panose="02070309020205020404" pitchFamily="49" charset="0"/>
               </a:rPr>
-              <a:t>  Array_insertLast (stk-&gt;l, x);</a:t>
+              <a:t>  return;</a:t>
             </a:r>
           </a:p>
           <a:p>
@@ -38753,13 +34522,13 @@
               <a:buNone/>
             </a:pPr>
             <a:r>
-              <a:rPr lang="en-US" altLang="zh-CN" sz="2000" b="1">
-                <a:solidFill>
-                  <a:schemeClr val="folHlink"/>
+              <a:rPr lang="en-US" altLang="zh-CN" sz="2000" b="1" dirty="0">
+                <a:solidFill>
+                  <a:srgbClr val="0432FF"/>
                 </a:solidFill>
                 <a:latin typeface="Courier New" panose="02070309020205020404" pitchFamily="49" charset="0"/>
               </a:rPr>
-              <a:t>  return;</a:t>
+              <a:t>}</a:t>
             </a:r>
           </a:p>
           <a:p>
@@ -38770,25 +34539,10 @@
               <a:buFont typeface="Wingdings" pitchFamily="2" charset="2"/>
               <a:buNone/>
             </a:pPr>
-            <a:r>
-              <a:rPr lang="en-US" altLang="zh-CN" sz="2000" b="1">
-                <a:solidFill>
-                  <a:schemeClr val="folHlink"/>
-                </a:solidFill>
-                <a:latin typeface="Courier New" panose="02070309020205020404" pitchFamily="49" charset="0"/>
-              </a:rPr>
-              <a:t>}</a:t>
-            </a:r>
-          </a:p>
-          <a:p>
-            <a:pPr>
-              <a:lnSpc>
-                <a:spcPct val="80000"/>
-              </a:lnSpc>
-              <a:buFont typeface="Wingdings" pitchFamily="2" charset="2"/>
-              <a:buNone/>
-            </a:pPr>
-            <a:endParaRPr lang="en-US" altLang="zh-CN" sz="2000" b="1">
+            <a:endParaRPr lang="en-US" altLang="zh-CN" sz="2000" b="1" dirty="0">
+              <a:solidFill>
+                <a:srgbClr val="0432FF"/>
+              </a:solidFill>
               <a:latin typeface="Courier New" panose="02070309020205020404" pitchFamily="49" charset="0"/>
             </a:endParaRPr>
           </a:p>
